--- a/docs/Presentacion_v2.pptx
+++ b/docs/Presentacion_v2.pptx
@@ -117,6 +117,547 @@
 </p:presentation>
 </file>
 
+<file path=ppt/charts/chart1.xml><?xml version="1.0" encoding="utf-8"?>
+<c:chartSpace xmlns:c="http://schemas.openxmlformats.org/drawingml/2006/chart" xmlns:a="http://schemas.openxmlformats.org/drawingml/2006/main" xmlns:r="http://schemas.openxmlformats.org/officeDocument/2006/relationships">
+  <c:lang val="es-AR"/>
+  <c:chart>
+    <c:plotArea>
+      <c:layout/>
+      <c:scatterChart>
+        <c:scatterStyle val="smoothMarker"/>
+        <c:ser>
+          <c:idx val="0"/>
+          <c:order val="0"/>
+          <c:tx>
+            <c:strRef>
+              <c:f>Hoja1!$B$1</c:f>
+              <c:strCache>
+                <c:ptCount val="1"/>
+                <c:pt idx="0">
+                  <c:v>Cant. Vendidas</c:v>
+                </c:pt>
+              </c:strCache>
+            </c:strRef>
+          </c:tx>
+          <c:xVal>
+            <c:numRef>
+              <c:f>Hoja1!$A$2:$A$19</c:f>
+              <c:numCache>
+                <c:formatCode>General</c:formatCode>
+                <c:ptCount val="18"/>
+                <c:pt idx="0">
+                  <c:v>1</c:v>
+                </c:pt>
+                <c:pt idx="1">
+                  <c:v>2</c:v>
+                </c:pt>
+                <c:pt idx="2">
+                  <c:v>3</c:v>
+                </c:pt>
+                <c:pt idx="3">
+                  <c:v>4</c:v>
+                </c:pt>
+                <c:pt idx="4">
+                  <c:v>5</c:v>
+                </c:pt>
+                <c:pt idx="5">
+                  <c:v>6</c:v>
+                </c:pt>
+                <c:pt idx="6">
+                  <c:v>7</c:v>
+                </c:pt>
+                <c:pt idx="7">
+                  <c:v>8</c:v>
+                </c:pt>
+                <c:pt idx="8">
+                  <c:v>9</c:v>
+                </c:pt>
+                <c:pt idx="9">
+                  <c:v>10</c:v>
+                </c:pt>
+                <c:pt idx="10">
+                  <c:v>11</c:v>
+                </c:pt>
+                <c:pt idx="11">
+                  <c:v>12</c:v>
+                </c:pt>
+                <c:pt idx="12">
+                  <c:v>13</c:v>
+                </c:pt>
+                <c:pt idx="13">
+                  <c:v>14</c:v>
+                </c:pt>
+                <c:pt idx="14">
+                  <c:v>15</c:v>
+                </c:pt>
+                <c:pt idx="15">
+                  <c:v>16</c:v>
+                </c:pt>
+                <c:pt idx="16">
+                  <c:v>17</c:v>
+                </c:pt>
+                <c:pt idx="17">
+                  <c:v>18</c:v>
+                </c:pt>
+              </c:numCache>
+            </c:numRef>
+          </c:xVal>
+          <c:yVal>
+            <c:numRef>
+              <c:f>Hoja1!$B$2:$B$19</c:f>
+              <c:numCache>
+                <c:formatCode>General</c:formatCode>
+                <c:ptCount val="18"/>
+                <c:pt idx="0">
+                  <c:v>0</c:v>
+                </c:pt>
+                <c:pt idx="1">
+                  <c:v>1000</c:v>
+                </c:pt>
+                <c:pt idx="2">
+                  <c:v>2000</c:v>
+                </c:pt>
+                <c:pt idx="3">
+                  <c:v>4000</c:v>
+                </c:pt>
+                <c:pt idx="4">
+                  <c:v>5000</c:v>
+                </c:pt>
+                <c:pt idx="5">
+                  <c:v>7000</c:v>
+                </c:pt>
+                <c:pt idx="6">
+                  <c:v>7000</c:v>
+                </c:pt>
+                <c:pt idx="7">
+                  <c:v>8000</c:v>
+                </c:pt>
+                <c:pt idx="8">
+                  <c:v>8000</c:v>
+                </c:pt>
+                <c:pt idx="9">
+                  <c:v>7000</c:v>
+                </c:pt>
+                <c:pt idx="10">
+                  <c:v>7000</c:v>
+                </c:pt>
+                <c:pt idx="11">
+                  <c:v>6000</c:v>
+                </c:pt>
+                <c:pt idx="12">
+                  <c:v>5000</c:v>
+                </c:pt>
+                <c:pt idx="13">
+                  <c:v>5000</c:v>
+                </c:pt>
+                <c:pt idx="14">
+                  <c:v>5000</c:v>
+                </c:pt>
+                <c:pt idx="15">
+                  <c:v>4000</c:v>
+                </c:pt>
+                <c:pt idx="16">
+                  <c:v>4000</c:v>
+                </c:pt>
+                <c:pt idx="17">
+                  <c:v>4000</c:v>
+                </c:pt>
+              </c:numCache>
+            </c:numRef>
+          </c:yVal>
+          <c:smooth val="1"/>
+        </c:ser>
+        <c:ser>
+          <c:idx val="1"/>
+          <c:order val="1"/>
+          <c:tx>
+            <c:strRef>
+              <c:f>Hoja1!$C$1</c:f>
+              <c:strCache>
+                <c:ptCount val="1"/>
+                <c:pt idx="0">
+                  <c:v>Ingreso</c:v>
+                </c:pt>
+              </c:strCache>
+            </c:strRef>
+          </c:tx>
+          <c:xVal>
+            <c:numRef>
+              <c:f>Hoja1!$A$2:$A$19</c:f>
+              <c:numCache>
+                <c:formatCode>General</c:formatCode>
+                <c:ptCount val="18"/>
+                <c:pt idx="0">
+                  <c:v>1</c:v>
+                </c:pt>
+                <c:pt idx="1">
+                  <c:v>2</c:v>
+                </c:pt>
+                <c:pt idx="2">
+                  <c:v>3</c:v>
+                </c:pt>
+                <c:pt idx="3">
+                  <c:v>4</c:v>
+                </c:pt>
+                <c:pt idx="4">
+                  <c:v>5</c:v>
+                </c:pt>
+                <c:pt idx="5">
+                  <c:v>6</c:v>
+                </c:pt>
+                <c:pt idx="6">
+                  <c:v>7</c:v>
+                </c:pt>
+                <c:pt idx="7">
+                  <c:v>8</c:v>
+                </c:pt>
+                <c:pt idx="8">
+                  <c:v>9</c:v>
+                </c:pt>
+                <c:pt idx="9">
+                  <c:v>10</c:v>
+                </c:pt>
+                <c:pt idx="10">
+                  <c:v>11</c:v>
+                </c:pt>
+                <c:pt idx="11">
+                  <c:v>12</c:v>
+                </c:pt>
+                <c:pt idx="12">
+                  <c:v>13</c:v>
+                </c:pt>
+                <c:pt idx="13">
+                  <c:v>14</c:v>
+                </c:pt>
+                <c:pt idx="14">
+                  <c:v>15</c:v>
+                </c:pt>
+                <c:pt idx="15">
+                  <c:v>16</c:v>
+                </c:pt>
+                <c:pt idx="16">
+                  <c:v>17</c:v>
+                </c:pt>
+                <c:pt idx="17">
+                  <c:v>18</c:v>
+                </c:pt>
+              </c:numCache>
+            </c:numRef>
+          </c:xVal>
+          <c:yVal>
+            <c:numRef>
+              <c:f>Hoja1!$C$2:$C$19</c:f>
+              <c:numCache>
+                <c:formatCode>General</c:formatCode>
+                <c:ptCount val="18"/>
+                <c:pt idx="0">
+                  <c:v>0</c:v>
+                </c:pt>
+                <c:pt idx="1">
+                  <c:v>5000</c:v>
+                </c:pt>
+                <c:pt idx="2">
+                  <c:v>10000</c:v>
+                </c:pt>
+                <c:pt idx="3">
+                  <c:v>20000</c:v>
+                </c:pt>
+                <c:pt idx="4">
+                  <c:v>25000</c:v>
+                </c:pt>
+                <c:pt idx="5">
+                  <c:v>35000</c:v>
+                </c:pt>
+                <c:pt idx="6">
+                  <c:v>35000</c:v>
+                </c:pt>
+                <c:pt idx="7">
+                  <c:v>40000</c:v>
+                </c:pt>
+                <c:pt idx="8">
+                  <c:v>40000</c:v>
+                </c:pt>
+                <c:pt idx="9">
+                  <c:v>35000</c:v>
+                </c:pt>
+                <c:pt idx="10">
+                  <c:v>35000</c:v>
+                </c:pt>
+                <c:pt idx="11">
+                  <c:v>30000</c:v>
+                </c:pt>
+                <c:pt idx="12">
+                  <c:v>25000</c:v>
+                </c:pt>
+                <c:pt idx="13">
+                  <c:v>25000</c:v>
+                </c:pt>
+                <c:pt idx="14">
+                  <c:v>25000</c:v>
+                </c:pt>
+                <c:pt idx="15">
+                  <c:v>20000</c:v>
+                </c:pt>
+                <c:pt idx="16">
+                  <c:v>20000</c:v>
+                </c:pt>
+                <c:pt idx="17">
+                  <c:v>20000</c:v>
+                </c:pt>
+              </c:numCache>
+            </c:numRef>
+          </c:yVal>
+          <c:smooth val="1"/>
+        </c:ser>
+        <c:ser>
+          <c:idx val="2"/>
+          <c:order val="2"/>
+          <c:tx>
+            <c:strRef>
+              <c:f>Hoja1!$D$1</c:f>
+              <c:strCache>
+                <c:ptCount val="1"/>
+                <c:pt idx="0">
+                  <c:v>Costos</c:v>
+                </c:pt>
+              </c:strCache>
+            </c:strRef>
+          </c:tx>
+          <c:xVal>
+            <c:numRef>
+              <c:f>Hoja1!$A$2:$A$19</c:f>
+              <c:numCache>
+                <c:formatCode>General</c:formatCode>
+                <c:ptCount val="18"/>
+                <c:pt idx="0">
+                  <c:v>1</c:v>
+                </c:pt>
+                <c:pt idx="1">
+                  <c:v>2</c:v>
+                </c:pt>
+                <c:pt idx="2">
+                  <c:v>3</c:v>
+                </c:pt>
+                <c:pt idx="3">
+                  <c:v>4</c:v>
+                </c:pt>
+                <c:pt idx="4">
+                  <c:v>5</c:v>
+                </c:pt>
+                <c:pt idx="5">
+                  <c:v>6</c:v>
+                </c:pt>
+                <c:pt idx="6">
+                  <c:v>7</c:v>
+                </c:pt>
+                <c:pt idx="7">
+                  <c:v>8</c:v>
+                </c:pt>
+                <c:pt idx="8">
+                  <c:v>9</c:v>
+                </c:pt>
+                <c:pt idx="9">
+                  <c:v>10</c:v>
+                </c:pt>
+                <c:pt idx="10">
+                  <c:v>11</c:v>
+                </c:pt>
+                <c:pt idx="11">
+                  <c:v>12</c:v>
+                </c:pt>
+                <c:pt idx="12">
+                  <c:v>13</c:v>
+                </c:pt>
+                <c:pt idx="13">
+                  <c:v>14</c:v>
+                </c:pt>
+                <c:pt idx="14">
+                  <c:v>15</c:v>
+                </c:pt>
+                <c:pt idx="15">
+                  <c:v>16</c:v>
+                </c:pt>
+                <c:pt idx="16">
+                  <c:v>17</c:v>
+                </c:pt>
+                <c:pt idx="17">
+                  <c:v>18</c:v>
+                </c:pt>
+              </c:numCache>
+            </c:numRef>
+          </c:xVal>
+          <c:yVal>
+            <c:numRef>
+              <c:f>Hoja1!$D$2:$D$19</c:f>
+              <c:numCache>
+                <c:formatCode>General</c:formatCode>
+                <c:ptCount val="18"/>
+                <c:pt idx="0">
+                  <c:v>26000</c:v>
+                </c:pt>
+                <c:pt idx="1">
+                  <c:v>18143.16</c:v>
+                </c:pt>
+                <c:pt idx="2">
+                  <c:v>18143.16</c:v>
+                </c:pt>
+                <c:pt idx="3">
+                  <c:v>18143.16</c:v>
+                </c:pt>
+                <c:pt idx="4">
+                  <c:v>18143.16</c:v>
+                </c:pt>
+                <c:pt idx="5">
+                  <c:v>18143.16</c:v>
+                </c:pt>
+                <c:pt idx="6">
+                  <c:v>18143.16</c:v>
+                </c:pt>
+                <c:pt idx="7">
+                  <c:v>18143.16</c:v>
+                </c:pt>
+                <c:pt idx="8">
+                  <c:v>18143.16</c:v>
+                </c:pt>
+                <c:pt idx="9">
+                  <c:v>18143.16</c:v>
+                </c:pt>
+                <c:pt idx="10">
+                  <c:v>18143.16</c:v>
+                </c:pt>
+                <c:pt idx="11">
+                  <c:v>18143.16</c:v>
+                </c:pt>
+                <c:pt idx="12">
+                  <c:v>18143.16</c:v>
+                </c:pt>
+                <c:pt idx="13">
+                  <c:v>18143.16</c:v>
+                </c:pt>
+                <c:pt idx="14">
+                  <c:v>18143.16</c:v>
+                </c:pt>
+                <c:pt idx="15">
+                  <c:v>18143.16</c:v>
+                </c:pt>
+                <c:pt idx="16">
+                  <c:v>18143.16</c:v>
+                </c:pt>
+                <c:pt idx="17">
+                  <c:v>18143.16</c:v>
+                </c:pt>
+              </c:numCache>
+            </c:numRef>
+          </c:yVal>
+          <c:smooth val="1"/>
+        </c:ser>
+        <c:axId val="52926720"/>
+        <c:axId val="53963776"/>
+      </c:scatterChart>
+      <c:valAx>
+        <c:axId val="52926720"/>
+        <c:scaling>
+          <c:orientation val="minMax"/>
+        </c:scaling>
+        <c:axPos val="b"/>
+        <c:majorGridlines/>
+        <c:title>
+          <c:tx>
+            <c:rich>
+              <a:bodyPr/>
+              <a:lstStyle/>
+              <a:p>
+                <a:pPr>
+                  <a:defRPr sz="1400"/>
+                </a:pPr>
+                <a:r>
+                  <a:rPr lang="es-AR" sz="1400"/>
+                  <a:t>Bimestres</a:t>
+                </a:r>
+              </a:p>
+            </c:rich>
+          </c:tx>
+          <c:layout/>
+        </c:title>
+        <c:numFmt formatCode="General" sourceLinked="1"/>
+        <c:tickLblPos val="nextTo"/>
+        <c:txPr>
+          <a:bodyPr/>
+          <a:lstStyle/>
+          <a:p>
+            <a:pPr>
+              <a:defRPr sz="1400"/>
+            </a:pPr>
+            <a:endParaRPr lang="es-AR"/>
+          </a:p>
+        </c:txPr>
+        <c:crossAx val="53963776"/>
+        <c:crosses val="autoZero"/>
+        <c:crossBetween val="midCat"/>
+        <c:majorUnit val="1"/>
+      </c:valAx>
+      <c:valAx>
+        <c:axId val="53963776"/>
+        <c:scaling>
+          <c:orientation val="minMax"/>
+        </c:scaling>
+        <c:axPos val="l"/>
+        <c:majorGridlines/>
+        <c:title>
+          <c:tx>
+            <c:rich>
+              <a:bodyPr rot="-5400000" vert="horz"/>
+              <a:lstStyle/>
+              <a:p>
+                <a:pPr>
+                  <a:defRPr sz="1400"/>
+                </a:pPr>
+                <a:r>
+                  <a:rPr lang="es-AR" sz="1400"/>
+                  <a:t>Monto (ARS)</a:t>
+                </a:r>
+              </a:p>
+            </c:rich>
+          </c:tx>
+          <c:layout/>
+        </c:title>
+        <c:numFmt formatCode="General" sourceLinked="1"/>
+        <c:tickLblPos val="nextTo"/>
+        <c:txPr>
+          <a:bodyPr/>
+          <a:lstStyle/>
+          <a:p>
+            <a:pPr>
+              <a:defRPr sz="1400"/>
+            </a:pPr>
+            <a:endParaRPr lang="es-AR"/>
+          </a:p>
+        </c:txPr>
+        <c:crossAx val="52926720"/>
+        <c:crosses val="autoZero"/>
+        <c:crossBetween val="midCat"/>
+      </c:valAx>
+    </c:plotArea>
+    <c:legend>
+      <c:legendPos val="r"/>
+      <c:layout/>
+      <c:txPr>
+        <a:bodyPr/>
+        <a:lstStyle/>
+        <a:p>
+          <a:pPr>
+            <a:defRPr sz="1400"/>
+          </a:pPr>
+          <a:endParaRPr lang="es-AR"/>
+        </a:p>
+      </c:txPr>
+    </c:legend>
+    <c:plotVisOnly val="1"/>
+  </c:chart>
+  <c:externalData r:id="rId1"/>
+</c:chartSpace>
+</file>
+
 <file path=ppt/notesMasters/notesMaster1.xml><?xml version="1.0" encoding="utf-8"?>
 <p:notesMaster xmlns:a="http://schemas.openxmlformats.org/drawingml/2006/main" xmlns:r="http://schemas.openxmlformats.org/officeDocument/2006/relationships" xmlns:p="http://schemas.openxmlformats.org/presentationml/2006/main">
   <p:cSld>
@@ -200,7 +741,7 @@
             <a:fld id="{0BDB093D-7EE5-483A-9D7B-A1A2E1CBECD6}" type="datetimeFigureOut">
               <a:rPr lang="es-AR" smtClean="0"/>
               <a:pPr/>
-              <a:t>23/04/2012</a:t>
+              <a:t>24/04/2012</a:t>
             </a:fld>
             <a:endParaRPr lang="es-AR"/>
           </a:p>
@@ -730,7 +1271,7 @@
             <a:fld id="{00D03AD9-B274-4317-8993-B21EFD32709D}" type="datetimeFigureOut">
               <a:rPr lang="es-AR" smtClean="0"/>
               <a:pPr/>
-              <a:t>23/04/2012</a:t>
+              <a:t>24/04/2012</a:t>
             </a:fld>
             <a:endParaRPr lang="es-AR"/>
           </a:p>
@@ -782,7 +1323,7 @@
     </p:spTree>
     <p:extLst>
       <p:ext uri="{BB962C8B-B14F-4D97-AF65-F5344CB8AC3E}">
-        <p14:creationId xmlns="" xmlns:p14="http://schemas.microsoft.com/office/powerpoint/2010/main" val="4216029542"/>
+        <p14:creationId xmlns:p14="http://schemas.microsoft.com/office/powerpoint/2010/main" xmlns="" val="4216029542"/>
       </p:ext>
     </p:extLst>
   </p:cSld>
@@ -902,7 +1443,7 @@
             <a:fld id="{00D03AD9-B274-4317-8993-B21EFD32709D}" type="datetimeFigureOut">
               <a:rPr lang="es-AR" smtClean="0"/>
               <a:pPr/>
-              <a:t>23/04/2012</a:t>
+              <a:t>24/04/2012</a:t>
             </a:fld>
             <a:endParaRPr lang="es-AR"/>
           </a:p>
@@ -954,7 +1495,7 @@
     </p:spTree>
     <p:extLst>
       <p:ext uri="{BB962C8B-B14F-4D97-AF65-F5344CB8AC3E}">
-        <p14:creationId xmlns="" xmlns:p14="http://schemas.microsoft.com/office/powerpoint/2010/main" val="1477062740"/>
+        <p14:creationId xmlns:p14="http://schemas.microsoft.com/office/powerpoint/2010/main" xmlns="" val="1477062740"/>
       </p:ext>
     </p:extLst>
   </p:cSld>
@@ -1084,7 +1625,7 @@
             <a:fld id="{00D03AD9-B274-4317-8993-B21EFD32709D}" type="datetimeFigureOut">
               <a:rPr lang="es-AR" smtClean="0"/>
               <a:pPr/>
-              <a:t>23/04/2012</a:t>
+              <a:t>24/04/2012</a:t>
             </a:fld>
             <a:endParaRPr lang="es-AR"/>
           </a:p>
@@ -1136,7 +1677,7 @@
     </p:spTree>
     <p:extLst>
       <p:ext uri="{BB962C8B-B14F-4D97-AF65-F5344CB8AC3E}">
-        <p14:creationId xmlns="" xmlns:p14="http://schemas.microsoft.com/office/powerpoint/2010/main" val="223054616"/>
+        <p14:creationId xmlns:p14="http://schemas.microsoft.com/office/powerpoint/2010/main" xmlns="" val="223054616"/>
       </p:ext>
     </p:extLst>
   </p:cSld>
@@ -1256,7 +1797,7 @@
             <a:fld id="{00D03AD9-B274-4317-8993-B21EFD32709D}" type="datetimeFigureOut">
               <a:rPr lang="es-AR" smtClean="0"/>
               <a:pPr/>
-              <a:t>23/04/2012</a:t>
+              <a:t>24/04/2012</a:t>
             </a:fld>
             <a:endParaRPr lang="es-AR"/>
           </a:p>
@@ -1308,7 +1849,7 @@
     </p:spTree>
     <p:extLst>
       <p:ext uri="{BB962C8B-B14F-4D97-AF65-F5344CB8AC3E}">
-        <p14:creationId xmlns="" xmlns:p14="http://schemas.microsoft.com/office/powerpoint/2010/main" val="1914491051"/>
+        <p14:creationId xmlns:p14="http://schemas.microsoft.com/office/powerpoint/2010/main" xmlns="" val="1914491051"/>
       </p:ext>
     </p:extLst>
   </p:cSld>
@@ -1504,7 +2045,7 @@
             <a:fld id="{00D03AD9-B274-4317-8993-B21EFD32709D}" type="datetimeFigureOut">
               <a:rPr lang="es-AR" smtClean="0"/>
               <a:pPr/>
-              <a:t>23/04/2012</a:t>
+              <a:t>24/04/2012</a:t>
             </a:fld>
             <a:endParaRPr lang="es-AR"/>
           </a:p>
@@ -1556,7 +2097,7 @@
     </p:spTree>
     <p:extLst>
       <p:ext uri="{BB962C8B-B14F-4D97-AF65-F5344CB8AC3E}">
-        <p14:creationId xmlns="" xmlns:p14="http://schemas.microsoft.com/office/powerpoint/2010/main" val="3655691279"/>
+        <p14:creationId xmlns:p14="http://schemas.microsoft.com/office/powerpoint/2010/main" xmlns="" val="3655691279"/>
       </p:ext>
     </p:extLst>
   </p:cSld>
@@ -1794,7 +2335,7 @@
             <a:fld id="{00D03AD9-B274-4317-8993-B21EFD32709D}" type="datetimeFigureOut">
               <a:rPr lang="es-AR" smtClean="0"/>
               <a:pPr/>
-              <a:t>23/04/2012</a:t>
+              <a:t>24/04/2012</a:t>
             </a:fld>
             <a:endParaRPr lang="es-AR"/>
           </a:p>
@@ -1846,7 +2387,7 @@
     </p:spTree>
     <p:extLst>
       <p:ext uri="{BB962C8B-B14F-4D97-AF65-F5344CB8AC3E}">
-        <p14:creationId xmlns="" xmlns:p14="http://schemas.microsoft.com/office/powerpoint/2010/main" val="3243285389"/>
+        <p14:creationId xmlns:p14="http://schemas.microsoft.com/office/powerpoint/2010/main" xmlns="" val="3243285389"/>
       </p:ext>
     </p:extLst>
   </p:cSld>
@@ -2218,7 +2759,7 @@
             <a:fld id="{00D03AD9-B274-4317-8993-B21EFD32709D}" type="datetimeFigureOut">
               <a:rPr lang="es-AR" smtClean="0"/>
               <a:pPr/>
-              <a:t>23/04/2012</a:t>
+              <a:t>24/04/2012</a:t>
             </a:fld>
             <a:endParaRPr lang="es-AR"/>
           </a:p>
@@ -2270,7 +2811,7 @@
     </p:spTree>
     <p:extLst>
       <p:ext uri="{BB962C8B-B14F-4D97-AF65-F5344CB8AC3E}">
-        <p14:creationId xmlns="" xmlns:p14="http://schemas.microsoft.com/office/powerpoint/2010/main" val="2636274983"/>
+        <p14:creationId xmlns:p14="http://schemas.microsoft.com/office/powerpoint/2010/main" xmlns="" val="2636274983"/>
       </p:ext>
     </p:extLst>
   </p:cSld>
@@ -2338,7 +2879,7 @@
             <a:fld id="{00D03AD9-B274-4317-8993-B21EFD32709D}" type="datetimeFigureOut">
               <a:rPr lang="es-AR" smtClean="0"/>
               <a:pPr/>
-              <a:t>23/04/2012</a:t>
+              <a:t>24/04/2012</a:t>
             </a:fld>
             <a:endParaRPr lang="es-AR"/>
           </a:p>
@@ -2390,7 +2931,7 @@
     </p:spTree>
     <p:extLst>
       <p:ext uri="{BB962C8B-B14F-4D97-AF65-F5344CB8AC3E}">
-        <p14:creationId xmlns="" xmlns:p14="http://schemas.microsoft.com/office/powerpoint/2010/main" val="3269143888"/>
+        <p14:creationId xmlns:p14="http://schemas.microsoft.com/office/powerpoint/2010/main" xmlns="" val="3269143888"/>
       </p:ext>
     </p:extLst>
   </p:cSld>
@@ -2435,7 +2976,7 @@
             <a:fld id="{00D03AD9-B274-4317-8993-B21EFD32709D}" type="datetimeFigureOut">
               <a:rPr lang="es-AR" smtClean="0"/>
               <a:pPr/>
-              <a:t>23/04/2012</a:t>
+              <a:t>24/04/2012</a:t>
             </a:fld>
             <a:endParaRPr lang="es-AR"/>
           </a:p>
@@ -2487,7 +3028,7 @@
     </p:spTree>
     <p:extLst>
       <p:ext uri="{BB962C8B-B14F-4D97-AF65-F5344CB8AC3E}">
-        <p14:creationId xmlns="" xmlns:p14="http://schemas.microsoft.com/office/powerpoint/2010/main" val="1678523345"/>
+        <p14:creationId xmlns:p14="http://schemas.microsoft.com/office/powerpoint/2010/main" xmlns="" val="1678523345"/>
       </p:ext>
     </p:extLst>
   </p:cSld>
@@ -2714,7 +3255,7 @@
             <a:fld id="{00D03AD9-B274-4317-8993-B21EFD32709D}" type="datetimeFigureOut">
               <a:rPr lang="es-AR" smtClean="0"/>
               <a:pPr/>
-              <a:t>23/04/2012</a:t>
+              <a:t>24/04/2012</a:t>
             </a:fld>
             <a:endParaRPr lang="es-AR"/>
           </a:p>
@@ -2766,7 +3307,7 @@
     </p:spTree>
     <p:extLst>
       <p:ext uri="{BB962C8B-B14F-4D97-AF65-F5344CB8AC3E}">
-        <p14:creationId xmlns="" xmlns:p14="http://schemas.microsoft.com/office/powerpoint/2010/main" val="3056079155"/>
+        <p14:creationId xmlns:p14="http://schemas.microsoft.com/office/powerpoint/2010/main" xmlns="" val="3056079155"/>
       </p:ext>
     </p:extLst>
   </p:cSld>
@@ -2969,7 +3510,7 @@
             <a:fld id="{00D03AD9-B274-4317-8993-B21EFD32709D}" type="datetimeFigureOut">
               <a:rPr lang="es-AR" smtClean="0"/>
               <a:pPr/>
-              <a:t>23/04/2012</a:t>
+              <a:t>24/04/2012</a:t>
             </a:fld>
             <a:endParaRPr lang="es-AR"/>
           </a:p>
@@ -3021,7 +3562,7 @@
     </p:spTree>
     <p:extLst>
       <p:ext uri="{BB962C8B-B14F-4D97-AF65-F5344CB8AC3E}">
-        <p14:creationId xmlns="" xmlns:p14="http://schemas.microsoft.com/office/powerpoint/2010/main" val="2796445100"/>
+        <p14:creationId xmlns:p14="http://schemas.microsoft.com/office/powerpoint/2010/main" xmlns="" val="2796445100"/>
       </p:ext>
     </p:extLst>
   </p:cSld>
@@ -3193,7 +3734,7 @@
             <a:fld id="{00D03AD9-B274-4317-8993-B21EFD32709D}" type="datetimeFigureOut">
               <a:rPr lang="es-AR" smtClean="0"/>
               <a:pPr/>
-              <a:t>23/04/2012</a:t>
+              <a:t>24/04/2012</a:t>
             </a:fld>
             <a:endParaRPr lang="es-AR"/>
           </a:p>
@@ -3281,7 +3822,7 @@
     </p:spTree>
     <p:extLst>
       <p:ext uri="{BB962C8B-B14F-4D97-AF65-F5344CB8AC3E}">
-        <p14:creationId xmlns="" xmlns:p14="http://schemas.microsoft.com/office/powerpoint/2010/main" val="2985976193"/>
+        <p14:creationId xmlns:p14="http://schemas.microsoft.com/office/powerpoint/2010/main" xmlns="" val="2985976193"/>
       </p:ext>
     </p:extLst>
   </p:cSld>
@@ -3659,7 +4200,7 @@
           <a:blip r:embed="rId3" cstate="print">
             <a:extLst>
               <a:ext uri="{28A0092B-C50C-407E-A947-70E740481C1C}">
-                <a14:useLocalDpi xmlns="" xmlns:a14="http://schemas.microsoft.com/office/drawing/2010/main" val="0"/>
+                <a14:useLocalDpi xmlns:a14="http://schemas.microsoft.com/office/drawing/2010/main" xmlns="" val="0"/>
               </a:ext>
             </a:extLst>
           </a:blip>
@@ -3762,7 +4303,7 @@
     </p:spTree>
     <p:extLst>
       <p:ext uri="{BB962C8B-B14F-4D97-AF65-F5344CB8AC3E}">
-        <p14:creationId xmlns="" xmlns:p14="http://schemas.microsoft.com/office/powerpoint/2010/main" val="1289667085"/>
+        <p14:creationId xmlns:p14="http://schemas.microsoft.com/office/powerpoint/2010/main" xmlns="" val="1289667085"/>
       </p:ext>
     </p:extLst>
   </p:cSld>
@@ -3888,7 +4429,7 @@
           <a:blip r:embed="rId2" cstate="print">
             <a:extLst>
               <a:ext uri="{28A0092B-C50C-407E-A947-70E740481C1C}">
-                <a14:useLocalDpi xmlns="" xmlns:a14="http://schemas.microsoft.com/office/drawing/2010/main" val="0"/>
+                <a14:useLocalDpi xmlns:a14="http://schemas.microsoft.com/office/drawing/2010/main" xmlns="" val="0"/>
               </a:ext>
             </a:extLst>
           </a:blip>
@@ -4020,11 +4561,7 @@
             <a:pPr algn="just"/>
             <a:r>
               <a:rPr lang="es-AR" sz="3600" dirty="0" smtClean="0"/>
-              <a:t>Somos una organización joven que nos proponemos ofrecer un método alternativo, superior y más eficiente a los servicios ya existentes de emergencias, que garantice prevenir y actuar rápidamente ante eventuales situaciones de inseguridad</a:t>
-            </a:r>
-            <a:r>
-              <a:rPr lang="es-AR" sz="3600" dirty="0" smtClean="0"/>
-              <a:t>.</a:t>
+              <a:t>Somos una organización joven que nos proponemos ofrecer un método alternativo, superior y más eficiente a los servicios ya existentes de emergencias, que garantice prevenir y actuar rápidamente ante eventuales situaciones de inseguridad.</a:t>
             </a:r>
             <a:endParaRPr lang="es-AR" sz="3600" dirty="0"/>
           </a:p>
@@ -4033,7 +4570,7 @@
     </p:spTree>
     <p:extLst>
       <p:ext uri="{BB962C8B-B14F-4D97-AF65-F5344CB8AC3E}">
-        <p14:creationId xmlns="" xmlns:p14="http://schemas.microsoft.com/office/powerpoint/2010/main" val="2688607078"/>
+        <p14:creationId xmlns:p14="http://schemas.microsoft.com/office/powerpoint/2010/main" xmlns="" val="2688607078"/>
       </p:ext>
     </p:extLst>
   </p:cSld>
@@ -4159,7 +4696,7 @@
           <a:blip r:embed="rId2" cstate="print">
             <a:extLst>
               <a:ext uri="{28A0092B-C50C-407E-A947-70E740481C1C}">
-                <a14:useLocalDpi xmlns="" xmlns:a14="http://schemas.microsoft.com/office/drawing/2010/main" val="0"/>
+                <a14:useLocalDpi xmlns:a14="http://schemas.microsoft.com/office/drawing/2010/main" xmlns="" val="0"/>
               </a:ext>
             </a:extLst>
           </a:blip>
@@ -4294,11 +4831,7 @@
             </a:pPr>
             <a:r>
               <a:rPr lang="es-AR" sz="3600" dirty="0" smtClean="0"/>
-              <a:t>Herramienta de </a:t>
-            </a:r>
-            <a:r>
-              <a:rPr lang="es-AR" sz="3600" dirty="0" smtClean="0"/>
-              <a:t>localización rápida y efectiva.</a:t>
+              <a:t>Herramienta de localización rápida y efectiva.</a:t>
             </a:r>
           </a:p>
           <a:p>
@@ -4310,7 +4843,6 @@
               <a:rPr lang="es-AR" sz="3600" dirty="0" smtClean="0"/>
               <a:t>Sincronizada con agentes de seguridad.</a:t>
             </a:r>
-            <a:endParaRPr lang="es-AR" sz="3600" dirty="0" smtClean="0"/>
           </a:p>
           <a:p>
             <a:pPr marL="571500" indent="-571500">
@@ -4335,11 +4867,7 @@
             </a:r>
             <a:r>
               <a:rPr lang="es-AR" sz="3600" dirty="0" smtClean="0"/>
-              <a:t>vida</a:t>
-            </a:r>
-            <a:r>
-              <a:rPr lang="es-AR" sz="3600" dirty="0" smtClean="0"/>
-              <a:t>.</a:t>
+              <a:t>vida.</a:t>
             </a:r>
           </a:p>
           <a:p>
@@ -4349,24 +4877,15 @@
             </a:pPr>
             <a:r>
               <a:rPr lang="es-AR" sz="3600" dirty="0" smtClean="0"/>
-              <a:t>Reducir </a:t>
-            </a:r>
-            <a:r>
-              <a:rPr lang="es-AR" sz="3600" dirty="0" smtClean="0"/>
-              <a:t>la </a:t>
-            </a:r>
-            <a:r>
-              <a:rPr lang="es-AR" sz="3600" dirty="0" smtClean="0"/>
-              <a:t>criminalidad.</a:t>
-            </a:r>
-            <a:endParaRPr lang="es-AR" sz="3600" dirty="0" smtClean="0"/>
+              <a:t>Reducir la criminalidad.</a:t>
+            </a:r>
           </a:p>
         </p:txBody>
       </p:sp>
     </p:spTree>
     <p:extLst>
       <p:ext uri="{BB962C8B-B14F-4D97-AF65-F5344CB8AC3E}">
-        <p14:creationId xmlns="" xmlns:p14="http://schemas.microsoft.com/office/powerpoint/2010/main" val="1212818162"/>
+        <p14:creationId xmlns:p14="http://schemas.microsoft.com/office/powerpoint/2010/main" xmlns="" val="1212818162"/>
       </p:ext>
     </p:extLst>
   </p:cSld>
@@ -4492,7 +5011,7 @@
           <a:blip r:embed="rId2" cstate="print">
             <a:extLst>
               <a:ext uri="{28A0092B-C50C-407E-A947-70E740481C1C}">
-                <a14:useLocalDpi xmlns="" xmlns:a14="http://schemas.microsoft.com/office/drawing/2010/main" val="0"/>
+                <a14:useLocalDpi xmlns:a14="http://schemas.microsoft.com/office/drawing/2010/main" xmlns="" val="0"/>
               </a:ext>
             </a:extLst>
           </a:blip>
@@ -4627,15 +5146,7 @@
             </a:pPr>
             <a:r>
               <a:rPr lang="es-AR" sz="3600" dirty="0" smtClean="0"/>
-              <a:t>Acceso </a:t>
-            </a:r>
-            <a:r>
-              <a:rPr lang="es-AR" sz="3600" dirty="0" smtClean="0"/>
-              <a:t>masivo</a:t>
-            </a:r>
-            <a:r>
-              <a:rPr lang="es-AR" sz="3600" dirty="0" smtClean="0"/>
-              <a:t>: Ciudadano</a:t>
+              <a:t>Acceso masivo: Ciudadano</a:t>
             </a:r>
           </a:p>
           <a:p>
@@ -4659,11 +5170,7 @@
             </a:r>
             <a:r>
               <a:rPr lang="es-AR" sz="3600" dirty="0" smtClean="0"/>
-              <a:t>acceso</a:t>
-            </a:r>
-            <a:r>
-              <a:rPr lang="es-AR" sz="3600" dirty="0" smtClean="0"/>
-              <a:t>.</a:t>
+              <a:t>acceso.</a:t>
             </a:r>
           </a:p>
           <a:p>
@@ -4677,21 +5184,8 @@
             </a:r>
             <a:r>
               <a:rPr lang="es-AR" sz="3600" dirty="0" smtClean="0"/>
-              <a:t>: </a:t>
-            </a:r>
-            <a:r>
-              <a:rPr lang="es-AR" sz="3600" dirty="0" smtClean="0"/>
-              <a:t>Empresarial </a:t>
-            </a:r>
-            <a:r>
-              <a:rPr lang="es-AR" sz="3600" dirty="0" smtClean="0"/>
-              <a:t>o </a:t>
-            </a:r>
-            <a:r>
-              <a:rPr lang="es-AR" sz="3600" dirty="0" smtClean="0"/>
-              <a:t>Familiar</a:t>
-            </a:r>
-            <a:endParaRPr lang="es-AR" sz="3600" dirty="0" smtClean="0"/>
+              <a:t>: Empresarial o Familiar</a:t>
+            </a:r>
           </a:p>
           <a:p>
             <a:pPr marL="1028700" lvl="1" indent="-571500">
@@ -4704,15 +5198,7 @@
             </a:r>
             <a:r>
               <a:rPr lang="es-AR" sz="3600" dirty="0" smtClean="0"/>
-              <a:t>pe</a:t>
-            </a:r>
-            <a:r>
-              <a:rPr lang="es-AR" sz="3600" dirty="0" smtClean="0"/>
-              <a:t>riódico</a:t>
-            </a:r>
-            <a:r>
-              <a:rPr lang="es-AR" sz="3600" dirty="0" smtClean="0"/>
-              <a:t>.</a:t>
+              <a:t>periódico.</a:t>
             </a:r>
           </a:p>
           <a:p>
@@ -4726,15 +5212,7 @@
             </a:r>
             <a:r>
               <a:rPr lang="es-AR" sz="3600" dirty="0" smtClean="0"/>
-              <a:t>z</a:t>
-            </a:r>
-            <a:r>
-              <a:rPr lang="es-AR" sz="3600" dirty="0" smtClean="0"/>
-              <a:t>ona peligrosa</a:t>
-            </a:r>
-            <a:r>
-              <a:rPr lang="es-AR" sz="3600" dirty="0" smtClean="0"/>
-              <a:t>.</a:t>
+              <a:t>zona peligrosa.</a:t>
             </a:r>
           </a:p>
           <a:p>
@@ -4761,7 +5239,7 @@
     </p:spTree>
     <p:extLst>
       <p:ext uri="{BB962C8B-B14F-4D97-AF65-F5344CB8AC3E}">
-        <p14:creationId xmlns="" xmlns:p14="http://schemas.microsoft.com/office/powerpoint/2010/main" val="72379645"/>
+        <p14:creationId xmlns:p14="http://schemas.microsoft.com/office/powerpoint/2010/main" xmlns="" val="72379645"/>
       </p:ext>
     </p:extLst>
   </p:cSld>
@@ -4887,7 +5365,7 @@
           <a:blip r:embed="rId2" cstate="print">
             <a:extLst>
               <a:ext uri="{28A0092B-C50C-407E-A947-70E740481C1C}">
-                <a14:useLocalDpi xmlns="" xmlns:a14="http://schemas.microsoft.com/office/drawing/2010/main" val="0"/>
+                <a14:useLocalDpi xmlns:a14="http://schemas.microsoft.com/office/drawing/2010/main" xmlns="" val="0"/>
               </a:ext>
             </a:extLst>
           </a:blip>
@@ -4994,39 +5472,28 @@
           </a:fontRef>
         </p:style>
       </p:cxnSp>
-      <p:sp>
-        <p:nvSpPr>
-          <p:cNvPr id="7" name="TextBox 6"/>
-          <p:cNvSpPr txBox="1"/>
+      <p:graphicFrame>
+        <p:nvGraphicFramePr>
+          <p:cNvPr id="9" name="1 Gráfico"/>
+          <p:cNvGraphicFramePr>
+            <a:graphicFrameLocks noGrp="1"/>
+          </p:cNvGraphicFramePr>
           <p:nvPr/>
-        </p:nvSpPr>
-        <p:spPr>
-          <a:xfrm>
-            <a:off x="467544" y="1772816"/>
-            <a:ext cx="8352928" cy="646331"/>
-          </a:xfrm>
-          <a:prstGeom prst="rect">
-            <a:avLst/>
-          </a:prstGeom>
-          <a:noFill/>
-        </p:spPr>
-        <p:txBody>
-          <a:bodyPr wrap="square" rtlCol="0">
-            <a:spAutoFit/>
-          </a:bodyPr>
-          <a:lstStyle/>
-          <a:p>
-            <a:r>
-              <a:rPr lang="es-AR" sz="3600" dirty="0" smtClean="0"/>
-              <a:t>????</a:t>
-            </a:r>
-          </a:p>
-        </p:txBody>
-      </p:sp>
+        </p:nvGraphicFramePr>
+        <p:xfrm>
+          <a:off x="0" y="1772816"/>
+          <a:ext cx="9144000" cy="4693492"/>
+        </p:xfrm>
+        <a:graphic>
+          <a:graphicData uri="http://schemas.openxmlformats.org/drawingml/2006/chart">
+            <c:chart xmlns:c="http://schemas.openxmlformats.org/drawingml/2006/chart" xmlns:r="http://schemas.openxmlformats.org/officeDocument/2006/relationships" r:id="rId3"/>
+          </a:graphicData>
+        </a:graphic>
+      </p:graphicFrame>
     </p:spTree>
     <p:extLst>
       <p:ext uri="{BB962C8B-B14F-4D97-AF65-F5344CB8AC3E}">
-        <p14:creationId xmlns="" xmlns:p14="http://schemas.microsoft.com/office/powerpoint/2010/main" val="3410899011"/>
+        <p14:creationId xmlns:p14="http://schemas.microsoft.com/office/powerpoint/2010/main" xmlns="" val="3410899011"/>
       </p:ext>
     </p:extLst>
   </p:cSld>
@@ -5152,7 +5619,7 @@
           <a:blip r:embed="rId2" cstate="print">
             <a:extLst>
               <a:ext uri="{28A0092B-C50C-407E-A947-70E740481C1C}">
-                <a14:useLocalDpi xmlns="" xmlns:a14="http://schemas.microsoft.com/office/drawing/2010/main" val="0"/>
+                <a14:useLocalDpi xmlns:a14="http://schemas.microsoft.com/office/drawing/2010/main" xmlns="" val="0"/>
               </a:ext>
             </a:extLst>
           </a:blip>
@@ -5321,9 +5788,10 @@
               <a:buChar char="§"/>
             </a:pPr>
             <a:r>
-              <a:rPr lang="es-AR" sz="3600" dirty="0" smtClean="0"/>
-              <a:t>BlackBerry?</a:t>
-            </a:r>
+              <a:rPr lang="es-AR" sz="3600" dirty="0" err="1" smtClean="0"/>
+              <a:t>BlackBerry</a:t>
+            </a:r>
+            <a:endParaRPr lang="es-AR" sz="3600" dirty="0" smtClean="0"/>
           </a:p>
           <a:p>
             <a:pPr marL="571500" indent="-571500">
@@ -5361,7 +5829,7 @@
     </p:spTree>
     <p:extLst>
       <p:ext uri="{BB962C8B-B14F-4D97-AF65-F5344CB8AC3E}">
-        <p14:creationId xmlns="" xmlns:p14="http://schemas.microsoft.com/office/powerpoint/2010/main" val="2296755584"/>
+        <p14:creationId xmlns:p14="http://schemas.microsoft.com/office/powerpoint/2010/main" xmlns="" val="2296755584"/>
       </p:ext>
     </p:extLst>
   </p:cSld>
@@ -5487,7 +5955,7 @@
           <a:blip r:embed="rId2" cstate="print">
             <a:extLst>
               <a:ext uri="{28A0092B-C50C-407E-A947-70E740481C1C}">
-                <a14:useLocalDpi xmlns="" xmlns:a14="http://schemas.microsoft.com/office/drawing/2010/main" val="0"/>
+                <a14:useLocalDpi xmlns:a14="http://schemas.microsoft.com/office/drawing/2010/main" xmlns="" val="0"/>
               </a:ext>
             </a:extLst>
           </a:blip>
@@ -5597,7 +6065,7 @@
     </p:spTree>
     <p:extLst>
       <p:ext uri="{BB962C8B-B14F-4D97-AF65-F5344CB8AC3E}">
-        <p14:creationId xmlns="" xmlns:p14="http://schemas.microsoft.com/office/powerpoint/2010/main" val="1235372326"/>
+        <p14:creationId xmlns:p14="http://schemas.microsoft.com/office/powerpoint/2010/main" xmlns="" val="1235372326"/>
       </p:ext>
     </p:extLst>
   </p:cSld>
@@ -5723,7 +6191,7 @@
           <a:blip r:embed="rId2" cstate="print">
             <a:extLst>
               <a:ext uri="{28A0092B-C50C-407E-A947-70E740481C1C}">
-                <a14:useLocalDpi xmlns="" xmlns:a14="http://schemas.microsoft.com/office/drawing/2010/main" val="0"/>
+                <a14:useLocalDpi xmlns:a14="http://schemas.microsoft.com/office/drawing/2010/main" xmlns="" val="0"/>
               </a:ext>
             </a:extLst>
           </a:blip>
@@ -5833,7 +6301,7 @@
     </p:spTree>
     <p:extLst>
       <p:ext uri="{BB962C8B-B14F-4D97-AF65-F5344CB8AC3E}">
-        <p14:creationId xmlns="" xmlns:p14="http://schemas.microsoft.com/office/powerpoint/2010/main" val="1235372326"/>
+        <p14:creationId xmlns:p14="http://schemas.microsoft.com/office/powerpoint/2010/main" xmlns="" val="1235372326"/>
       </p:ext>
     </p:extLst>
   </p:cSld>

--- a/docs/Presentacion_v2.pptx
+++ b/docs/Presentacion_v2.pptx
@@ -5,7 +5,7 @@
     <p:sldMasterId id="2147483648" r:id="rId1"/>
   </p:sldMasterIdLst>
   <p:notesMasterIdLst>
-    <p:notesMasterId r:id="rId10"/>
+    <p:notesMasterId r:id="rId9"/>
   </p:notesMasterIdLst>
   <p:sldIdLst>
     <p:sldId id="256" r:id="rId2"/>
@@ -15,7 +15,6 @@
     <p:sldId id="264" r:id="rId6"/>
     <p:sldId id="262" r:id="rId7"/>
     <p:sldId id="261" r:id="rId8"/>
-    <p:sldId id="266" r:id="rId9"/>
   </p:sldIdLst>
   <p:sldSz cx="9144000" cy="6858000" type="screen4x3"/>
   <p:notesSz cx="6858000" cy="9144000"/>
@@ -23,92 +22,122 @@
     <a:defPPr>
       <a:defRPr lang="es-AR"/>
     </a:defPPr>
-    <a:lvl1pPr marL="0" algn="l" defTabSz="914400" rtl="0" eaLnBrk="1" latinLnBrk="0" hangingPunct="1">
-      <a:defRPr sz="1800" kern="1200">
+    <a:lvl1pPr algn="l" rtl="0" fontAlgn="base">
+      <a:spcBef>
+        <a:spcPct val="0"/>
+      </a:spcBef>
+      <a:spcAft>
+        <a:spcPct val="0"/>
+      </a:spcAft>
+      <a:defRPr kern="1200">
         <a:solidFill>
           <a:schemeClr val="tx1"/>
         </a:solidFill>
-        <a:latin typeface="+mn-lt"/>
+        <a:latin typeface="Arial" charset="0"/>
         <a:ea typeface="+mn-ea"/>
         <a:cs typeface="+mn-cs"/>
       </a:defRPr>
     </a:lvl1pPr>
-    <a:lvl2pPr marL="457200" algn="l" defTabSz="914400" rtl="0" eaLnBrk="1" latinLnBrk="0" hangingPunct="1">
-      <a:defRPr sz="1800" kern="1200">
+    <a:lvl2pPr marL="457200" algn="l" rtl="0" fontAlgn="base">
+      <a:spcBef>
+        <a:spcPct val="0"/>
+      </a:spcBef>
+      <a:spcAft>
+        <a:spcPct val="0"/>
+      </a:spcAft>
+      <a:defRPr kern="1200">
         <a:solidFill>
           <a:schemeClr val="tx1"/>
         </a:solidFill>
-        <a:latin typeface="+mn-lt"/>
+        <a:latin typeface="Arial" charset="0"/>
         <a:ea typeface="+mn-ea"/>
         <a:cs typeface="+mn-cs"/>
       </a:defRPr>
     </a:lvl2pPr>
-    <a:lvl3pPr marL="914400" algn="l" defTabSz="914400" rtl="0" eaLnBrk="1" latinLnBrk="0" hangingPunct="1">
-      <a:defRPr sz="1800" kern="1200">
+    <a:lvl3pPr marL="914400" algn="l" rtl="0" fontAlgn="base">
+      <a:spcBef>
+        <a:spcPct val="0"/>
+      </a:spcBef>
+      <a:spcAft>
+        <a:spcPct val="0"/>
+      </a:spcAft>
+      <a:defRPr kern="1200">
         <a:solidFill>
           <a:schemeClr val="tx1"/>
         </a:solidFill>
-        <a:latin typeface="+mn-lt"/>
+        <a:latin typeface="Arial" charset="0"/>
         <a:ea typeface="+mn-ea"/>
         <a:cs typeface="+mn-cs"/>
       </a:defRPr>
     </a:lvl3pPr>
-    <a:lvl4pPr marL="1371600" algn="l" defTabSz="914400" rtl="0" eaLnBrk="1" latinLnBrk="0" hangingPunct="1">
-      <a:defRPr sz="1800" kern="1200">
+    <a:lvl4pPr marL="1371600" algn="l" rtl="0" fontAlgn="base">
+      <a:spcBef>
+        <a:spcPct val="0"/>
+      </a:spcBef>
+      <a:spcAft>
+        <a:spcPct val="0"/>
+      </a:spcAft>
+      <a:defRPr kern="1200">
         <a:solidFill>
           <a:schemeClr val="tx1"/>
         </a:solidFill>
-        <a:latin typeface="+mn-lt"/>
+        <a:latin typeface="Arial" charset="0"/>
         <a:ea typeface="+mn-ea"/>
         <a:cs typeface="+mn-cs"/>
       </a:defRPr>
     </a:lvl4pPr>
-    <a:lvl5pPr marL="1828800" algn="l" defTabSz="914400" rtl="0" eaLnBrk="1" latinLnBrk="0" hangingPunct="1">
-      <a:defRPr sz="1800" kern="1200">
+    <a:lvl5pPr marL="1828800" algn="l" rtl="0" fontAlgn="base">
+      <a:spcBef>
+        <a:spcPct val="0"/>
+      </a:spcBef>
+      <a:spcAft>
+        <a:spcPct val="0"/>
+      </a:spcAft>
+      <a:defRPr kern="1200">
         <a:solidFill>
           <a:schemeClr val="tx1"/>
         </a:solidFill>
-        <a:latin typeface="+mn-lt"/>
+        <a:latin typeface="Arial" charset="0"/>
         <a:ea typeface="+mn-ea"/>
         <a:cs typeface="+mn-cs"/>
       </a:defRPr>
     </a:lvl5pPr>
     <a:lvl6pPr marL="2286000" algn="l" defTabSz="914400" rtl="0" eaLnBrk="1" latinLnBrk="0" hangingPunct="1">
-      <a:defRPr sz="1800" kern="1200">
+      <a:defRPr kern="1200">
         <a:solidFill>
           <a:schemeClr val="tx1"/>
         </a:solidFill>
-        <a:latin typeface="+mn-lt"/>
+        <a:latin typeface="Arial" charset="0"/>
         <a:ea typeface="+mn-ea"/>
         <a:cs typeface="+mn-cs"/>
       </a:defRPr>
     </a:lvl6pPr>
     <a:lvl7pPr marL="2743200" algn="l" defTabSz="914400" rtl="0" eaLnBrk="1" latinLnBrk="0" hangingPunct="1">
-      <a:defRPr sz="1800" kern="1200">
+      <a:defRPr kern="1200">
         <a:solidFill>
           <a:schemeClr val="tx1"/>
         </a:solidFill>
-        <a:latin typeface="+mn-lt"/>
+        <a:latin typeface="Arial" charset="0"/>
         <a:ea typeface="+mn-ea"/>
         <a:cs typeface="+mn-cs"/>
       </a:defRPr>
     </a:lvl7pPr>
     <a:lvl8pPr marL="3200400" algn="l" defTabSz="914400" rtl="0" eaLnBrk="1" latinLnBrk="0" hangingPunct="1">
-      <a:defRPr sz="1800" kern="1200">
+      <a:defRPr kern="1200">
         <a:solidFill>
           <a:schemeClr val="tx1"/>
         </a:solidFill>
-        <a:latin typeface="+mn-lt"/>
+        <a:latin typeface="Arial" charset="0"/>
         <a:ea typeface="+mn-ea"/>
         <a:cs typeface="+mn-cs"/>
       </a:defRPr>
     </a:lvl8pPr>
     <a:lvl9pPr marL="3657600" algn="l" defTabSz="914400" rtl="0" eaLnBrk="1" latinLnBrk="0" hangingPunct="1">
-      <a:defRPr sz="1800" kern="1200">
+      <a:defRPr kern="1200">
         <a:solidFill>
           <a:schemeClr val="tx1"/>
         </a:solidFill>
-        <a:latin typeface="+mn-lt"/>
+        <a:latin typeface="Arial" charset="0"/>
         <a:ea typeface="+mn-ea"/>
         <a:cs typeface="+mn-cs"/>
       </a:defRPr>
@@ -551,11 +580,11 @@
           </c:yVal>
           <c:smooth val="1"/>
         </c:ser>
-        <c:axId val="52926720"/>
-        <c:axId val="53963776"/>
+        <c:axId val="35719424"/>
+        <c:axId val="36233600"/>
       </c:scatterChart>
       <c:valAx>
-        <c:axId val="52926720"/>
+        <c:axId val="35719424"/>
         <c:scaling>
           <c:orientation val="minMax"/>
         </c:scaling>
@@ -577,7 +606,6 @@
               </a:p>
             </c:rich>
           </c:tx>
-          <c:layout/>
         </c:title>
         <c:numFmt formatCode="General" sourceLinked="1"/>
         <c:tickLblPos val="nextTo"/>
@@ -591,13 +619,13 @@
             <a:endParaRPr lang="es-AR"/>
           </a:p>
         </c:txPr>
-        <c:crossAx val="53963776"/>
+        <c:crossAx val="36233600"/>
         <c:crosses val="autoZero"/>
         <c:crossBetween val="midCat"/>
         <c:majorUnit val="1"/>
       </c:valAx>
       <c:valAx>
-        <c:axId val="53963776"/>
+        <c:axId val="36233600"/>
         <c:scaling>
           <c:orientation val="minMax"/>
         </c:scaling>
@@ -619,7 +647,6 @@
               </a:p>
             </c:rich>
           </c:tx>
-          <c:layout/>
         </c:title>
         <c:numFmt formatCode="General" sourceLinked="1"/>
         <c:tickLblPos val="nextTo"/>
@@ -633,14 +660,13 @@
             <a:endParaRPr lang="es-AR"/>
           </a:p>
         </c:txPr>
-        <c:crossAx val="52926720"/>
+        <c:crossAx val="35719424"/>
         <c:crosses val="autoZero"/>
         <c:crossBetween val="midCat"/>
       </c:valAx>
     </c:plotArea>
     <c:legend>
       <c:legendPos val="r"/>
-      <c:layout/>
       <c:txPr>
         <a:bodyPr/>
         <a:lstStyle/>
@@ -702,11 +728,22 @@
         <p:txBody>
           <a:bodyPr vert="horz" lIns="91440" tIns="45720" rIns="91440" bIns="45720" rtlCol="0"/>
           <a:lstStyle>
-            <a:lvl1pPr algn="l">
-              <a:defRPr sz="1200"/>
+            <a:lvl1pPr algn="l" fontAlgn="auto">
+              <a:spcBef>
+                <a:spcPts val="0"/>
+              </a:spcBef>
+              <a:spcAft>
+                <a:spcPts val="0"/>
+              </a:spcAft>
+              <a:defRPr sz="1200">
+                <a:latin typeface="+mn-lt"/>
+              </a:defRPr>
             </a:lvl1pPr>
           </a:lstStyle>
           <a:p>
+            <a:pPr>
+              <a:defRPr/>
+            </a:pPr>
             <a:endParaRPr lang="es-AR"/>
           </a:p>
         </p:txBody>
@@ -733,15 +770,28 @@
         <p:txBody>
           <a:bodyPr vert="horz" lIns="91440" tIns="45720" rIns="91440" bIns="45720" rtlCol="0"/>
           <a:lstStyle>
-            <a:lvl1pPr algn="r">
-              <a:defRPr sz="1200"/>
+            <a:lvl1pPr algn="r" fontAlgn="auto">
+              <a:spcBef>
+                <a:spcPts val="0"/>
+              </a:spcBef>
+              <a:spcAft>
+                <a:spcPts val="0"/>
+              </a:spcAft>
+              <a:defRPr sz="1200" smtClean="0">
+                <a:latin typeface="+mn-lt"/>
+              </a:defRPr>
             </a:lvl1pPr>
           </a:lstStyle>
           <a:p>
-            <a:fld id="{0BDB093D-7EE5-483A-9D7B-A1A2E1CBECD6}" type="datetimeFigureOut">
-              <a:rPr lang="es-AR" smtClean="0"/>
-              <a:pPr/>
-              <a:t>24/04/2012</a:t>
+            <a:pPr>
+              <a:defRPr/>
+            </a:pPr>
+            <a:fld id="{AD5F38D1-4F54-4F71-A0A6-9BB52AA22A2C}" type="datetimeFigureOut">
+              <a:rPr lang="es-AR"/>
+              <a:pPr>
+                <a:defRPr/>
+              </a:pPr>
+              <a:t>25/04/2012</a:t>
             </a:fld>
             <a:endParaRPr lang="es-AR"/>
           </a:p>
@@ -776,7 +826,8 @@
           <a:bodyPr vert="horz" lIns="91440" tIns="45720" rIns="91440" bIns="45720" rtlCol="0" anchor="ctr"/>
           <a:lstStyle/>
           <a:p>
-            <a:endParaRPr lang="es-AR"/>
+            <a:pPr lvl="0"/>
+            <a:endParaRPr lang="es-AR" noProof="0"/>
           </a:p>
         </p:txBody>
       </p:sp>
@@ -807,38 +858,38 @@
           <a:p>
             <a:pPr lvl="0"/>
             <a:r>
-              <a:rPr lang="es-ES" smtClean="0"/>
+              <a:rPr lang="es-ES" noProof="0" smtClean="0"/>
               <a:t>Haga clic para modificar el estilo de texto del patrón</a:t>
             </a:r>
           </a:p>
           <a:p>
             <a:pPr lvl="1"/>
             <a:r>
-              <a:rPr lang="es-ES" smtClean="0"/>
+              <a:rPr lang="es-ES" noProof="0" smtClean="0"/>
               <a:t>Segundo nivel</a:t>
             </a:r>
           </a:p>
           <a:p>
             <a:pPr lvl="2"/>
             <a:r>
-              <a:rPr lang="es-ES" smtClean="0"/>
+              <a:rPr lang="es-ES" noProof="0" smtClean="0"/>
               <a:t>Tercer nivel</a:t>
             </a:r>
           </a:p>
           <a:p>
             <a:pPr lvl="3"/>
             <a:r>
-              <a:rPr lang="es-ES" smtClean="0"/>
+              <a:rPr lang="es-ES" noProof="0" smtClean="0"/>
               <a:t>Cuarto nivel</a:t>
             </a:r>
           </a:p>
           <a:p>
             <a:pPr lvl="4"/>
             <a:r>
-              <a:rPr lang="es-ES" smtClean="0"/>
+              <a:rPr lang="es-ES" noProof="0" smtClean="0"/>
               <a:t>Quinto nivel</a:t>
             </a:r>
-            <a:endParaRPr lang="es-AR"/>
+            <a:endParaRPr lang="es-AR" noProof="0"/>
           </a:p>
         </p:txBody>
       </p:sp>
@@ -864,11 +915,22 @@
         <p:txBody>
           <a:bodyPr vert="horz" lIns="91440" tIns="45720" rIns="91440" bIns="45720" rtlCol="0" anchor="b"/>
           <a:lstStyle>
-            <a:lvl1pPr algn="l">
-              <a:defRPr sz="1200"/>
+            <a:lvl1pPr algn="l" fontAlgn="auto">
+              <a:spcBef>
+                <a:spcPts val="0"/>
+              </a:spcBef>
+              <a:spcAft>
+                <a:spcPts val="0"/>
+              </a:spcAft>
+              <a:defRPr sz="1200">
+                <a:latin typeface="+mn-lt"/>
+              </a:defRPr>
             </a:lvl1pPr>
           </a:lstStyle>
           <a:p>
+            <a:pPr>
+              <a:defRPr/>
+            </a:pPr>
             <a:endParaRPr lang="es-AR"/>
           </a:p>
         </p:txBody>
@@ -895,15 +957,28 @@
         <p:txBody>
           <a:bodyPr vert="horz" lIns="91440" tIns="45720" rIns="91440" bIns="45720" rtlCol="0" anchor="b"/>
           <a:lstStyle>
-            <a:lvl1pPr algn="r">
-              <a:defRPr sz="1200"/>
+            <a:lvl1pPr algn="r" fontAlgn="auto">
+              <a:spcBef>
+                <a:spcPts val="0"/>
+              </a:spcBef>
+              <a:spcAft>
+                <a:spcPts val="0"/>
+              </a:spcAft>
+              <a:defRPr sz="1200" smtClean="0">
+                <a:latin typeface="+mn-lt"/>
+              </a:defRPr>
             </a:lvl1pPr>
           </a:lstStyle>
           <a:p>
-            <a:fld id="{827EE000-08BA-42E9-8051-6989914F4AEC}" type="slidenum">
-              <a:rPr lang="es-AR" smtClean="0"/>
-              <a:pPr/>
-              <a:t>‹Nº›</a:t>
+            <a:pPr>
+              <a:defRPr/>
+            </a:pPr>
+            <a:fld id="{DBA0B18D-3BD7-469A-96D3-A333B08BDE1E}" type="slidenum">
+              <a:rPr lang="es-AR"/>
+              <a:pPr>
+                <a:defRPr/>
+              </a:pPr>
+              <a:t>‹#›</a:t>
             </a:fld>
             <a:endParaRPr lang="es-AR"/>
           </a:p>
@@ -913,7 +988,13 @@
   </p:cSld>
   <p:clrMap bg1="lt1" tx1="dk1" bg2="lt2" tx2="dk2" accent1="accent1" accent2="accent2" accent3="accent3" accent4="accent4" accent5="accent5" accent6="accent6" hlink="hlink" folHlink="folHlink"/>
   <p:notesStyle>
-    <a:lvl1pPr marL="0" algn="l" defTabSz="914400" rtl="0" eaLnBrk="1" latinLnBrk="0" hangingPunct="1">
+    <a:lvl1pPr algn="l" rtl="0" fontAlgn="base">
+      <a:spcBef>
+        <a:spcPct val="30000"/>
+      </a:spcBef>
+      <a:spcAft>
+        <a:spcPct val="0"/>
+      </a:spcAft>
       <a:defRPr sz="1200" kern="1200">
         <a:solidFill>
           <a:schemeClr val="tx1"/>
@@ -923,7 +1004,13 @@
         <a:cs typeface="+mn-cs"/>
       </a:defRPr>
     </a:lvl1pPr>
-    <a:lvl2pPr marL="457200" algn="l" defTabSz="914400" rtl="0" eaLnBrk="1" latinLnBrk="0" hangingPunct="1">
+    <a:lvl2pPr marL="457200" algn="l" rtl="0" fontAlgn="base">
+      <a:spcBef>
+        <a:spcPct val="30000"/>
+      </a:spcBef>
+      <a:spcAft>
+        <a:spcPct val="0"/>
+      </a:spcAft>
       <a:defRPr sz="1200" kern="1200">
         <a:solidFill>
           <a:schemeClr val="tx1"/>
@@ -933,7 +1020,13 @@
         <a:cs typeface="+mn-cs"/>
       </a:defRPr>
     </a:lvl2pPr>
-    <a:lvl3pPr marL="914400" algn="l" defTabSz="914400" rtl="0" eaLnBrk="1" latinLnBrk="0" hangingPunct="1">
+    <a:lvl3pPr marL="914400" algn="l" rtl="0" fontAlgn="base">
+      <a:spcBef>
+        <a:spcPct val="30000"/>
+      </a:spcBef>
+      <a:spcAft>
+        <a:spcPct val="0"/>
+      </a:spcAft>
       <a:defRPr sz="1200" kern="1200">
         <a:solidFill>
           <a:schemeClr val="tx1"/>
@@ -943,7 +1036,13 @@
         <a:cs typeface="+mn-cs"/>
       </a:defRPr>
     </a:lvl3pPr>
-    <a:lvl4pPr marL="1371600" algn="l" defTabSz="914400" rtl="0" eaLnBrk="1" latinLnBrk="0" hangingPunct="1">
+    <a:lvl4pPr marL="1371600" algn="l" rtl="0" fontAlgn="base">
+      <a:spcBef>
+        <a:spcPct val="30000"/>
+      </a:spcBef>
+      <a:spcAft>
+        <a:spcPct val="0"/>
+      </a:spcAft>
       <a:defRPr sz="1200" kern="1200">
         <a:solidFill>
           <a:schemeClr val="tx1"/>
@@ -953,7 +1052,13 @@
         <a:cs typeface="+mn-cs"/>
       </a:defRPr>
     </a:lvl4pPr>
-    <a:lvl5pPr marL="1828800" algn="l" defTabSz="914400" rtl="0" eaLnBrk="1" latinLnBrk="0" hangingPunct="1">
+    <a:lvl5pPr marL="1828800" algn="l" rtl="0" fontAlgn="base">
+      <a:spcBef>
+        <a:spcPct val="30000"/>
+      </a:spcBef>
+      <a:spcAft>
+        <a:spcPct val="0"/>
+      </a:spcAft>
       <a:defRPr sz="1200" kern="1200">
         <a:solidFill>
           <a:schemeClr val="tx1"/>
@@ -1026,7 +1131,7 @@
       </p:grpSpPr>
       <p:sp>
         <p:nvSpPr>
-          <p:cNvPr id="2" name="1 Marcador de imagen de diapositiva"/>
+          <p:cNvPr id="15361" name="1 Marcador de imagen de diapositiva"/>
           <p:cNvSpPr>
             <a:spLocks noGrp="1" noRot="1" noChangeAspect="1"/>
           </p:cNvSpPr>
@@ -1034,11 +1139,21 @@
             <p:ph type="sldImg"/>
           </p:nvPr>
         </p:nvSpPr>
-        <p:spPr/>
-      </p:sp>
-      <p:sp>
-        <p:nvSpPr>
-          <p:cNvPr id="3" name="2 Marcador de notas"/>
+        <p:spPr bwMode="auto">
+          <a:noFill/>
+          <a:ln>
+            <a:solidFill>
+              <a:srgbClr val="000000"/>
+            </a:solidFill>
+            <a:miter lim="800000"/>
+            <a:headEnd/>
+            <a:tailEnd/>
+          </a:ln>
+        </p:spPr>
+      </p:sp>
+      <p:sp>
+        <p:nvSpPr>
+          <p:cNvPr id="15362" name="2 Marcador de notas"/>
           <p:cNvSpPr>
             <a:spLocks noGrp="1"/>
           </p:cNvSpPr>
@@ -1046,35 +1161,70 @@
             <p:ph type="body" idx="1"/>
           </p:nvPr>
         </p:nvSpPr>
-        <p:spPr/>
-        <p:txBody>
-          <a:bodyPr>
-            <a:normAutofit/>
+        <p:spPr bwMode="auto">
+          <a:noFill/>
+        </p:spPr>
+        <p:txBody>
+          <a:bodyPr wrap="square" numCol="1" anchor="t" anchorCtr="0" compatLnSpc="1">
+            <a:prstTxWarp prst="textNoShape">
+              <a:avLst/>
+            </a:prstTxWarp>
           </a:bodyPr>
           <a:lstStyle/>
           <a:p>
-            <a:endParaRPr lang="es-AR" dirty="0"/>
-          </a:p>
-        </p:txBody>
-      </p:sp>
-      <p:sp>
-        <p:nvSpPr>
-          <p:cNvPr id="4" name="3 Marcador de número de diapositiva"/>
-          <p:cNvSpPr>
-            <a:spLocks noGrp="1"/>
-          </p:cNvSpPr>
-          <p:nvPr>
-            <p:ph type="sldNum" sz="quarter" idx="10"/>
-          </p:nvPr>
-        </p:nvSpPr>
-        <p:spPr/>
-        <p:txBody>
-          <a:bodyPr/>
+            <a:pPr>
+              <a:spcBef>
+                <a:spcPct val="0"/>
+              </a:spcBef>
+            </a:pPr>
+            <a:endParaRPr lang="es-ES" smtClean="0"/>
+          </a:p>
+        </p:txBody>
+      </p:sp>
+      <p:sp>
+        <p:nvSpPr>
+          <p:cNvPr id="15363" name="3 Marcador de número de diapositiva"/>
+          <p:cNvSpPr>
+            <a:spLocks noGrp="1"/>
+          </p:cNvSpPr>
+          <p:nvPr>
+            <p:ph type="sldNum" sz="quarter" idx="5"/>
+          </p:nvPr>
+        </p:nvSpPr>
+        <p:spPr bwMode="auto">
+          <a:noFill/>
+          <a:ln>
+            <a:miter lim="800000"/>
+            <a:headEnd/>
+            <a:tailEnd/>
+          </a:ln>
+        </p:spPr>
+        <p:txBody>
+          <a:bodyPr wrap="square" numCol="1" anchorCtr="0" compatLnSpc="1">
+            <a:prstTxWarp prst="textNoShape">
+              <a:avLst/>
+            </a:prstTxWarp>
+          </a:bodyPr>
           <a:lstStyle/>
           <a:p>
-            <a:fld id="{827EE000-08BA-42E9-8051-6989914F4AEC}" type="slidenum">
-              <a:rPr lang="es-AR" smtClean="0"/>
-              <a:pPr/>
+            <a:pPr fontAlgn="base">
+              <a:spcBef>
+                <a:spcPct val="0"/>
+              </a:spcBef>
+              <a:spcAft>
+                <a:spcPct val="0"/>
+              </a:spcAft>
+            </a:pPr>
+            <a:fld id="{C104C1FD-F270-4B06-B357-CCFBCE73E67C}" type="slidenum">
+              <a:rPr lang="es-AR"/>
+              <a:pPr fontAlgn="base">
+                <a:spcBef>
+                  <a:spcPct val="0"/>
+                </a:spcBef>
+                <a:spcAft>
+                  <a:spcPct val="0"/>
+                </a:spcAft>
+              </a:pPr>
               <a:t>1</a:t>
             </a:fld>
             <a:endParaRPr lang="es-AR"/>
@@ -1266,12 +1416,21 @@
         <p:spPr/>
         <p:txBody>
           <a:bodyPr/>
-          <a:lstStyle/>
-          <a:p>
-            <a:fld id="{00D03AD9-B274-4317-8993-B21EFD32709D}" type="datetimeFigureOut">
-              <a:rPr lang="es-AR" smtClean="0"/>
-              <a:pPr/>
-              <a:t>24/04/2012</a:t>
+          <a:lstStyle>
+            <a:lvl1pPr>
+              <a:defRPr/>
+            </a:lvl1pPr>
+          </a:lstStyle>
+          <a:p>
+            <a:pPr>
+              <a:defRPr/>
+            </a:pPr>
+            <a:fld id="{DAF59922-15FF-4876-8ED1-41996C26CFD2}" type="datetimeFigureOut">
+              <a:rPr lang="es-AR"/>
+              <a:pPr>
+                <a:defRPr/>
+              </a:pPr>
+              <a:t>25/04/2012</a:t>
             </a:fld>
             <a:endParaRPr lang="es-AR"/>
           </a:p>
@@ -1290,8 +1449,15 @@
         <p:spPr/>
         <p:txBody>
           <a:bodyPr/>
-          <a:lstStyle/>
-          <a:p>
+          <a:lstStyle>
+            <a:lvl1pPr>
+              <a:defRPr/>
+            </a:lvl1pPr>
+          </a:lstStyle>
+          <a:p>
+            <a:pPr>
+              <a:defRPr/>
+            </a:pPr>
             <a:endParaRPr lang="es-AR"/>
           </a:p>
         </p:txBody>
@@ -1309,23 +1475,27 @@
         <p:spPr/>
         <p:txBody>
           <a:bodyPr/>
-          <a:lstStyle/>
-          <a:p>
-            <a:fld id="{3F2D9CC0-97DE-46BA-A91E-5E70B2C519B4}" type="slidenum">
-              <a:rPr lang="es-AR" smtClean="0"/>
-              <a:pPr/>
-              <a:t>‹Nº›</a:t>
+          <a:lstStyle>
+            <a:lvl1pPr>
+              <a:defRPr/>
+            </a:lvl1pPr>
+          </a:lstStyle>
+          <a:p>
+            <a:pPr>
+              <a:defRPr/>
+            </a:pPr>
+            <a:fld id="{28224B7B-5154-4215-8F06-19E4620C3CA5}" type="slidenum">
+              <a:rPr lang="es-AR"/>
+              <a:pPr>
+                <a:defRPr/>
+              </a:pPr>
+              <a:t>‹#›</a:t>
             </a:fld>
             <a:endParaRPr lang="es-AR"/>
           </a:p>
         </p:txBody>
       </p:sp>
     </p:spTree>
-    <p:extLst>
-      <p:ext uri="{BB962C8B-B14F-4D97-AF65-F5344CB8AC3E}">
-        <p14:creationId xmlns:p14="http://schemas.microsoft.com/office/powerpoint/2010/main" xmlns="" val="4216029542"/>
-      </p:ext>
-    </p:extLst>
   </p:cSld>
   <p:clrMapOvr>
     <a:masterClrMapping/>
@@ -1438,12 +1608,21 @@
         <p:spPr/>
         <p:txBody>
           <a:bodyPr/>
-          <a:lstStyle/>
-          <a:p>
-            <a:fld id="{00D03AD9-B274-4317-8993-B21EFD32709D}" type="datetimeFigureOut">
-              <a:rPr lang="es-AR" smtClean="0"/>
-              <a:pPr/>
-              <a:t>24/04/2012</a:t>
+          <a:lstStyle>
+            <a:lvl1pPr>
+              <a:defRPr/>
+            </a:lvl1pPr>
+          </a:lstStyle>
+          <a:p>
+            <a:pPr>
+              <a:defRPr/>
+            </a:pPr>
+            <a:fld id="{62376408-DFC2-4722-8332-96403181FEFB}" type="datetimeFigureOut">
+              <a:rPr lang="es-AR"/>
+              <a:pPr>
+                <a:defRPr/>
+              </a:pPr>
+              <a:t>25/04/2012</a:t>
             </a:fld>
             <a:endParaRPr lang="es-AR"/>
           </a:p>
@@ -1462,8 +1641,15 @@
         <p:spPr/>
         <p:txBody>
           <a:bodyPr/>
-          <a:lstStyle/>
-          <a:p>
+          <a:lstStyle>
+            <a:lvl1pPr>
+              <a:defRPr/>
+            </a:lvl1pPr>
+          </a:lstStyle>
+          <a:p>
+            <a:pPr>
+              <a:defRPr/>
+            </a:pPr>
             <a:endParaRPr lang="es-AR"/>
           </a:p>
         </p:txBody>
@@ -1481,23 +1667,27 @@
         <p:spPr/>
         <p:txBody>
           <a:bodyPr/>
-          <a:lstStyle/>
-          <a:p>
-            <a:fld id="{3F2D9CC0-97DE-46BA-A91E-5E70B2C519B4}" type="slidenum">
-              <a:rPr lang="es-AR" smtClean="0"/>
-              <a:pPr/>
-              <a:t>‹Nº›</a:t>
+          <a:lstStyle>
+            <a:lvl1pPr>
+              <a:defRPr/>
+            </a:lvl1pPr>
+          </a:lstStyle>
+          <a:p>
+            <a:pPr>
+              <a:defRPr/>
+            </a:pPr>
+            <a:fld id="{2C883791-7ABD-4E20-8E79-6C9A804A0AF3}" type="slidenum">
+              <a:rPr lang="es-AR"/>
+              <a:pPr>
+                <a:defRPr/>
+              </a:pPr>
+              <a:t>‹#›</a:t>
             </a:fld>
             <a:endParaRPr lang="es-AR"/>
           </a:p>
         </p:txBody>
       </p:sp>
     </p:spTree>
-    <p:extLst>
-      <p:ext uri="{BB962C8B-B14F-4D97-AF65-F5344CB8AC3E}">
-        <p14:creationId xmlns:p14="http://schemas.microsoft.com/office/powerpoint/2010/main" xmlns="" val="1477062740"/>
-      </p:ext>
-    </p:extLst>
   </p:cSld>
   <p:clrMapOvr>
     <a:masterClrMapping/>
@@ -1620,12 +1810,21 @@
         <p:spPr/>
         <p:txBody>
           <a:bodyPr/>
-          <a:lstStyle/>
-          <a:p>
-            <a:fld id="{00D03AD9-B274-4317-8993-B21EFD32709D}" type="datetimeFigureOut">
-              <a:rPr lang="es-AR" smtClean="0"/>
-              <a:pPr/>
-              <a:t>24/04/2012</a:t>
+          <a:lstStyle>
+            <a:lvl1pPr>
+              <a:defRPr/>
+            </a:lvl1pPr>
+          </a:lstStyle>
+          <a:p>
+            <a:pPr>
+              <a:defRPr/>
+            </a:pPr>
+            <a:fld id="{90B0879D-6AE3-451E-BCE6-23A1DB99B6F4}" type="datetimeFigureOut">
+              <a:rPr lang="es-AR"/>
+              <a:pPr>
+                <a:defRPr/>
+              </a:pPr>
+              <a:t>25/04/2012</a:t>
             </a:fld>
             <a:endParaRPr lang="es-AR"/>
           </a:p>
@@ -1644,8 +1843,15 @@
         <p:spPr/>
         <p:txBody>
           <a:bodyPr/>
-          <a:lstStyle/>
-          <a:p>
+          <a:lstStyle>
+            <a:lvl1pPr>
+              <a:defRPr/>
+            </a:lvl1pPr>
+          </a:lstStyle>
+          <a:p>
+            <a:pPr>
+              <a:defRPr/>
+            </a:pPr>
             <a:endParaRPr lang="es-AR"/>
           </a:p>
         </p:txBody>
@@ -1663,23 +1869,27 @@
         <p:spPr/>
         <p:txBody>
           <a:bodyPr/>
-          <a:lstStyle/>
-          <a:p>
-            <a:fld id="{3F2D9CC0-97DE-46BA-A91E-5E70B2C519B4}" type="slidenum">
-              <a:rPr lang="es-AR" smtClean="0"/>
-              <a:pPr/>
-              <a:t>‹Nº›</a:t>
+          <a:lstStyle>
+            <a:lvl1pPr>
+              <a:defRPr/>
+            </a:lvl1pPr>
+          </a:lstStyle>
+          <a:p>
+            <a:pPr>
+              <a:defRPr/>
+            </a:pPr>
+            <a:fld id="{518A9D49-4978-46EE-8E1C-445F481BD946}" type="slidenum">
+              <a:rPr lang="es-AR"/>
+              <a:pPr>
+                <a:defRPr/>
+              </a:pPr>
+              <a:t>‹#›</a:t>
             </a:fld>
             <a:endParaRPr lang="es-AR"/>
           </a:p>
         </p:txBody>
       </p:sp>
     </p:spTree>
-    <p:extLst>
-      <p:ext uri="{BB962C8B-B14F-4D97-AF65-F5344CB8AC3E}">
-        <p14:creationId xmlns:p14="http://schemas.microsoft.com/office/powerpoint/2010/main" xmlns="" val="223054616"/>
-      </p:ext>
-    </p:extLst>
   </p:cSld>
   <p:clrMapOvr>
     <a:masterClrMapping/>
@@ -1792,12 +2002,21 @@
         <p:spPr/>
         <p:txBody>
           <a:bodyPr/>
-          <a:lstStyle/>
-          <a:p>
-            <a:fld id="{00D03AD9-B274-4317-8993-B21EFD32709D}" type="datetimeFigureOut">
-              <a:rPr lang="es-AR" smtClean="0"/>
-              <a:pPr/>
-              <a:t>24/04/2012</a:t>
+          <a:lstStyle>
+            <a:lvl1pPr>
+              <a:defRPr/>
+            </a:lvl1pPr>
+          </a:lstStyle>
+          <a:p>
+            <a:pPr>
+              <a:defRPr/>
+            </a:pPr>
+            <a:fld id="{F9841729-80FC-470B-A7F2-95C1CB4430F3}" type="datetimeFigureOut">
+              <a:rPr lang="es-AR"/>
+              <a:pPr>
+                <a:defRPr/>
+              </a:pPr>
+              <a:t>25/04/2012</a:t>
             </a:fld>
             <a:endParaRPr lang="es-AR"/>
           </a:p>
@@ -1816,8 +2035,15 @@
         <p:spPr/>
         <p:txBody>
           <a:bodyPr/>
-          <a:lstStyle/>
-          <a:p>
+          <a:lstStyle>
+            <a:lvl1pPr>
+              <a:defRPr/>
+            </a:lvl1pPr>
+          </a:lstStyle>
+          <a:p>
+            <a:pPr>
+              <a:defRPr/>
+            </a:pPr>
             <a:endParaRPr lang="es-AR"/>
           </a:p>
         </p:txBody>
@@ -1835,23 +2061,27 @@
         <p:spPr/>
         <p:txBody>
           <a:bodyPr/>
-          <a:lstStyle/>
-          <a:p>
-            <a:fld id="{3F2D9CC0-97DE-46BA-A91E-5E70B2C519B4}" type="slidenum">
-              <a:rPr lang="es-AR" smtClean="0"/>
-              <a:pPr/>
-              <a:t>‹Nº›</a:t>
+          <a:lstStyle>
+            <a:lvl1pPr>
+              <a:defRPr/>
+            </a:lvl1pPr>
+          </a:lstStyle>
+          <a:p>
+            <a:pPr>
+              <a:defRPr/>
+            </a:pPr>
+            <a:fld id="{9D8DB434-5748-4D22-8C95-4092C4A41286}" type="slidenum">
+              <a:rPr lang="es-AR"/>
+              <a:pPr>
+                <a:defRPr/>
+              </a:pPr>
+              <a:t>‹#›</a:t>
             </a:fld>
             <a:endParaRPr lang="es-AR"/>
           </a:p>
         </p:txBody>
       </p:sp>
     </p:spTree>
-    <p:extLst>
-      <p:ext uri="{BB962C8B-B14F-4D97-AF65-F5344CB8AC3E}">
-        <p14:creationId xmlns:p14="http://schemas.microsoft.com/office/powerpoint/2010/main" xmlns="" val="1914491051"/>
-      </p:ext>
-    </p:extLst>
   </p:cSld>
   <p:clrMapOvr>
     <a:masterClrMapping/>
@@ -2040,12 +2270,21 @@
         <p:spPr/>
         <p:txBody>
           <a:bodyPr/>
-          <a:lstStyle/>
-          <a:p>
-            <a:fld id="{00D03AD9-B274-4317-8993-B21EFD32709D}" type="datetimeFigureOut">
-              <a:rPr lang="es-AR" smtClean="0"/>
-              <a:pPr/>
-              <a:t>24/04/2012</a:t>
+          <a:lstStyle>
+            <a:lvl1pPr>
+              <a:defRPr/>
+            </a:lvl1pPr>
+          </a:lstStyle>
+          <a:p>
+            <a:pPr>
+              <a:defRPr/>
+            </a:pPr>
+            <a:fld id="{55B74C5D-E302-4FA8-9A43-87619349E4EC}" type="datetimeFigureOut">
+              <a:rPr lang="es-AR"/>
+              <a:pPr>
+                <a:defRPr/>
+              </a:pPr>
+              <a:t>25/04/2012</a:t>
             </a:fld>
             <a:endParaRPr lang="es-AR"/>
           </a:p>
@@ -2064,8 +2303,15 @@
         <p:spPr/>
         <p:txBody>
           <a:bodyPr/>
-          <a:lstStyle/>
-          <a:p>
+          <a:lstStyle>
+            <a:lvl1pPr>
+              <a:defRPr/>
+            </a:lvl1pPr>
+          </a:lstStyle>
+          <a:p>
+            <a:pPr>
+              <a:defRPr/>
+            </a:pPr>
             <a:endParaRPr lang="es-AR"/>
           </a:p>
         </p:txBody>
@@ -2083,23 +2329,27 @@
         <p:spPr/>
         <p:txBody>
           <a:bodyPr/>
-          <a:lstStyle/>
-          <a:p>
-            <a:fld id="{3F2D9CC0-97DE-46BA-A91E-5E70B2C519B4}" type="slidenum">
-              <a:rPr lang="es-AR" smtClean="0"/>
-              <a:pPr/>
-              <a:t>‹Nº›</a:t>
+          <a:lstStyle>
+            <a:lvl1pPr>
+              <a:defRPr/>
+            </a:lvl1pPr>
+          </a:lstStyle>
+          <a:p>
+            <a:pPr>
+              <a:defRPr/>
+            </a:pPr>
+            <a:fld id="{4EC63076-2FC5-49B1-95B4-76377C392489}" type="slidenum">
+              <a:rPr lang="es-AR"/>
+              <a:pPr>
+                <a:defRPr/>
+              </a:pPr>
+              <a:t>‹#›</a:t>
             </a:fld>
             <a:endParaRPr lang="es-AR"/>
           </a:p>
         </p:txBody>
       </p:sp>
     </p:spTree>
-    <p:extLst>
-      <p:ext uri="{BB962C8B-B14F-4D97-AF65-F5344CB8AC3E}">
-        <p14:creationId xmlns:p14="http://schemas.microsoft.com/office/powerpoint/2010/main" xmlns="" val="3655691279"/>
-      </p:ext>
-    </p:extLst>
   </p:cSld>
   <p:clrMapOvr>
     <a:masterClrMapping/>
@@ -2319,7 +2569,7 @@
       </p:sp>
       <p:sp>
         <p:nvSpPr>
-          <p:cNvPr id="5" name="4 Marcador de fecha"/>
+          <p:cNvPr id="5" name="3 Marcador de fecha"/>
           <p:cNvSpPr>
             <a:spLocks noGrp="1"/>
           </p:cNvSpPr>
@@ -2330,12 +2580,21 @@
         <p:spPr/>
         <p:txBody>
           <a:bodyPr/>
-          <a:lstStyle/>
-          <a:p>
-            <a:fld id="{00D03AD9-B274-4317-8993-B21EFD32709D}" type="datetimeFigureOut">
-              <a:rPr lang="es-AR" smtClean="0"/>
-              <a:pPr/>
-              <a:t>24/04/2012</a:t>
+          <a:lstStyle>
+            <a:lvl1pPr>
+              <a:defRPr/>
+            </a:lvl1pPr>
+          </a:lstStyle>
+          <a:p>
+            <a:pPr>
+              <a:defRPr/>
+            </a:pPr>
+            <a:fld id="{401741AE-9C01-4D81-B0AE-4073AD1A69F3}" type="datetimeFigureOut">
+              <a:rPr lang="es-AR"/>
+              <a:pPr>
+                <a:defRPr/>
+              </a:pPr>
+              <a:t>25/04/2012</a:t>
             </a:fld>
             <a:endParaRPr lang="es-AR"/>
           </a:p>
@@ -2343,7 +2602,7 @@
       </p:sp>
       <p:sp>
         <p:nvSpPr>
-          <p:cNvPr id="6" name="5 Marcador de pie de página"/>
+          <p:cNvPr id="6" name="4 Marcador de pie de página"/>
           <p:cNvSpPr>
             <a:spLocks noGrp="1"/>
           </p:cNvSpPr>
@@ -2354,15 +2613,22 @@
         <p:spPr/>
         <p:txBody>
           <a:bodyPr/>
-          <a:lstStyle/>
-          <a:p>
+          <a:lstStyle>
+            <a:lvl1pPr>
+              <a:defRPr/>
+            </a:lvl1pPr>
+          </a:lstStyle>
+          <a:p>
+            <a:pPr>
+              <a:defRPr/>
+            </a:pPr>
             <a:endParaRPr lang="es-AR"/>
           </a:p>
         </p:txBody>
       </p:sp>
       <p:sp>
         <p:nvSpPr>
-          <p:cNvPr id="7" name="6 Marcador de número de diapositiva"/>
+          <p:cNvPr id="7" name="5 Marcador de número de diapositiva"/>
           <p:cNvSpPr>
             <a:spLocks noGrp="1"/>
           </p:cNvSpPr>
@@ -2373,23 +2639,27 @@
         <p:spPr/>
         <p:txBody>
           <a:bodyPr/>
-          <a:lstStyle/>
-          <a:p>
-            <a:fld id="{3F2D9CC0-97DE-46BA-A91E-5E70B2C519B4}" type="slidenum">
-              <a:rPr lang="es-AR" smtClean="0"/>
-              <a:pPr/>
-              <a:t>‹Nº›</a:t>
+          <a:lstStyle>
+            <a:lvl1pPr>
+              <a:defRPr/>
+            </a:lvl1pPr>
+          </a:lstStyle>
+          <a:p>
+            <a:pPr>
+              <a:defRPr/>
+            </a:pPr>
+            <a:fld id="{D800DD5C-2E6E-420F-9C85-6537992552F4}" type="slidenum">
+              <a:rPr lang="es-AR"/>
+              <a:pPr>
+                <a:defRPr/>
+              </a:pPr>
+              <a:t>‹#›</a:t>
             </a:fld>
             <a:endParaRPr lang="es-AR"/>
           </a:p>
         </p:txBody>
       </p:sp>
     </p:spTree>
-    <p:extLst>
-      <p:ext uri="{BB962C8B-B14F-4D97-AF65-F5344CB8AC3E}">
-        <p14:creationId xmlns:p14="http://schemas.microsoft.com/office/powerpoint/2010/main" xmlns="" val="3243285389"/>
-      </p:ext>
-    </p:extLst>
   </p:cSld>
   <p:clrMapOvr>
     <a:masterClrMapping/>
@@ -2743,7 +3013,7 @@
       </p:sp>
       <p:sp>
         <p:nvSpPr>
-          <p:cNvPr id="7" name="6 Marcador de fecha"/>
+          <p:cNvPr id="7" name="3 Marcador de fecha"/>
           <p:cNvSpPr>
             <a:spLocks noGrp="1"/>
           </p:cNvSpPr>
@@ -2754,12 +3024,21 @@
         <p:spPr/>
         <p:txBody>
           <a:bodyPr/>
-          <a:lstStyle/>
-          <a:p>
-            <a:fld id="{00D03AD9-B274-4317-8993-B21EFD32709D}" type="datetimeFigureOut">
-              <a:rPr lang="es-AR" smtClean="0"/>
-              <a:pPr/>
-              <a:t>24/04/2012</a:t>
+          <a:lstStyle>
+            <a:lvl1pPr>
+              <a:defRPr/>
+            </a:lvl1pPr>
+          </a:lstStyle>
+          <a:p>
+            <a:pPr>
+              <a:defRPr/>
+            </a:pPr>
+            <a:fld id="{10E296A5-90B7-494F-B1C1-A9DEAB73B8B0}" type="datetimeFigureOut">
+              <a:rPr lang="es-AR"/>
+              <a:pPr>
+                <a:defRPr/>
+              </a:pPr>
+              <a:t>25/04/2012</a:t>
             </a:fld>
             <a:endParaRPr lang="es-AR"/>
           </a:p>
@@ -2767,7 +3046,7 @@
       </p:sp>
       <p:sp>
         <p:nvSpPr>
-          <p:cNvPr id="8" name="7 Marcador de pie de página"/>
+          <p:cNvPr id="8" name="4 Marcador de pie de página"/>
           <p:cNvSpPr>
             <a:spLocks noGrp="1"/>
           </p:cNvSpPr>
@@ -2778,15 +3057,22 @@
         <p:spPr/>
         <p:txBody>
           <a:bodyPr/>
-          <a:lstStyle/>
-          <a:p>
+          <a:lstStyle>
+            <a:lvl1pPr>
+              <a:defRPr/>
+            </a:lvl1pPr>
+          </a:lstStyle>
+          <a:p>
+            <a:pPr>
+              <a:defRPr/>
+            </a:pPr>
             <a:endParaRPr lang="es-AR"/>
           </a:p>
         </p:txBody>
       </p:sp>
       <p:sp>
         <p:nvSpPr>
-          <p:cNvPr id="9" name="8 Marcador de número de diapositiva"/>
+          <p:cNvPr id="9" name="5 Marcador de número de diapositiva"/>
           <p:cNvSpPr>
             <a:spLocks noGrp="1"/>
           </p:cNvSpPr>
@@ -2797,23 +3083,27 @@
         <p:spPr/>
         <p:txBody>
           <a:bodyPr/>
-          <a:lstStyle/>
-          <a:p>
-            <a:fld id="{3F2D9CC0-97DE-46BA-A91E-5E70B2C519B4}" type="slidenum">
-              <a:rPr lang="es-AR" smtClean="0"/>
-              <a:pPr/>
-              <a:t>‹Nº›</a:t>
+          <a:lstStyle>
+            <a:lvl1pPr>
+              <a:defRPr/>
+            </a:lvl1pPr>
+          </a:lstStyle>
+          <a:p>
+            <a:pPr>
+              <a:defRPr/>
+            </a:pPr>
+            <a:fld id="{A93727CE-2328-4EB3-AB9B-D05D6B879173}" type="slidenum">
+              <a:rPr lang="es-AR"/>
+              <a:pPr>
+                <a:defRPr/>
+              </a:pPr>
+              <a:t>‹#›</a:t>
             </a:fld>
             <a:endParaRPr lang="es-AR"/>
           </a:p>
         </p:txBody>
       </p:sp>
     </p:spTree>
-    <p:extLst>
-      <p:ext uri="{BB962C8B-B14F-4D97-AF65-F5344CB8AC3E}">
-        <p14:creationId xmlns:p14="http://schemas.microsoft.com/office/powerpoint/2010/main" xmlns="" val="2636274983"/>
-      </p:ext>
-    </p:extLst>
   </p:cSld>
   <p:clrMapOvr>
     <a:masterClrMapping/>
@@ -2863,7 +3153,7 @@
       </p:sp>
       <p:sp>
         <p:nvSpPr>
-          <p:cNvPr id="3" name="2 Marcador de fecha"/>
+          <p:cNvPr id="3" name="3 Marcador de fecha"/>
           <p:cNvSpPr>
             <a:spLocks noGrp="1"/>
           </p:cNvSpPr>
@@ -2874,12 +3164,21 @@
         <p:spPr/>
         <p:txBody>
           <a:bodyPr/>
-          <a:lstStyle/>
-          <a:p>
-            <a:fld id="{00D03AD9-B274-4317-8993-B21EFD32709D}" type="datetimeFigureOut">
-              <a:rPr lang="es-AR" smtClean="0"/>
-              <a:pPr/>
-              <a:t>24/04/2012</a:t>
+          <a:lstStyle>
+            <a:lvl1pPr>
+              <a:defRPr/>
+            </a:lvl1pPr>
+          </a:lstStyle>
+          <a:p>
+            <a:pPr>
+              <a:defRPr/>
+            </a:pPr>
+            <a:fld id="{C242FADC-61B8-4BA5-8AA6-C44BD0108DD4}" type="datetimeFigureOut">
+              <a:rPr lang="es-AR"/>
+              <a:pPr>
+                <a:defRPr/>
+              </a:pPr>
+              <a:t>25/04/2012</a:t>
             </a:fld>
             <a:endParaRPr lang="es-AR"/>
           </a:p>
@@ -2887,7 +3186,7 @@
       </p:sp>
       <p:sp>
         <p:nvSpPr>
-          <p:cNvPr id="4" name="3 Marcador de pie de página"/>
+          <p:cNvPr id="4" name="4 Marcador de pie de página"/>
           <p:cNvSpPr>
             <a:spLocks noGrp="1"/>
           </p:cNvSpPr>
@@ -2898,15 +3197,22 @@
         <p:spPr/>
         <p:txBody>
           <a:bodyPr/>
-          <a:lstStyle/>
-          <a:p>
+          <a:lstStyle>
+            <a:lvl1pPr>
+              <a:defRPr/>
+            </a:lvl1pPr>
+          </a:lstStyle>
+          <a:p>
+            <a:pPr>
+              <a:defRPr/>
+            </a:pPr>
             <a:endParaRPr lang="es-AR"/>
           </a:p>
         </p:txBody>
       </p:sp>
       <p:sp>
         <p:nvSpPr>
-          <p:cNvPr id="5" name="4 Marcador de número de diapositiva"/>
+          <p:cNvPr id="5" name="5 Marcador de número de diapositiva"/>
           <p:cNvSpPr>
             <a:spLocks noGrp="1"/>
           </p:cNvSpPr>
@@ -2917,23 +3223,27 @@
         <p:spPr/>
         <p:txBody>
           <a:bodyPr/>
-          <a:lstStyle/>
-          <a:p>
-            <a:fld id="{3F2D9CC0-97DE-46BA-A91E-5E70B2C519B4}" type="slidenum">
-              <a:rPr lang="es-AR" smtClean="0"/>
-              <a:pPr/>
-              <a:t>‹Nº›</a:t>
+          <a:lstStyle>
+            <a:lvl1pPr>
+              <a:defRPr/>
+            </a:lvl1pPr>
+          </a:lstStyle>
+          <a:p>
+            <a:pPr>
+              <a:defRPr/>
+            </a:pPr>
+            <a:fld id="{10DB7A7E-7CB2-4449-AE9F-CB98EF109C5A}" type="slidenum">
+              <a:rPr lang="es-AR"/>
+              <a:pPr>
+                <a:defRPr/>
+              </a:pPr>
+              <a:t>‹#›</a:t>
             </a:fld>
             <a:endParaRPr lang="es-AR"/>
           </a:p>
         </p:txBody>
       </p:sp>
     </p:spTree>
-    <p:extLst>
-      <p:ext uri="{BB962C8B-B14F-4D97-AF65-F5344CB8AC3E}">
-        <p14:creationId xmlns:p14="http://schemas.microsoft.com/office/powerpoint/2010/main" xmlns="" val="3269143888"/>
-      </p:ext>
-    </p:extLst>
   </p:cSld>
   <p:clrMapOvr>
     <a:masterClrMapping/>
@@ -2960,7 +3270,7 @@
       </p:grpSpPr>
       <p:sp>
         <p:nvSpPr>
-          <p:cNvPr id="2" name="1 Marcador de fecha"/>
+          <p:cNvPr id="2" name="3 Marcador de fecha"/>
           <p:cNvSpPr>
             <a:spLocks noGrp="1"/>
           </p:cNvSpPr>
@@ -2971,12 +3281,21 @@
         <p:spPr/>
         <p:txBody>
           <a:bodyPr/>
-          <a:lstStyle/>
-          <a:p>
-            <a:fld id="{00D03AD9-B274-4317-8993-B21EFD32709D}" type="datetimeFigureOut">
-              <a:rPr lang="es-AR" smtClean="0"/>
-              <a:pPr/>
-              <a:t>24/04/2012</a:t>
+          <a:lstStyle>
+            <a:lvl1pPr>
+              <a:defRPr/>
+            </a:lvl1pPr>
+          </a:lstStyle>
+          <a:p>
+            <a:pPr>
+              <a:defRPr/>
+            </a:pPr>
+            <a:fld id="{DDEB3265-EF84-48F9-88D8-B6D604B698E6}" type="datetimeFigureOut">
+              <a:rPr lang="es-AR"/>
+              <a:pPr>
+                <a:defRPr/>
+              </a:pPr>
+              <a:t>25/04/2012</a:t>
             </a:fld>
             <a:endParaRPr lang="es-AR"/>
           </a:p>
@@ -2984,7 +3303,7 @@
       </p:sp>
       <p:sp>
         <p:nvSpPr>
-          <p:cNvPr id="3" name="2 Marcador de pie de página"/>
+          <p:cNvPr id="3" name="4 Marcador de pie de página"/>
           <p:cNvSpPr>
             <a:spLocks noGrp="1"/>
           </p:cNvSpPr>
@@ -2995,15 +3314,22 @@
         <p:spPr/>
         <p:txBody>
           <a:bodyPr/>
-          <a:lstStyle/>
-          <a:p>
+          <a:lstStyle>
+            <a:lvl1pPr>
+              <a:defRPr/>
+            </a:lvl1pPr>
+          </a:lstStyle>
+          <a:p>
+            <a:pPr>
+              <a:defRPr/>
+            </a:pPr>
             <a:endParaRPr lang="es-AR"/>
           </a:p>
         </p:txBody>
       </p:sp>
       <p:sp>
         <p:nvSpPr>
-          <p:cNvPr id="4" name="3 Marcador de número de diapositiva"/>
+          <p:cNvPr id="4" name="5 Marcador de número de diapositiva"/>
           <p:cNvSpPr>
             <a:spLocks noGrp="1"/>
           </p:cNvSpPr>
@@ -3014,23 +3340,27 @@
         <p:spPr/>
         <p:txBody>
           <a:bodyPr/>
-          <a:lstStyle/>
-          <a:p>
-            <a:fld id="{3F2D9CC0-97DE-46BA-A91E-5E70B2C519B4}" type="slidenum">
-              <a:rPr lang="es-AR" smtClean="0"/>
-              <a:pPr/>
-              <a:t>‹Nº›</a:t>
+          <a:lstStyle>
+            <a:lvl1pPr>
+              <a:defRPr/>
+            </a:lvl1pPr>
+          </a:lstStyle>
+          <a:p>
+            <a:pPr>
+              <a:defRPr/>
+            </a:pPr>
+            <a:fld id="{6FB4FE11-BFED-4F80-A23D-58E8BBE97C5D}" type="slidenum">
+              <a:rPr lang="es-AR"/>
+              <a:pPr>
+                <a:defRPr/>
+              </a:pPr>
+              <a:t>‹#›</a:t>
             </a:fld>
             <a:endParaRPr lang="es-AR"/>
           </a:p>
         </p:txBody>
       </p:sp>
     </p:spTree>
-    <p:extLst>
-      <p:ext uri="{BB962C8B-B14F-4D97-AF65-F5344CB8AC3E}">
-        <p14:creationId xmlns:p14="http://schemas.microsoft.com/office/powerpoint/2010/main" xmlns="" val="1678523345"/>
-      </p:ext>
-    </p:extLst>
   </p:cSld>
   <p:clrMapOvr>
     <a:masterClrMapping/>
@@ -3239,7 +3569,7 @@
       </p:sp>
       <p:sp>
         <p:nvSpPr>
-          <p:cNvPr id="5" name="4 Marcador de fecha"/>
+          <p:cNvPr id="5" name="3 Marcador de fecha"/>
           <p:cNvSpPr>
             <a:spLocks noGrp="1"/>
           </p:cNvSpPr>
@@ -3250,12 +3580,21 @@
         <p:spPr/>
         <p:txBody>
           <a:bodyPr/>
-          <a:lstStyle/>
-          <a:p>
-            <a:fld id="{00D03AD9-B274-4317-8993-B21EFD32709D}" type="datetimeFigureOut">
-              <a:rPr lang="es-AR" smtClean="0"/>
-              <a:pPr/>
-              <a:t>24/04/2012</a:t>
+          <a:lstStyle>
+            <a:lvl1pPr>
+              <a:defRPr/>
+            </a:lvl1pPr>
+          </a:lstStyle>
+          <a:p>
+            <a:pPr>
+              <a:defRPr/>
+            </a:pPr>
+            <a:fld id="{5599B9E2-E065-4DDE-9C6F-1C89DC2C62D4}" type="datetimeFigureOut">
+              <a:rPr lang="es-AR"/>
+              <a:pPr>
+                <a:defRPr/>
+              </a:pPr>
+              <a:t>25/04/2012</a:t>
             </a:fld>
             <a:endParaRPr lang="es-AR"/>
           </a:p>
@@ -3263,7 +3602,7 @@
       </p:sp>
       <p:sp>
         <p:nvSpPr>
-          <p:cNvPr id="6" name="5 Marcador de pie de página"/>
+          <p:cNvPr id="6" name="4 Marcador de pie de página"/>
           <p:cNvSpPr>
             <a:spLocks noGrp="1"/>
           </p:cNvSpPr>
@@ -3274,15 +3613,22 @@
         <p:spPr/>
         <p:txBody>
           <a:bodyPr/>
-          <a:lstStyle/>
-          <a:p>
+          <a:lstStyle>
+            <a:lvl1pPr>
+              <a:defRPr/>
+            </a:lvl1pPr>
+          </a:lstStyle>
+          <a:p>
+            <a:pPr>
+              <a:defRPr/>
+            </a:pPr>
             <a:endParaRPr lang="es-AR"/>
           </a:p>
         </p:txBody>
       </p:sp>
       <p:sp>
         <p:nvSpPr>
-          <p:cNvPr id="7" name="6 Marcador de número de diapositiva"/>
+          <p:cNvPr id="7" name="5 Marcador de número de diapositiva"/>
           <p:cNvSpPr>
             <a:spLocks noGrp="1"/>
           </p:cNvSpPr>
@@ -3293,23 +3639,27 @@
         <p:spPr/>
         <p:txBody>
           <a:bodyPr/>
-          <a:lstStyle/>
-          <a:p>
-            <a:fld id="{3F2D9CC0-97DE-46BA-A91E-5E70B2C519B4}" type="slidenum">
-              <a:rPr lang="es-AR" smtClean="0"/>
-              <a:pPr/>
-              <a:t>‹Nº›</a:t>
+          <a:lstStyle>
+            <a:lvl1pPr>
+              <a:defRPr/>
+            </a:lvl1pPr>
+          </a:lstStyle>
+          <a:p>
+            <a:pPr>
+              <a:defRPr/>
+            </a:pPr>
+            <a:fld id="{B2C1588D-AA52-46AD-AF96-C804898441B5}" type="slidenum">
+              <a:rPr lang="es-AR"/>
+              <a:pPr>
+                <a:defRPr/>
+              </a:pPr>
+              <a:t>‹#›</a:t>
             </a:fld>
             <a:endParaRPr lang="es-AR"/>
           </a:p>
         </p:txBody>
       </p:sp>
     </p:spTree>
-    <p:extLst>
-      <p:ext uri="{BB962C8B-B14F-4D97-AF65-F5344CB8AC3E}">
-        <p14:creationId xmlns:p14="http://schemas.microsoft.com/office/powerpoint/2010/main" xmlns="" val="3056079155"/>
-      </p:ext>
-    </p:extLst>
   </p:cSld>
   <p:clrMapOvr>
     <a:masterClrMapping/>
@@ -3383,7 +3733,9 @@
           </a:xfrm>
         </p:spPr>
         <p:txBody>
-          <a:bodyPr/>
+          <a:bodyPr rtlCol="0">
+            <a:normAutofit/>
+          </a:bodyPr>
           <a:lstStyle>
             <a:lvl1pPr marL="0" indent="0">
               <a:buNone/>
@@ -3423,7 +3775,8 @@
             </a:lvl9pPr>
           </a:lstStyle>
           <a:p>
-            <a:endParaRPr lang="es-AR"/>
+            <a:pPr lvl="0"/>
+            <a:endParaRPr lang="es-AR" noProof="0"/>
           </a:p>
         </p:txBody>
       </p:sp>
@@ -3494,7 +3847,7 @@
       </p:sp>
       <p:sp>
         <p:nvSpPr>
-          <p:cNvPr id="5" name="4 Marcador de fecha"/>
+          <p:cNvPr id="5" name="3 Marcador de fecha"/>
           <p:cNvSpPr>
             <a:spLocks noGrp="1"/>
           </p:cNvSpPr>
@@ -3505,12 +3858,21 @@
         <p:spPr/>
         <p:txBody>
           <a:bodyPr/>
-          <a:lstStyle/>
-          <a:p>
-            <a:fld id="{00D03AD9-B274-4317-8993-B21EFD32709D}" type="datetimeFigureOut">
-              <a:rPr lang="es-AR" smtClean="0"/>
-              <a:pPr/>
-              <a:t>24/04/2012</a:t>
+          <a:lstStyle>
+            <a:lvl1pPr>
+              <a:defRPr/>
+            </a:lvl1pPr>
+          </a:lstStyle>
+          <a:p>
+            <a:pPr>
+              <a:defRPr/>
+            </a:pPr>
+            <a:fld id="{105D3498-3491-4210-B6A0-4B850A80C264}" type="datetimeFigureOut">
+              <a:rPr lang="es-AR"/>
+              <a:pPr>
+                <a:defRPr/>
+              </a:pPr>
+              <a:t>25/04/2012</a:t>
             </a:fld>
             <a:endParaRPr lang="es-AR"/>
           </a:p>
@@ -3518,7 +3880,7 @@
       </p:sp>
       <p:sp>
         <p:nvSpPr>
-          <p:cNvPr id="6" name="5 Marcador de pie de página"/>
+          <p:cNvPr id="6" name="4 Marcador de pie de página"/>
           <p:cNvSpPr>
             <a:spLocks noGrp="1"/>
           </p:cNvSpPr>
@@ -3529,15 +3891,22 @@
         <p:spPr/>
         <p:txBody>
           <a:bodyPr/>
-          <a:lstStyle/>
-          <a:p>
+          <a:lstStyle>
+            <a:lvl1pPr>
+              <a:defRPr/>
+            </a:lvl1pPr>
+          </a:lstStyle>
+          <a:p>
+            <a:pPr>
+              <a:defRPr/>
+            </a:pPr>
             <a:endParaRPr lang="es-AR"/>
           </a:p>
         </p:txBody>
       </p:sp>
       <p:sp>
         <p:nvSpPr>
-          <p:cNvPr id="7" name="6 Marcador de número de diapositiva"/>
+          <p:cNvPr id="7" name="5 Marcador de número de diapositiva"/>
           <p:cNvSpPr>
             <a:spLocks noGrp="1"/>
           </p:cNvSpPr>
@@ -3548,23 +3917,27 @@
         <p:spPr/>
         <p:txBody>
           <a:bodyPr/>
-          <a:lstStyle/>
-          <a:p>
-            <a:fld id="{3F2D9CC0-97DE-46BA-A91E-5E70B2C519B4}" type="slidenum">
-              <a:rPr lang="es-AR" smtClean="0"/>
-              <a:pPr/>
-              <a:t>‹Nº›</a:t>
+          <a:lstStyle>
+            <a:lvl1pPr>
+              <a:defRPr/>
+            </a:lvl1pPr>
+          </a:lstStyle>
+          <a:p>
+            <a:pPr>
+              <a:defRPr/>
+            </a:pPr>
+            <a:fld id="{1550E251-B30E-4883-B8C4-3546F0231458}" type="slidenum">
+              <a:rPr lang="es-AR"/>
+              <a:pPr>
+                <a:defRPr/>
+              </a:pPr>
+              <a:t>‹#›</a:t>
             </a:fld>
             <a:endParaRPr lang="es-AR"/>
           </a:p>
         </p:txBody>
       </p:sp>
     </p:spTree>
-    <p:extLst>
-      <p:ext uri="{BB962C8B-B14F-4D97-AF65-F5344CB8AC3E}">
-        <p14:creationId xmlns:p14="http://schemas.microsoft.com/office/powerpoint/2010/main" xmlns="" val="2796445100"/>
-      </p:ext>
-    </p:extLst>
   </p:cSld>
   <p:clrMapOvr>
     <a:masterClrMapping/>
@@ -3605,7 +3978,7 @@
       </p:grpSpPr>
       <p:sp>
         <p:nvSpPr>
-          <p:cNvPr id="2" name="1 Marcador de título"/>
+          <p:cNvPr id="1026" name="1 Marcador de título"/>
           <p:cNvSpPr>
             <a:spLocks noGrp="1"/>
           </p:cNvSpPr>
@@ -3613,7 +3986,7 @@
             <p:ph type="title"/>
           </p:nvPr>
         </p:nvSpPr>
-        <p:spPr>
+        <p:spPr bwMode="auto">
           <a:xfrm>
             <a:off x="457200" y="274638"/>
             <a:ext cx="8229600" cy="1143000"/>
@@ -3621,24 +3994,34 @@
           <a:prstGeom prst="rect">
             <a:avLst/>
           </a:prstGeom>
+          <a:noFill/>
+          <a:ln w="9525">
+            <a:noFill/>
+            <a:miter lim="800000"/>
+            <a:headEnd/>
+            <a:tailEnd/>
+          </a:ln>
         </p:spPr>
         <p:txBody>
-          <a:bodyPr vert="horz" lIns="91440" tIns="45720" rIns="91440" bIns="45720" rtlCol="0" anchor="ctr">
-            <a:normAutofit/>
+          <a:bodyPr vert="horz" wrap="square" lIns="91440" tIns="45720" rIns="91440" bIns="45720" numCol="1" anchor="ctr" anchorCtr="0" compatLnSpc="1">
+            <a:prstTxWarp prst="textNoShape">
+              <a:avLst/>
+            </a:prstTxWarp>
           </a:bodyPr>
           <a:lstStyle/>
           <a:p>
+            <a:pPr lvl="0"/>
             <a:r>
               <a:rPr lang="es-ES" smtClean="0"/>
               <a:t>Haga clic para modificar el estilo de título del patrón</a:t>
             </a:r>
-            <a:endParaRPr lang="es-AR"/>
-          </a:p>
-        </p:txBody>
-      </p:sp>
-      <p:sp>
-        <p:nvSpPr>
-          <p:cNvPr id="3" name="2 Marcador de texto"/>
+            <a:endParaRPr lang="es-AR" smtClean="0"/>
+          </a:p>
+        </p:txBody>
+      </p:sp>
+      <p:sp>
+        <p:nvSpPr>
+          <p:cNvPr id="1027" name="2 Marcador de texto"/>
           <p:cNvSpPr>
             <a:spLocks noGrp="1"/>
           </p:cNvSpPr>
@@ -3646,7 +4029,7 @@
             <p:ph type="body" idx="1"/>
           </p:nvPr>
         </p:nvSpPr>
-        <p:spPr>
+        <p:spPr bwMode="auto">
           <a:xfrm>
             <a:off x="457200" y="1600200"/>
             <a:ext cx="8229600" cy="4525963"/>
@@ -3654,10 +4037,19 @@
           <a:prstGeom prst="rect">
             <a:avLst/>
           </a:prstGeom>
+          <a:noFill/>
+          <a:ln w="9525">
+            <a:noFill/>
+            <a:miter lim="800000"/>
+            <a:headEnd/>
+            <a:tailEnd/>
+          </a:ln>
         </p:spPr>
         <p:txBody>
-          <a:bodyPr vert="horz" lIns="91440" tIns="45720" rIns="91440" bIns="45720" rtlCol="0">
-            <a:normAutofit/>
+          <a:bodyPr vert="horz" wrap="square" lIns="91440" tIns="45720" rIns="91440" bIns="45720" numCol="1" anchor="t" anchorCtr="0" compatLnSpc="1">
+            <a:prstTxWarp prst="textNoShape">
+              <a:avLst/>
+            </a:prstTxWarp>
           </a:bodyPr>
           <a:lstStyle/>
           <a:p>
@@ -3694,7 +4086,7 @@
               <a:rPr lang="es-ES" smtClean="0"/>
               <a:t>Quinto nivel</a:t>
             </a:r>
-            <a:endParaRPr lang="es-AR"/>
+            <a:endParaRPr lang="es-AR" smtClean="0"/>
           </a:p>
         </p:txBody>
       </p:sp>
@@ -3720,21 +4112,33 @@
         <p:txBody>
           <a:bodyPr vert="horz" lIns="91440" tIns="45720" rIns="91440" bIns="45720" rtlCol="0" anchor="ctr"/>
           <a:lstStyle>
-            <a:lvl1pPr algn="l">
-              <a:defRPr sz="1200">
+            <a:lvl1pPr algn="l" fontAlgn="auto">
+              <a:spcBef>
+                <a:spcPts val="0"/>
+              </a:spcBef>
+              <a:spcAft>
+                <a:spcPts val="0"/>
+              </a:spcAft>
+              <a:defRPr sz="1200" smtClean="0">
                 <a:solidFill>
                   <a:schemeClr val="tx1">
                     <a:tint val="75000"/>
                   </a:schemeClr>
                 </a:solidFill>
+                <a:latin typeface="+mn-lt"/>
               </a:defRPr>
             </a:lvl1pPr>
           </a:lstStyle>
           <a:p>
-            <a:fld id="{00D03AD9-B274-4317-8993-B21EFD32709D}" type="datetimeFigureOut">
-              <a:rPr lang="es-AR" smtClean="0"/>
-              <a:pPr/>
-              <a:t>24/04/2012</a:t>
+            <a:pPr>
+              <a:defRPr/>
+            </a:pPr>
+            <a:fld id="{9A63B4A0-D0FE-48B2-94D8-8D2CB26CD635}" type="datetimeFigureOut">
+              <a:rPr lang="es-AR"/>
+              <a:pPr>
+                <a:defRPr/>
+              </a:pPr>
+              <a:t>25/04/2012</a:t>
             </a:fld>
             <a:endParaRPr lang="es-AR"/>
           </a:p>
@@ -3762,17 +4166,27 @@
         <p:txBody>
           <a:bodyPr vert="horz" lIns="91440" tIns="45720" rIns="91440" bIns="45720" rtlCol="0" anchor="ctr"/>
           <a:lstStyle>
-            <a:lvl1pPr algn="ctr">
+            <a:lvl1pPr algn="ctr" fontAlgn="auto">
+              <a:spcBef>
+                <a:spcPts val="0"/>
+              </a:spcBef>
+              <a:spcAft>
+                <a:spcPts val="0"/>
+              </a:spcAft>
               <a:defRPr sz="1200">
                 <a:solidFill>
                   <a:schemeClr val="tx1">
                     <a:tint val="75000"/>
                   </a:schemeClr>
                 </a:solidFill>
+                <a:latin typeface="+mn-lt"/>
               </a:defRPr>
             </a:lvl1pPr>
           </a:lstStyle>
           <a:p>
+            <a:pPr>
+              <a:defRPr/>
+            </a:pPr>
             <a:endParaRPr lang="es-AR"/>
           </a:p>
         </p:txBody>
@@ -3799,54 +4213,63 @@
         <p:txBody>
           <a:bodyPr vert="horz" lIns="91440" tIns="45720" rIns="91440" bIns="45720" rtlCol="0" anchor="ctr"/>
           <a:lstStyle>
-            <a:lvl1pPr algn="r">
-              <a:defRPr sz="1200">
+            <a:lvl1pPr algn="r" fontAlgn="auto">
+              <a:spcBef>
+                <a:spcPts val="0"/>
+              </a:spcBef>
+              <a:spcAft>
+                <a:spcPts val="0"/>
+              </a:spcAft>
+              <a:defRPr sz="1200" smtClean="0">
                 <a:solidFill>
                   <a:schemeClr val="tx1">
                     <a:tint val="75000"/>
                   </a:schemeClr>
                 </a:solidFill>
+                <a:latin typeface="+mn-lt"/>
               </a:defRPr>
             </a:lvl1pPr>
           </a:lstStyle>
           <a:p>
-            <a:fld id="{3F2D9CC0-97DE-46BA-A91E-5E70B2C519B4}" type="slidenum">
-              <a:rPr lang="es-AR" smtClean="0"/>
-              <a:pPr/>
-              <a:t>‹Nº›</a:t>
+            <a:pPr>
+              <a:defRPr/>
+            </a:pPr>
+            <a:fld id="{78BDA284-4027-4518-8198-1FD1427C77BA}" type="slidenum">
+              <a:rPr lang="es-AR"/>
+              <a:pPr>
+                <a:defRPr/>
+              </a:pPr>
+              <a:t>‹#›</a:t>
             </a:fld>
             <a:endParaRPr lang="es-AR"/>
           </a:p>
         </p:txBody>
       </p:sp>
     </p:spTree>
-    <p:extLst>
-      <p:ext uri="{BB962C8B-B14F-4D97-AF65-F5344CB8AC3E}">
-        <p14:creationId xmlns:p14="http://schemas.microsoft.com/office/powerpoint/2010/main" xmlns="" val="2985976193"/>
-      </p:ext>
-    </p:extLst>
   </p:cSld>
   <p:clrMap bg1="lt1" tx1="dk1" bg2="lt2" tx2="dk2" accent1="accent1" accent2="accent2" accent3="accent3" accent4="accent4" accent5="accent5" accent6="accent6" hlink="hlink" folHlink="folHlink"/>
   <p:sldLayoutIdLst>
-    <p:sldLayoutId id="2147483649" r:id="rId1"/>
-    <p:sldLayoutId id="2147483650" r:id="rId2"/>
-    <p:sldLayoutId id="2147483651" r:id="rId3"/>
-    <p:sldLayoutId id="2147483652" r:id="rId4"/>
-    <p:sldLayoutId id="2147483653" r:id="rId5"/>
+    <p:sldLayoutId id="2147483659" r:id="rId1"/>
+    <p:sldLayoutId id="2147483658" r:id="rId2"/>
+    <p:sldLayoutId id="2147483657" r:id="rId3"/>
+    <p:sldLayoutId id="2147483656" r:id="rId4"/>
+    <p:sldLayoutId id="2147483655" r:id="rId5"/>
     <p:sldLayoutId id="2147483654" r:id="rId6"/>
-    <p:sldLayoutId id="2147483655" r:id="rId7"/>
-    <p:sldLayoutId id="2147483656" r:id="rId8"/>
-    <p:sldLayoutId id="2147483657" r:id="rId9"/>
-    <p:sldLayoutId id="2147483658" r:id="rId10"/>
-    <p:sldLayoutId id="2147483659" r:id="rId11"/>
+    <p:sldLayoutId id="2147483653" r:id="rId7"/>
+    <p:sldLayoutId id="2147483652" r:id="rId8"/>
+    <p:sldLayoutId id="2147483651" r:id="rId9"/>
+    <p:sldLayoutId id="2147483650" r:id="rId10"/>
+    <p:sldLayoutId id="2147483649" r:id="rId11"/>
   </p:sldLayoutIdLst>
   <p:txStyles>
     <p:titleStyle>
-      <a:lvl1pPr algn="ctr" defTabSz="914400" rtl="0" eaLnBrk="1" latinLnBrk="0" hangingPunct="1">
+      <a:lvl1pPr algn="ctr" rtl="0" fontAlgn="base">
         <a:spcBef>
           <a:spcPct val="0"/>
         </a:spcBef>
-        <a:buNone/>
+        <a:spcAft>
+          <a:spcPct val="0"/>
+        </a:spcAft>
         <a:defRPr sz="4400" kern="1200">
           <a:solidFill>
             <a:schemeClr val="tx1"/>
@@ -3856,13 +4279,128 @@
           <a:cs typeface="+mj-cs"/>
         </a:defRPr>
       </a:lvl1pPr>
+      <a:lvl2pPr algn="ctr" rtl="0" fontAlgn="base">
+        <a:spcBef>
+          <a:spcPct val="0"/>
+        </a:spcBef>
+        <a:spcAft>
+          <a:spcPct val="0"/>
+        </a:spcAft>
+        <a:defRPr sz="4400">
+          <a:solidFill>
+            <a:schemeClr val="tx1"/>
+          </a:solidFill>
+          <a:latin typeface="Calibri" pitchFamily="34" charset="0"/>
+        </a:defRPr>
+      </a:lvl2pPr>
+      <a:lvl3pPr algn="ctr" rtl="0" fontAlgn="base">
+        <a:spcBef>
+          <a:spcPct val="0"/>
+        </a:spcBef>
+        <a:spcAft>
+          <a:spcPct val="0"/>
+        </a:spcAft>
+        <a:defRPr sz="4400">
+          <a:solidFill>
+            <a:schemeClr val="tx1"/>
+          </a:solidFill>
+          <a:latin typeface="Calibri" pitchFamily="34" charset="0"/>
+        </a:defRPr>
+      </a:lvl3pPr>
+      <a:lvl4pPr algn="ctr" rtl="0" fontAlgn="base">
+        <a:spcBef>
+          <a:spcPct val="0"/>
+        </a:spcBef>
+        <a:spcAft>
+          <a:spcPct val="0"/>
+        </a:spcAft>
+        <a:defRPr sz="4400">
+          <a:solidFill>
+            <a:schemeClr val="tx1"/>
+          </a:solidFill>
+          <a:latin typeface="Calibri" pitchFamily="34" charset="0"/>
+        </a:defRPr>
+      </a:lvl4pPr>
+      <a:lvl5pPr algn="ctr" rtl="0" fontAlgn="base">
+        <a:spcBef>
+          <a:spcPct val="0"/>
+        </a:spcBef>
+        <a:spcAft>
+          <a:spcPct val="0"/>
+        </a:spcAft>
+        <a:defRPr sz="4400">
+          <a:solidFill>
+            <a:schemeClr val="tx1"/>
+          </a:solidFill>
+          <a:latin typeface="Calibri" pitchFamily="34" charset="0"/>
+        </a:defRPr>
+      </a:lvl5pPr>
+      <a:lvl6pPr marL="457200" algn="ctr" rtl="0" fontAlgn="base">
+        <a:spcBef>
+          <a:spcPct val="0"/>
+        </a:spcBef>
+        <a:spcAft>
+          <a:spcPct val="0"/>
+        </a:spcAft>
+        <a:defRPr sz="4400">
+          <a:solidFill>
+            <a:schemeClr val="tx1"/>
+          </a:solidFill>
+          <a:latin typeface="Calibri" pitchFamily="34" charset="0"/>
+        </a:defRPr>
+      </a:lvl6pPr>
+      <a:lvl7pPr marL="914400" algn="ctr" rtl="0" fontAlgn="base">
+        <a:spcBef>
+          <a:spcPct val="0"/>
+        </a:spcBef>
+        <a:spcAft>
+          <a:spcPct val="0"/>
+        </a:spcAft>
+        <a:defRPr sz="4400">
+          <a:solidFill>
+            <a:schemeClr val="tx1"/>
+          </a:solidFill>
+          <a:latin typeface="Calibri" pitchFamily="34" charset="0"/>
+        </a:defRPr>
+      </a:lvl7pPr>
+      <a:lvl8pPr marL="1371600" algn="ctr" rtl="0" fontAlgn="base">
+        <a:spcBef>
+          <a:spcPct val="0"/>
+        </a:spcBef>
+        <a:spcAft>
+          <a:spcPct val="0"/>
+        </a:spcAft>
+        <a:defRPr sz="4400">
+          <a:solidFill>
+            <a:schemeClr val="tx1"/>
+          </a:solidFill>
+          <a:latin typeface="Calibri" pitchFamily="34" charset="0"/>
+        </a:defRPr>
+      </a:lvl8pPr>
+      <a:lvl9pPr marL="1828800" algn="ctr" rtl="0" fontAlgn="base">
+        <a:spcBef>
+          <a:spcPct val="0"/>
+        </a:spcBef>
+        <a:spcAft>
+          <a:spcPct val="0"/>
+        </a:spcAft>
+        <a:defRPr sz="4400">
+          <a:solidFill>
+            <a:schemeClr val="tx1"/>
+          </a:solidFill>
+          <a:latin typeface="Calibri" pitchFamily="34" charset="0"/>
+        </a:defRPr>
+      </a:lvl9pPr>
     </p:titleStyle>
     <p:bodyStyle>
-      <a:lvl1pPr marL="342900" indent="-342900" algn="l" defTabSz="914400" rtl="0" eaLnBrk="1" latinLnBrk="0" hangingPunct="1">
+      <a:lvl1pPr marL="342900" indent="-342900" algn="l" rtl="0" fontAlgn="base">
         <a:spcBef>
           <a:spcPct val="20000"/>
         </a:spcBef>
-        <a:buFont typeface="Arial" pitchFamily="34" charset="0"/>
+        <a:spcAft>
+          <a:spcPct val="0"/>
+        </a:spcAft>
+        <a:buFont typeface="Arial" charset="0"/>
         <a:buChar char="•"/>
         <a:defRPr sz="3200" kern="1200">
           <a:solidFill>
@@ -3873,11 +4411,14 @@
           <a:cs typeface="+mn-cs"/>
         </a:defRPr>
       </a:lvl1pPr>
-      <a:lvl2pPr marL="742950" indent="-285750" algn="l" defTabSz="914400" rtl="0" eaLnBrk="1" latinLnBrk="0" hangingPunct="1">
+      <a:lvl2pPr marL="742950" indent="-285750" algn="l" rtl="0" fontAlgn="base">
         <a:spcBef>
           <a:spcPct val="20000"/>
         </a:spcBef>
-        <a:buFont typeface="Arial" pitchFamily="34" charset="0"/>
+        <a:spcAft>
+          <a:spcPct val="0"/>
+        </a:spcAft>
+        <a:buFont typeface="Arial" charset="0"/>
         <a:buChar char="–"/>
         <a:defRPr sz="2800" kern="1200">
           <a:solidFill>
@@ -3888,11 +4429,14 @@
           <a:cs typeface="+mn-cs"/>
         </a:defRPr>
       </a:lvl2pPr>
-      <a:lvl3pPr marL="1143000" indent="-228600" algn="l" defTabSz="914400" rtl="0" eaLnBrk="1" latinLnBrk="0" hangingPunct="1">
+      <a:lvl3pPr marL="1143000" indent="-228600" algn="l" rtl="0" fontAlgn="base">
         <a:spcBef>
           <a:spcPct val="20000"/>
         </a:spcBef>
-        <a:buFont typeface="Arial" pitchFamily="34" charset="0"/>
+        <a:spcAft>
+          <a:spcPct val="0"/>
+        </a:spcAft>
+        <a:buFont typeface="Arial" charset="0"/>
         <a:buChar char="•"/>
         <a:defRPr sz="2400" kern="1200">
           <a:solidFill>
@@ -3903,11 +4447,14 @@
           <a:cs typeface="+mn-cs"/>
         </a:defRPr>
       </a:lvl3pPr>
-      <a:lvl4pPr marL="1600200" indent="-228600" algn="l" defTabSz="914400" rtl="0" eaLnBrk="1" latinLnBrk="0" hangingPunct="1">
+      <a:lvl4pPr marL="1600200" indent="-228600" algn="l" rtl="0" fontAlgn="base">
         <a:spcBef>
           <a:spcPct val="20000"/>
         </a:spcBef>
-        <a:buFont typeface="Arial" pitchFamily="34" charset="0"/>
+        <a:spcAft>
+          <a:spcPct val="0"/>
+        </a:spcAft>
+        <a:buFont typeface="Arial" charset="0"/>
         <a:buChar char="–"/>
         <a:defRPr sz="2000" kern="1200">
           <a:solidFill>
@@ -3918,11 +4465,14 @@
           <a:cs typeface="+mn-cs"/>
         </a:defRPr>
       </a:lvl4pPr>
-      <a:lvl5pPr marL="2057400" indent="-228600" algn="l" defTabSz="914400" rtl="0" eaLnBrk="1" latinLnBrk="0" hangingPunct="1">
+      <a:lvl5pPr marL="2057400" indent="-228600" algn="l" rtl="0" fontAlgn="base">
         <a:spcBef>
           <a:spcPct val="20000"/>
         </a:spcBef>
-        <a:buFont typeface="Arial" pitchFamily="34" charset="0"/>
+        <a:spcAft>
+          <a:spcPct val="0"/>
+        </a:spcAft>
+        <a:buFont typeface="Arial" charset="0"/>
         <a:buChar char="»"/>
         <a:defRPr sz="2000" kern="1200">
           <a:solidFill>
@@ -4112,7 +4662,7 @@
       </p:grpSpPr>
       <p:sp>
         <p:nvSpPr>
-          <p:cNvPr id="2" name="1 Título"/>
+          <p:cNvPr id="14337" name="1 Título"/>
           <p:cNvSpPr>
             <a:spLocks noGrp="1"/>
           </p:cNvSpPr>
@@ -4122,7 +4672,7 @@
         </p:nvSpPr>
         <p:spPr>
           <a:xfrm>
-            <a:off x="685800" y="1022871"/>
+            <a:off x="685800" y="1022350"/>
             <a:ext cx="7772400" cy="1470025"/>
           </a:xfrm>
         </p:spPr>
@@ -4131,16 +4681,28 @@
           <a:lstStyle/>
           <a:p>
             <a:r>
-              <a:rPr lang="es-AR" dirty="0" smtClean="0">
-                <a:latin typeface="Aharoni" pitchFamily="2" charset="-79"/>
-                <a:cs typeface="Aharoni" pitchFamily="2" charset="-79"/>
+              <a:rPr lang="es-AR" smtClean="0">
+                <a:latin typeface="Aharoni"/>
+                <a:ea typeface="Aharoni"/>
+                <a:cs typeface="Aharoni"/>
               </a:rPr>
-              <a:t>Seguridad para Todos</a:t>
-            </a:r>
-            <a:endParaRPr lang="es-AR" dirty="0">
-              <a:latin typeface="Aharoni" pitchFamily="2" charset="-79"/>
-              <a:cs typeface="Aharoni" pitchFamily="2" charset="-79"/>
-            </a:endParaRPr>
+              <a:t>Seguridad para Todos:</a:t>
+            </a:r>
+            <a:br>
+              <a:rPr lang="es-AR" smtClean="0">
+                <a:latin typeface="Aharoni"/>
+                <a:ea typeface="Aharoni"/>
+                <a:cs typeface="Aharoni"/>
+              </a:rPr>
+            </a:br>
+            <a:r>
+              <a:rPr lang="es-AR" smtClean="0">
+                <a:latin typeface="Aharoni"/>
+                <a:ea typeface="Aharoni"/>
+                <a:cs typeface="Aharoni"/>
+              </a:rPr>
+              <a:t>Panic Dial Button</a:t>
+            </a:r>
           </a:p>
         </p:txBody>
       </p:sp>
@@ -4156,16 +4718,24 @@
         </p:nvSpPr>
         <p:spPr>
           <a:xfrm>
-            <a:off x="827584" y="548680"/>
-            <a:ext cx="7488832" cy="720080"/>
+            <a:off x="827088" y="549275"/>
+            <a:ext cx="7489825" cy="719138"/>
           </a:xfrm>
         </p:spPr>
         <p:txBody>
-          <a:bodyPr>
+          <a:bodyPr rtlCol="0">
             <a:normAutofit/>
           </a:bodyPr>
           <a:lstStyle/>
           <a:p>
+            <a:pPr fontAlgn="auto">
+              <a:spcAft>
+                <a:spcPts val="0"/>
+              </a:spcAft>
+              <a:buFont typeface="Arial" pitchFamily="34" charset="0"/>
+              <a:buNone/>
+              <a:defRPr/>
+            </a:pPr>
             <a:r>
               <a:rPr lang="es-AR" sz="2400" dirty="0" smtClean="0">
                 <a:solidFill>
@@ -4190,122 +4760,81 @@
       </p:sp>
       <p:pic>
         <p:nvPicPr>
-          <p:cNvPr id="4" name="Picture 3"/>
+          <p:cNvPr id="14339" name="Picture 3"/>
           <p:cNvPicPr>
             <a:picLocks noChangeAspect="1"/>
           </p:cNvPicPr>
           <p:nvPr/>
         </p:nvPicPr>
         <p:blipFill>
-          <a:blip r:embed="rId3" cstate="print">
-            <a:extLst>
-              <a:ext uri="{28A0092B-C50C-407E-A947-70E740481C1C}">
-                <a14:useLocalDpi xmlns:a14="http://schemas.microsoft.com/office/drawing/2010/main" xmlns="" val="0"/>
-              </a:ext>
-            </a:extLst>
-          </a:blip>
+          <a:blip r:embed="rId3"/>
+          <a:srcRect/>
           <a:stretch>
             <a:fillRect/>
           </a:stretch>
         </p:blipFill>
-        <p:spPr>
+        <p:spPr bwMode="auto">
           <a:xfrm>
-            <a:off x="2699792" y="2483998"/>
-            <a:ext cx="4186283" cy="2601186"/>
+            <a:off x="2700338" y="2636838"/>
+            <a:ext cx="4186237" cy="2600325"/>
           </a:xfrm>
           <a:prstGeom prst="rect">
             <a:avLst/>
           </a:prstGeom>
+          <a:noFill/>
+          <a:ln w="9525">
+            <a:noFill/>
+            <a:miter lim="800000"/>
+            <a:headEnd/>
+            <a:tailEnd/>
+          </a:ln>
         </p:spPr>
       </p:pic>
       <p:sp>
         <p:nvSpPr>
-          <p:cNvPr id="5" name="2 Subtítulo"/>
+          <p:cNvPr id="14340" name="2 Subtítulo"/>
           <p:cNvSpPr txBox="1">
             <a:spLocks/>
           </p:cNvSpPr>
           <p:nvPr/>
         </p:nvSpPr>
-        <p:spPr>
+        <p:spPr bwMode="auto">
           <a:xfrm>
-            <a:off x="827584" y="5733256"/>
-            <a:ext cx="7488832" cy="720080"/>
+            <a:off x="827088" y="5732463"/>
+            <a:ext cx="7489825" cy="720725"/>
           </a:xfrm>
           <a:prstGeom prst="rect">
             <a:avLst/>
           </a:prstGeom>
+          <a:noFill/>
+          <a:ln w="9525">
+            <a:noFill/>
+            <a:miter lim="800000"/>
+            <a:headEnd/>
+            <a:tailEnd/>
+          </a:ln>
         </p:spPr>
         <p:txBody>
-          <a:bodyPr vert="horz" lIns="91440" tIns="45720" rIns="91440" bIns="45720" rtlCol="0">
-            <a:normAutofit/>
-          </a:bodyPr>
+          <a:bodyPr/>
           <a:lstStyle/>
           <a:p>
-            <a:pPr marL="0" marR="0" lvl="0" indent="0" algn="ctr" defTabSz="914400" rtl="0" eaLnBrk="1" fontAlgn="auto" latinLnBrk="0" hangingPunct="1">
-              <a:lnSpc>
-                <a:spcPct val="100000"/>
-              </a:lnSpc>
+            <a:pPr algn="ctr">
               <a:spcBef>
                 <a:spcPct val="20000"/>
               </a:spcBef>
-              <a:spcAft>
-                <a:spcPts val="0"/>
-              </a:spcAft>
-              <a:buClrTx/>
-              <a:buSzTx/>
-              <a:buFont typeface="Arial" pitchFamily="34" charset="0"/>
+              <a:buFont typeface="Arial" charset="0"/>
               <a:buNone/>
-              <a:tabLst/>
-              <a:defRPr/>
             </a:pPr>
             <a:r>
-              <a:rPr kumimoji="0" lang="es-AR" sz="2400" i="0" u="none" strike="noStrike" kern="1200" cap="none" spc="0" normalizeH="0" baseline="0" noProof="0" dirty="0" smtClean="0">
-                <a:ln>
-                  <a:noFill/>
-                </a:ln>
-                <a:effectLst/>
-                <a:uLnTx/>
-                <a:uFillTx/>
-                <a:latin typeface="+mn-lt"/>
-                <a:ea typeface="+mn-ea"/>
-                <a:cs typeface="+mn-cs"/>
+              <a:rPr lang="es-AR" sz="2400">
+                <a:latin typeface="Calibri" pitchFamily="34" charset="0"/>
               </a:rPr>
-              <a:t>Grupo N° 5 – 1° cuatrimestre</a:t>
-            </a:r>
-            <a:r>
-              <a:rPr kumimoji="0" lang="es-AR" sz="2400" i="0" u="none" strike="noStrike" kern="1200" cap="none" spc="0" normalizeH="0" noProof="0" dirty="0" smtClean="0">
-                <a:ln>
-                  <a:noFill/>
-                </a:ln>
-                <a:effectLst/>
-                <a:uLnTx/>
-                <a:uFillTx/>
-                <a:latin typeface="+mn-lt"/>
-                <a:ea typeface="+mn-ea"/>
-                <a:cs typeface="+mn-cs"/>
-              </a:rPr>
-              <a:t> 2012</a:t>
-            </a:r>
-            <a:endParaRPr kumimoji="0" lang="es-AR" sz="2400" i="0" u="none" strike="noStrike" kern="1200" cap="none" spc="0" normalizeH="0" baseline="0" noProof="0" dirty="0">
-              <a:ln>
-                <a:noFill/>
-              </a:ln>
-              <a:effectLst/>
-              <a:uLnTx/>
-              <a:uFillTx/>
-              <a:latin typeface="+mn-lt"/>
-              <a:ea typeface="+mn-ea"/>
-              <a:cs typeface="+mn-cs"/>
-            </a:endParaRPr>
+              <a:t>Grupo N° 5 – 1° cuatrimestre 2012</a:t>
+            </a:r>
           </a:p>
         </p:txBody>
       </p:sp>
     </p:spTree>
-    <p:extLst>
-      <p:ext uri="{BB962C8B-B14F-4D97-AF65-F5344CB8AC3E}">
-        <p14:creationId xmlns:p14="http://schemas.microsoft.com/office/powerpoint/2010/main" xmlns="" val="1289667085"/>
-      </p:ext>
-    </p:extLst>
   </p:cSld>
   <p:clrMapOvr>
     <a:masterClrMapping/>
@@ -4349,27 +4878,24 @@
         </p:nvSpPr>
         <p:spPr>
           <a:xfrm>
-            <a:off x="323528" y="260648"/>
-            <a:ext cx="2736304" cy="288032"/>
+            <a:off x="250825" y="260350"/>
+            <a:ext cx="4464050" cy="288925"/>
           </a:xfrm>
         </p:spPr>
         <p:txBody>
           <a:bodyPr>
-            <a:normAutofit fontScale="90000"/>
+            <a:normAutofit/>
           </a:bodyPr>
           <a:lstStyle/>
           <a:p>
             <a:r>
-              <a:rPr lang="es-AR" sz="2000" dirty="0" smtClean="0">
-                <a:latin typeface="Aharoni" pitchFamily="2" charset="-79"/>
-                <a:cs typeface="Aharoni" pitchFamily="2" charset="-79"/>
+              <a:rPr lang="es-AR" sz="1800" smtClean="0">
+                <a:latin typeface="Aharoni"/>
+                <a:ea typeface="Aharoni"/>
+                <a:cs typeface="Aharoni"/>
               </a:rPr>
-              <a:t>Seguridad para Todos</a:t>
-            </a:r>
-            <a:endParaRPr lang="es-AR" sz="2000" dirty="0">
-              <a:latin typeface="Aharoni" pitchFamily="2" charset="-79"/>
-              <a:cs typeface="Aharoni" pitchFamily="2" charset="-79"/>
-            </a:endParaRPr>
+              <a:t>Seguridad para Todos: Panic Dial Button</a:t>
+            </a:r>
           </a:p>
         </p:txBody>
       </p:sp>
@@ -4385,16 +4911,24 @@
         </p:nvSpPr>
         <p:spPr>
           <a:xfrm>
-            <a:off x="5148064" y="239876"/>
-            <a:ext cx="3960440" cy="380812"/>
+            <a:off x="5148263" y="239713"/>
+            <a:ext cx="3960812" cy="381000"/>
           </a:xfrm>
         </p:spPr>
         <p:txBody>
-          <a:bodyPr>
+          <a:bodyPr rtlCol="0">
             <a:normAutofit fontScale="47500" lnSpcReduction="20000"/>
           </a:bodyPr>
           <a:lstStyle/>
           <a:p>
+            <a:pPr fontAlgn="auto">
+              <a:spcAft>
+                <a:spcPts val="0"/>
+              </a:spcAft>
+              <a:buFont typeface="Arial" pitchFamily="34" charset="0"/>
+              <a:buNone/>
+              <a:defRPr/>
+            </a:pPr>
             <a:r>
               <a:rPr lang="es-AR" dirty="0" smtClean="0">
                 <a:solidFill>
@@ -4419,83 +4953,73 @@
       </p:sp>
       <p:pic>
         <p:nvPicPr>
-          <p:cNvPr id="6" name="Picture 5"/>
+          <p:cNvPr id="16387" name="Picture 5"/>
           <p:cNvPicPr>
             <a:picLocks noChangeAspect="1"/>
           </p:cNvPicPr>
           <p:nvPr/>
         </p:nvPicPr>
         <p:blipFill>
-          <a:blip r:embed="rId2" cstate="print">
-            <a:extLst>
-              <a:ext uri="{28A0092B-C50C-407E-A947-70E740481C1C}">
-                <a14:useLocalDpi xmlns:a14="http://schemas.microsoft.com/office/drawing/2010/main" xmlns="" val="0"/>
-              </a:ext>
-            </a:extLst>
-          </a:blip>
+          <a:blip r:embed="rId2"/>
+          <a:srcRect/>
           <a:stretch>
             <a:fillRect/>
           </a:stretch>
         </p:blipFill>
-        <p:spPr>
+        <p:spPr bwMode="auto">
           <a:xfrm>
-            <a:off x="3203848" y="260648"/>
-            <a:ext cx="468052" cy="277364"/>
+            <a:off x="4859338" y="260350"/>
+            <a:ext cx="468312" cy="277813"/>
           </a:xfrm>
           <a:prstGeom prst="rect">
             <a:avLst/>
           </a:prstGeom>
+          <a:noFill/>
+          <a:ln w="9525">
+            <a:noFill/>
+            <a:miter lim="800000"/>
+            <a:headEnd/>
+            <a:tailEnd/>
+          </a:ln>
         </p:spPr>
       </p:pic>
       <p:sp>
         <p:nvSpPr>
-          <p:cNvPr id="8" name="1 Título"/>
+          <p:cNvPr id="16388" name="1 Título"/>
           <p:cNvSpPr txBox="1">
             <a:spLocks/>
           </p:cNvSpPr>
           <p:nvPr/>
         </p:nvSpPr>
-        <p:spPr>
+        <p:spPr bwMode="auto">
           <a:xfrm>
-            <a:off x="1660879" y="836712"/>
-            <a:ext cx="5822242" cy="792088"/>
+            <a:off x="1660525" y="836613"/>
+            <a:ext cx="5822950" cy="792162"/>
           </a:xfrm>
           <a:prstGeom prst="rect">
             <a:avLst/>
           </a:prstGeom>
+          <a:noFill/>
+          <a:ln w="9525">
+            <a:noFill/>
+            <a:miter lim="800000"/>
+            <a:headEnd/>
+            <a:tailEnd/>
+          </a:ln>
         </p:spPr>
         <p:txBody>
-          <a:bodyPr vert="horz" lIns="91440" tIns="45720" rIns="91440" bIns="45720" rtlCol="0" anchor="ctr">
-            <a:noAutofit/>
-          </a:bodyPr>
-          <a:lstStyle>
-            <a:lvl1pPr algn="ctr" defTabSz="914400" rtl="0" eaLnBrk="1" latinLnBrk="0" hangingPunct="1">
-              <a:spcBef>
-                <a:spcPct val="0"/>
-              </a:spcBef>
-              <a:buNone/>
-              <a:defRPr sz="4400" kern="1200">
-                <a:solidFill>
-                  <a:schemeClr val="tx1"/>
-                </a:solidFill>
-                <a:latin typeface="+mj-lt"/>
-                <a:ea typeface="+mj-ea"/>
-                <a:cs typeface="+mj-cs"/>
-              </a:defRPr>
-            </a:lvl1pPr>
-          </a:lstStyle>
-          <a:p>
-            <a:r>
-              <a:rPr lang="es-AR" sz="4800" b="1" dirty="0" smtClean="0">
+          <a:bodyPr anchor="ctr"/>
+          <a:lstStyle/>
+          <a:p>
+            <a:pPr algn="ctr"/>
+            <a:r>
+              <a:rPr lang="es-AR" sz="4800" b="1">
                 <a:latin typeface="Trebuchet MS" pitchFamily="34" charset="0"/>
-                <a:cs typeface="Levenim MT" pitchFamily="2" charset="-79"/>
+                <a:ea typeface="Levenim MT"/>
+                <a:cs typeface="Levenim MT"/>
               </a:rPr>
               <a:t>¿Quiénes Somos?</a:t>
             </a:r>
-            <a:endParaRPr lang="es-AR" sz="4800" b="1" dirty="0">
-              <a:latin typeface="Trebuchet MS" pitchFamily="34" charset="0"/>
-              <a:cs typeface="Levenim MT" pitchFamily="2" charset="-79"/>
-            </a:endParaRPr>
           </a:p>
         </p:txBody>
       </p:sp>
@@ -4507,8 +5031,8 @@
         </p:nvCxnSpPr>
         <p:spPr>
           <a:xfrm>
-            <a:off x="395536" y="692696"/>
-            <a:ext cx="8496944" cy="0"/>
+            <a:off x="395288" y="692150"/>
+            <a:ext cx="8497887" cy="0"/>
           </a:xfrm>
           <a:prstGeom prst="line">
             <a:avLst/>
@@ -4538,41 +5062,45 @@
       </p:cxnSp>
       <p:sp>
         <p:nvSpPr>
-          <p:cNvPr id="20" name="19 CuadroTexto"/>
-          <p:cNvSpPr txBox="1"/>
+          <p:cNvPr id="16390" name="19 CuadroTexto"/>
+          <p:cNvSpPr txBox="1">
+            <a:spLocks noChangeArrowheads="1"/>
+          </p:cNvSpPr>
           <p:nvPr/>
         </p:nvSpPr>
-        <p:spPr>
+        <p:spPr bwMode="auto">
           <a:xfrm>
-            <a:off x="373397" y="2204864"/>
-            <a:ext cx="8397205" cy="3416320"/>
+            <a:off x="373063" y="2205038"/>
+            <a:ext cx="8397875" cy="3416300"/>
           </a:xfrm>
           <a:prstGeom prst="rect">
             <a:avLst/>
           </a:prstGeom>
           <a:noFill/>
+          <a:ln w="9525">
+            <a:noFill/>
+            <a:miter lim="800000"/>
+            <a:headEnd/>
+            <a:tailEnd/>
+          </a:ln>
         </p:spPr>
         <p:txBody>
-          <a:bodyPr wrap="square" rtlCol="0">
+          <a:bodyPr>
             <a:spAutoFit/>
           </a:bodyPr>
           <a:lstStyle/>
           <a:p>
             <a:pPr algn="just"/>
             <a:r>
-              <a:rPr lang="es-AR" sz="3600" dirty="0" smtClean="0"/>
+              <a:rPr lang="es-AR" sz="3600">
+                <a:latin typeface="Calibri" pitchFamily="34" charset="0"/>
+              </a:rPr>
               <a:t>Somos una organización joven que nos proponemos ofrecer un método alternativo, superior y más eficiente a los servicios ya existentes de emergencias, que garantice prevenir y actuar rápidamente ante eventuales situaciones de inseguridad.</a:t>
             </a:r>
-            <a:endParaRPr lang="es-AR" sz="3600" dirty="0"/>
           </a:p>
         </p:txBody>
       </p:sp>
     </p:spTree>
-    <p:extLst>
-      <p:ext uri="{BB962C8B-B14F-4D97-AF65-F5344CB8AC3E}">
-        <p14:creationId xmlns:p14="http://schemas.microsoft.com/office/powerpoint/2010/main" xmlns="" val="2688607078"/>
-      </p:ext>
-    </p:extLst>
   </p:cSld>
   <p:clrMapOvr>
     <a:masterClrMapping/>
@@ -4606,62 +5134,34 @@
       </p:grpSpPr>
       <p:sp>
         <p:nvSpPr>
-          <p:cNvPr id="2" name="1 Título"/>
-          <p:cNvSpPr>
-            <a:spLocks noGrp="1"/>
-          </p:cNvSpPr>
-          <p:nvPr>
-            <p:ph type="ctrTitle"/>
+          <p:cNvPr id="3" name="2 Subtítulo"/>
+          <p:cNvSpPr>
+            <a:spLocks noGrp="1"/>
+          </p:cNvSpPr>
+          <p:nvPr>
+            <p:ph type="subTitle" idx="1"/>
           </p:nvPr>
         </p:nvSpPr>
         <p:spPr>
           <a:xfrm>
-            <a:off x="323528" y="260648"/>
-            <a:ext cx="2736304" cy="288032"/>
+            <a:off x="5148263" y="239713"/>
+            <a:ext cx="3960812" cy="381000"/>
           </a:xfrm>
         </p:spPr>
         <p:txBody>
-          <a:bodyPr>
-            <a:normAutofit fontScale="90000"/>
-          </a:bodyPr>
-          <a:lstStyle/>
-          <a:p>
-            <a:r>
-              <a:rPr lang="es-AR" sz="2000" dirty="0" smtClean="0">
-                <a:latin typeface="Aharoni" pitchFamily="2" charset="-79"/>
-                <a:cs typeface="Aharoni" pitchFamily="2" charset="-79"/>
-              </a:rPr>
-              <a:t>Seguridad para Todos</a:t>
-            </a:r>
-            <a:endParaRPr lang="es-AR" sz="2000" dirty="0">
-              <a:latin typeface="Aharoni" pitchFamily="2" charset="-79"/>
-              <a:cs typeface="Aharoni" pitchFamily="2" charset="-79"/>
-            </a:endParaRPr>
-          </a:p>
-        </p:txBody>
-      </p:sp>
-      <p:sp>
-        <p:nvSpPr>
-          <p:cNvPr id="3" name="2 Subtítulo"/>
-          <p:cNvSpPr>
-            <a:spLocks noGrp="1"/>
-          </p:cNvSpPr>
-          <p:nvPr>
-            <p:ph type="subTitle" idx="1"/>
-          </p:nvPr>
-        </p:nvSpPr>
-        <p:spPr>
-          <a:xfrm>
-            <a:off x="5148064" y="239876"/>
-            <a:ext cx="3960440" cy="380812"/>
-          </a:xfrm>
-        </p:spPr>
-        <p:txBody>
-          <a:bodyPr>
+          <a:bodyPr rtlCol="0">
             <a:normAutofit fontScale="47500" lnSpcReduction="20000"/>
           </a:bodyPr>
           <a:lstStyle/>
           <a:p>
+            <a:pPr fontAlgn="auto">
+              <a:spcAft>
+                <a:spcPts val="0"/>
+              </a:spcAft>
+              <a:buFont typeface="Arial" pitchFamily="34" charset="0"/>
+              <a:buNone/>
+              <a:defRPr/>
+            </a:pPr>
             <a:r>
               <a:rPr lang="es-AR" dirty="0" smtClean="0">
                 <a:solidFill>
@@ -4686,83 +5186,73 @@
       </p:sp>
       <p:pic>
         <p:nvPicPr>
-          <p:cNvPr id="6" name="Picture 5"/>
+          <p:cNvPr id="17411" name="Picture 5"/>
           <p:cNvPicPr>
             <a:picLocks noChangeAspect="1"/>
           </p:cNvPicPr>
           <p:nvPr/>
         </p:nvPicPr>
         <p:blipFill>
-          <a:blip r:embed="rId2" cstate="print">
-            <a:extLst>
-              <a:ext uri="{28A0092B-C50C-407E-A947-70E740481C1C}">
-                <a14:useLocalDpi xmlns:a14="http://schemas.microsoft.com/office/drawing/2010/main" xmlns="" val="0"/>
-              </a:ext>
-            </a:extLst>
-          </a:blip>
+          <a:blip r:embed="rId2"/>
+          <a:srcRect/>
           <a:stretch>
             <a:fillRect/>
           </a:stretch>
         </p:blipFill>
-        <p:spPr>
+        <p:spPr bwMode="auto">
           <a:xfrm>
-            <a:off x="3203848" y="260648"/>
-            <a:ext cx="468052" cy="277364"/>
+            <a:off x="4859338" y="260350"/>
+            <a:ext cx="468312" cy="277813"/>
           </a:xfrm>
           <a:prstGeom prst="rect">
             <a:avLst/>
           </a:prstGeom>
+          <a:noFill/>
+          <a:ln w="9525">
+            <a:noFill/>
+            <a:miter lim="800000"/>
+            <a:headEnd/>
+            <a:tailEnd/>
+          </a:ln>
         </p:spPr>
       </p:pic>
       <p:sp>
         <p:nvSpPr>
-          <p:cNvPr id="8" name="1 Título"/>
+          <p:cNvPr id="17412" name="1 Título"/>
           <p:cNvSpPr txBox="1">
             <a:spLocks/>
           </p:cNvSpPr>
           <p:nvPr/>
         </p:nvSpPr>
-        <p:spPr>
+        <p:spPr bwMode="auto">
           <a:xfrm>
-            <a:off x="1012807" y="836712"/>
-            <a:ext cx="7118386" cy="792088"/>
+            <a:off x="1012825" y="836613"/>
+            <a:ext cx="7118350" cy="792162"/>
           </a:xfrm>
           <a:prstGeom prst="rect">
             <a:avLst/>
           </a:prstGeom>
+          <a:noFill/>
+          <a:ln w="9525">
+            <a:noFill/>
+            <a:miter lim="800000"/>
+            <a:headEnd/>
+            <a:tailEnd/>
+          </a:ln>
         </p:spPr>
         <p:txBody>
-          <a:bodyPr vert="horz" lIns="91440" tIns="45720" rIns="91440" bIns="45720" rtlCol="0" anchor="ctr">
-            <a:noAutofit/>
-          </a:bodyPr>
-          <a:lstStyle>
-            <a:lvl1pPr algn="ctr" defTabSz="914400" rtl="0" eaLnBrk="1" latinLnBrk="0" hangingPunct="1">
-              <a:spcBef>
-                <a:spcPct val="0"/>
-              </a:spcBef>
-              <a:buNone/>
-              <a:defRPr sz="4400" kern="1200">
-                <a:solidFill>
-                  <a:schemeClr val="tx1"/>
-                </a:solidFill>
-                <a:latin typeface="+mj-lt"/>
-                <a:ea typeface="+mj-ea"/>
-                <a:cs typeface="+mj-cs"/>
-              </a:defRPr>
-            </a:lvl1pPr>
-          </a:lstStyle>
-          <a:p>
-            <a:r>
-              <a:rPr lang="es-AR" sz="4800" b="1" dirty="0" smtClean="0">
+          <a:bodyPr anchor="ctr"/>
+          <a:lstStyle/>
+          <a:p>
+            <a:pPr algn="ctr"/>
+            <a:r>
+              <a:rPr lang="es-AR" sz="4800" b="1">
                 <a:latin typeface="Trebuchet MS" pitchFamily="34" charset="0"/>
-                <a:cs typeface="Levenim MT" pitchFamily="2" charset="-79"/>
+                <a:ea typeface="Levenim MT"/>
+                <a:cs typeface="Levenim MT"/>
               </a:rPr>
               <a:t>Nuestros Objetivos</a:t>
             </a:r>
-            <a:endParaRPr lang="es-AR" sz="4800" b="1" dirty="0">
-              <a:latin typeface="Trebuchet MS" pitchFamily="34" charset="0"/>
-              <a:cs typeface="Levenim MT" pitchFamily="2" charset="-79"/>
-            </a:endParaRPr>
           </a:p>
         </p:txBody>
       </p:sp>
@@ -4774,8 +5264,8 @@
         </p:nvCxnSpPr>
         <p:spPr>
           <a:xfrm>
-            <a:off x="395536" y="692696"/>
-            <a:ext cx="8496944" cy="0"/>
+            <a:off x="395288" y="692150"/>
+            <a:ext cx="8497887" cy="0"/>
           </a:xfrm>
           <a:prstGeom prst="line">
             <a:avLst/>
@@ -4805,22 +5295,30 @@
       </p:cxnSp>
       <p:sp>
         <p:nvSpPr>
-          <p:cNvPr id="7" name="TextBox 6"/>
-          <p:cNvSpPr txBox="1"/>
+          <p:cNvPr id="17414" name="TextBox 6"/>
+          <p:cNvSpPr txBox="1">
+            <a:spLocks noChangeArrowheads="1"/>
+          </p:cNvSpPr>
           <p:nvPr/>
         </p:nvSpPr>
-        <p:spPr>
+        <p:spPr bwMode="auto">
           <a:xfrm>
-            <a:off x="395536" y="2276872"/>
-            <a:ext cx="8352928" cy="2862322"/>
+            <a:off x="395288" y="2276475"/>
+            <a:ext cx="8353425" cy="2862263"/>
           </a:xfrm>
           <a:prstGeom prst="rect">
             <a:avLst/>
           </a:prstGeom>
           <a:noFill/>
+          <a:ln w="9525">
+            <a:noFill/>
+            <a:miter lim="800000"/>
+            <a:headEnd/>
+            <a:tailEnd/>
+          </a:ln>
         </p:spPr>
         <p:txBody>
-          <a:bodyPr wrap="square" rtlCol="0">
+          <a:bodyPr>
             <a:spAutoFit/>
           </a:bodyPr>
           <a:lstStyle/>
@@ -4830,7 +5328,9 @@
               <a:buChar char="§"/>
             </a:pPr>
             <a:r>
-              <a:rPr lang="es-AR" sz="3600" dirty="0" smtClean="0"/>
+              <a:rPr lang="es-AR" sz="3600">
+                <a:latin typeface="Calibri" pitchFamily="34" charset="0"/>
+              </a:rPr>
               <a:t>Herramienta de localización rápida y efectiva.</a:t>
             </a:r>
           </a:p>
@@ -4840,7 +5340,9 @@
               <a:buChar char="§"/>
             </a:pPr>
             <a:r>
-              <a:rPr lang="es-AR" sz="3600" dirty="0" smtClean="0"/>
+              <a:rPr lang="es-AR" sz="3600">
+                <a:latin typeface="Calibri" pitchFamily="34" charset="0"/>
+              </a:rPr>
               <a:t>Sincronizada con agentes de seguridad.</a:t>
             </a:r>
           </a:p>
@@ -4850,24 +5352,10 @@
               <a:buChar char="§"/>
             </a:pPr>
             <a:r>
-              <a:rPr lang="es-AR" sz="3600" dirty="0" smtClean="0"/>
-              <a:t>Mejorar </a:t>
-            </a:r>
-            <a:r>
-              <a:rPr lang="es-AR" sz="3600" dirty="0"/>
-              <a:t>la </a:t>
-            </a:r>
-            <a:r>
-              <a:rPr lang="es-AR" sz="3600" dirty="0" smtClean="0"/>
-              <a:t>calidad </a:t>
-            </a:r>
-            <a:r>
-              <a:rPr lang="es-AR" sz="3600" dirty="0"/>
-              <a:t>de </a:t>
-            </a:r>
-            <a:r>
-              <a:rPr lang="es-AR" sz="3600" dirty="0" smtClean="0"/>
-              <a:t>vida.</a:t>
+              <a:rPr lang="es-AR" sz="3600">
+                <a:latin typeface="Calibri" pitchFamily="34" charset="0"/>
+              </a:rPr>
+              <a:t>Mejorar la calidad de vida.</a:t>
             </a:r>
           </a:p>
           <a:p>
@@ -4876,18 +5364,55 @@
               <a:buChar char="§"/>
             </a:pPr>
             <a:r>
-              <a:rPr lang="es-AR" sz="3600" dirty="0" smtClean="0"/>
+              <a:rPr lang="es-AR" sz="3600">
+                <a:latin typeface="Calibri" pitchFamily="34" charset="0"/>
+              </a:rPr>
               <a:t>Reducir la criminalidad.</a:t>
             </a:r>
           </a:p>
         </p:txBody>
       </p:sp>
+      <p:sp>
+        <p:nvSpPr>
+          <p:cNvPr id="2" name="1 Título"/>
+          <p:cNvSpPr>
+            <a:spLocks/>
+          </p:cNvSpPr>
+          <p:nvPr/>
+        </p:nvSpPr>
+        <p:spPr bwMode="auto">
+          <a:xfrm>
+            <a:off x="250825" y="260350"/>
+            <a:ext cx="4464050" cy="288925"/>
+          </a:xfrm>
+          <a:prstGeom prst="rect">
+            <a:avLst/>
+          </a:prstGeom>
+          <a:noFill/>
+          <a:ln w="9525">
+            <a:noFill/>
+            <a:miter lim="800000"/>
+            <a:headEnd/>
+            <a:tailEnd/>
+          </a:ln>
+        </p:spPr>
+        <p:txBody>
+          <a:bodyPr anchor="ctr"/>
+          <a:lstStyle/>
+          <a:p>
+            <a:pPr algn="ctr"/>
+            <a:r>
+              <a:rPr lang="es-AR">
+                <a:latin typeface="Aharoni"/>
+                <a:ea typeface="Aharoni"/>
+                <a:cs typeface="Aharoni"/>
+              </a:rPr>
+              <a:t>Seguridad para Todos: Panic Dial Button</a:t>
+            </a:r>
+          </a:p>
+        </p:txBody>
+      </p:sp>
     </p:spTree>
-    <p:extLst>
-      <p:ext uri="{BB962C8B-B14F-4D97-AF65-F5344CB8AC3E}">
-        <p14:creationId xmlns:p14="http://schemas.microsoft.com/office/powerpoint/2010/main" xmlns="" val="1212818162"/>
-      </p:ext>
-    </p:extLst>
   </p:cSld>
   <p:clrMapOvr>
     <a:masterClrMapping/>
@@ -4921,62 +5446,34 @@
       </p:grpSpPr>
       <p:sp>
         <p:nvSpPr>
-          <p:cNvPr id="2" name="1 Título"/>
-          <p:cNvSpPr>
-            <a:spLocks noGrp="1"/>
-          </p:cNvSpPr>
-          <p:nvPr>
-            <p:ph type="ctrTitle"/>
+          <p:cNvPr id="3" name="2 Subtítulo"/>
+          <p:cNvSpPr>
+            <a:spLocks noGrp="1"/>
+          </p:cNvSpPr>
+          <p:nvPr>
+            <p:ph type="subTitle" idx="1"/>
           </p:nvPr>
         </p:nvSpPr>
         <p:spPr>
           <a:xfrm>
-            <a:off x="323528" y="260648"/>
-            <a:ext cx="2736304" cy="288032"/>
+            <a:off x="5148263" y="239713"/>
+            <a:ext cx="3960812" cy="381000"/>
           </a:xfrm>
         </p:spPr>
         <p:txBody>
-          <a:bodyPr>
-            <a:normAutofit fontScale="90000"/>
-          </a:bodyPr>
-          <a:lstStyle/>
-          <a:p>
-            <a:r>
-              <a:rPr lang="es-AR" sz="2000" dirty="0" smtClean="0">
-                <a:latin typeface="Aharoni" pitchFamily="2" charset="-79"/>
-                <a:cs typeface="Aharoni" pitchFamily="2" charset="-79"/>
-              </a:rPr>
-              <a:t>Seguridad para Todos</a:t>
-            </a:r>
-            <a:endParaRPr lang="es-AR" sz="2000" dirty="0">
-              <a:latin typeface="Aharoni" pitchFamily="2" charset="-79"/>
-              <a:cs typeface="Aharoni" pitchFamily="2" charset="-79"/>
-            </a:endParaRPr>
-          </a:p>
-        </p:txBody>
-      </p:sp>
-      <p:sp>
-        <p:nvSpPr>
-          <p:cNvPr id="3" name="2 Subtítulo"/>
-          <p:cNvSpPr>
-            <a:spLocks noGrp="1"/>
-          </p:cNvSpPr>
-          <p:nvPr>
-            <p:ph type="subTitle" idx="1"/>
-          </p:nvPr>
-        </p:nvSpPr>
-        <p:spPr>
-          <a:xfrm>
-            <a:off x="5148064" y="239876"/>
-            <a:ext cx="3960440" cy="380812"/>
-          </a:xfrm>
-        </p:spPr>
-        <p:txBody>
-          <a:bodyPr>
+          <a:bodyPr rtlCol="0">
             <a:normAutofit fontScale="47500" lnSpcReduction="20000"/>
           </a:bodyPr>
           <a:lstStyle/>
           <a:p>
+            <a:pPr fontAlgn="auto">
+              <a:spcAft>
+                <a:spcPts val="0"/>
+              </a:spcAft>
+              <a:buFont typeface="Arial" pitchFamily="34" charset="0"/>
+              <a:buNone/>
+              <a:defRPr/>
+            </a:pPr>
             <a:r>
               <a:rPr lang="es-AR" dirty="0" smtClean="0">
                 <a:solidFill>
@@ -5001,83 +5498,73 @@
       </p:sp>
       <p:pic>
         <p:nvPicPr>
-          <p:cNvPr id="6" name="Picture 5"/>
+          <p:cNvPr id="18435" name="Picture 5"/>
           <p:cNvPicPr>
             <a:picLocks noChangeAspect="1"/>
           </p:cNvPicPr>
           <p:nvPr/>
         </p:nvPicPr>
         <p:blipFill>
-          <a:blip r:embed="rId2" cstate="print">
-            <a:extLst>
-              <a:ext uri="{28A0092B-C50C-407E-A947-70E740481C1C}">
-                <a14:useLocalDpi xmlns:a14="http://schemas.microsoft.com/office/drawing/2010/main" xmlns="" val="0"/>
-              </a:ext>
-            </a:extLst>
-          </a:blip>
+          <a:blip r:embed="rId2"/>
+          <a:srcRect/>
           <a:stretch>
             <a:fillRect/>
           </a:stretch>
         </p:blipFill>
-        <p:spPr>
+        <p:spPr bwMode="auto">
           <a:xfrm>
-            <a:off x="3203848" y="260648"/>
-            <a:ext cx="468052" cy="277364"/>
+            <a:off x="4859338" y="260350"/>
+            <a:ext cx="468312" cy="277813"/>
           </a:xfrm>
           <a:prstGeom prst="rect">
             <a:avLst/>
           </a:prstGeom>
+          <a:noFill/>
+          <a:ln w="9525">
+            <a:noFill/>
+            <a:miter lim="800000"/>
+            <a:headEnd/>
+            <a:tailEnd/>
+          </a:ln>
         </p:spPr>
       </p:pic>
       <p:sp>
         <p:nvSpPr>
-          <p:cNvPr id="8" name="1 Título"/>
+          <p:cNvPr id="18436" name="1 Título"/>
           <p:cNvSpPr txBox="1">
             <a:spLocks/>
           </p:cNvSpPr>
           <p:nvPr/>
         </p:nvSpPr>
-        <p:spPr>
+        <p:spPr bwMode="auto">
           <a:xfrm>
-            <a:off x="1012807" y="836712"/>
-            <a:ext cx="7118386" cy="792088"/>
+            <a:off x="1012825" y="836613"/>
+            <a:ext cx="7118350" cy="792162"/>
           </a:xfrm>
           <a:prstGeom prst="rect">
             <a:avLst/>
           </a:prstGeom>
+          <a:noFill/>
+          <a:ln w="9525">
+            <a:noFill/>
+            <a:miter lim="800000"/>
+            <a:headEnd/>
+            <a:tailEnd/>
+          </a:ln>
         </p:spPr>
         <p:txBody>
-          <a:bodyPr vert="horz" lIns="91440" tIns="45720" rIns="91440" bIns="45720" rtlCol="0" anchor="ctr">
-            <a:noAutofit/>
-          </a:bodyPr>
-          <a:lstStyle>
-            <a:lvl1pPr algn="ctr" defTabSz="914400" rtl="0" eaLnBrk="1" latinLnBrk="0" hangingPunct="1">
-              <a:spcBef>
-                <a:spcPct val="0"/>
-              </a:spcBef>
-              <a:buNone/>
-              <a:defRPr sz="4400" kern="1200">
-                <a:solidFill>
-                  <a:schemeClr val="tx1"/>
-                </a:solidFill>
-                <a:latin typeface="+mj-lt"/>
-                <a:ea typeface="+mj-ea"/>
-                <a:cs typeface="+mj-cs"/>
-              </a:defRPr>
-            </a:lvl1pPr>
-          </a:lstStyle>
-          <a:p>
-            <a:r>
-              <a:rPr lang="es-AR" sz="4800" b="1" dirty="0" smtClean="0">
+          <a:bodyPr anchor="ctr"/>
+          <a:lstStyle/>
+          <a:p>
+            <a:pPr algn="ctr"/>
+            <a:r>
+              <a:rPr lang="es-AR" sz="4800" b="1">
                 <a:latin typeface="Trebuchet MS" pitchFamily="34" charset="0"/>
-                <a:cs typeface="Levenim MT" pitchFamily="2" charset="-79"/>
+                <a:ea typeface="Levenim MT"/>
+                <a:cs typeface="Levenim MT"/>
               </a:rPr>
               <a:t>Tipos de Clientes</a:t>
             </a:r>
-            <a:endParaRPr lang="es-AR" sz="4800" b="1" dirty="0">
-              <a:latin typeface="Trebuchet MS" pitchFamily="34" charset="0"/>
-              <a:cs typeface="Levenim MT" pitchFamily="2" charset="-79"/>
-            </a:endParaRPr>
           </a:p>
         </p:txBody>
       </p:sp>
@@ -5089,8 +5576,8 @@
         </p:nvCxnSpPr>
         <p:spPr>
           <a:xfrm>
-            <a:off x="395536" y="692696"/>
-            <a:ext cx="8496944" cy="0"/>
+            <a:off x="395288" y="692150"/>
+            <a:ext cx="8497887" cy="0"/>
           </a:xfrm>
           <a:prstGeom prst="line">
             <a:avLst/>
@@ -5120,22 +5607,30 @@
       </p:cxnSp>
       <p:sp>
         <p:nvSpPr>
-          <p:cNvPr id="7" name="TextBox 6"/>
-          <p:cNvSpPr txBox="1"/>
+          <p:cNvPr id="18438" name="TextBox 6"/>
+          <p:cNvSpPr txBox="1">
+            <a:spLocks noChangeArrowheads="1"/>
+          </p:cNvSpPr>
           <p:nvPr/>
         </p:nvSpPr>
-        <p:spPr>
+        <p:spPr bwMode="auto">
           <a:xfrm>
-            <a:off x="395536" y="1772816"/>
-            <a:ext cx="8352928" cy="4524315"/>
+            <a:off x="395288" y="1773238"/>
+            <a:ext cx="8353425" cy="4524375"/>
           </a:xfrm>
           <a:prstGeom prst="rect">
             <a:avLst/>
           </a:prstGeom>
           <a:noFill/>
+          <a:ln w="9525">
+            <a:noFill/>
+            <a:miter lim="800000"/>
+            <a:headEnd/>
+            <a:tailEnd/>
+          </a:ln>
         </p:spPr>
         <p:txBody>
-          <a:bodyPr wrap="square" rtlCol="0">
+          <a:bodyPr>
             <a:spAutoFit/>
           </a:bodyPr>
           <a:lstStyle/>
@@ -5145,7 +5640,9 @@
               <a:buChar char="§"/>
             </a:pPr>
             <a:r>
-              <a:rPr lang="es-AR" sz="3600" dirty="0" smtClean="0"/>
+              <a:rPr lang="es-AR" sz="3600">
+                <a:latin typeface="Calibri" pitchFamily="34" charset="0"/>
+              </a:rPr>
               <a:t>Acceso masivo: Ciudadano</a:t>
             </a:r>
           </a:p>
@@ -5155,7 +5652,9 @@
               <a:buChar char="§"/>
             </a:pPr>
             <a:r>
-              <a:rPr lang="es-AR" sz="3600" dirty="0" smtClean="0"/>
+              <a:rPr lang="es-AR" sz="3600">
+                <a:latin typeface="Calibri" pitchFamily="34" charset="0"/>
+              </a:rPr>
               <a:t>Gratuito.</a:t>
             </a:r>
           </a:p>
@@ -5165,12 +5664,10 @@
               <a:buChar char="§"/>
             </a:pPr>
             <a:r>
-              <a:rPr lang="es-AR" sz="3600" dirty="0"/>
-              <a:t>Fácil </a:t>
-            </a:r>
-            <a:r>
-              <a:rPr lang="es-AR" sz="3600" dirty="0" smtClean="0"/>
-              <a:t>acceso.</a:t>
+              <a:rPr lang="es-AR" sz="3600">
+                <a:latin typeface="Calibri" pitchFamily="34" charset="0"/>
+              </a:rPr>
+              <a:t>Fácil acceso.</a:t>
             </a:r>
           </a:p>
           <a:p>
@@ -5179,12 +5676,10 @@
               <a:buChar char="§"/>
             </a:pPr>
             <a:r>
-              <a:rPr lang="es-AR" sz="3600" dirty="0"/>
-              <a:t>Planes según necesidades</a:t>
-            </a:r>
-            <a:r>
-              <a:rPr lang="es-AR" sz="3600" dirty="0" smtClean="0"/>
-              <a:t>: Empresarial o Familiar</a:t>
+              <a:rPr lang="es-AR" sz="3600">
+                <a:latin typeface="Calibri" pitchFamily="34" charset="0"/>
+              </a:rPr>
+              <a:t>Planes según necesidades: Empresarial o Familiar</a:t>
             </a:r>
           </a:p>
           <a:p>
@@ -5193,12 +5688,10 @@
               <a:buChar char="§"/>
             </a:pPr>
             <a:r>
-              <a:rPr lang="es-AR" sz="3600" dirty="0"/>
-              <a:t>Monitoreo </a:t>
-            </a:r>
-            <a:r>
-              <a:rPr lang="es-AR" sz="3600" dirty="0" smtClean="0"/>
-              <a:t>periódico.</a:t>
+              <a:rPr lang="es-AR" sz="3600">
+                <a:latin typeface="Calibri" pitchFamily="34" charset="0"/>
+              </a:rPr>
+              <a:t>Monitoreo periódico.</a:t>
             </a:r>
           </a:p>
           <a:p>
@@ -5207,12 +5700,10 @@
               <a:buChar char="§"/>
             </a:pPr>
             <a:r>
-              <a:rPr lang="es-AR" sz="3600" dirty="0"/>
-              <a:t>Alarmas de </a:t>
-            </a:r>
-            <a:r>
-              <a:rPr lang="es-AR" sz="3600" dirty="0" smtClean="0"/>
-              <a:t>zona peligrosa.</a:t>
+              <a:rPr lang="es-AR" sz="3600">
+                <a:latin typeface="Calibri" pitchFamily="34" charset="0"/>
+              </a:rPr>
+              <a:t>Alarmas de zona peligrosa.</a:t>
             </a:r>
           </a:p>
           <a:p>
@@ -5221,27 +5712,55 @@
               <a:buChar char="§"/>
             </a:pPr>
             <a:r>
-              <a:rPr lang="es-AR" sz="3600" dirty="0"/>
-              <a:t>Esquema de </a:t>
-            </a:r>
-            <a:r>
-              <a:rPr lang="es-AR" sz="3600" dirty="0" err="1" smtClean="0"/>
-              <a:t>check-points</a:t>
-            </a:r>
-            <a:r>
-              <a:rPr lang="es-AR" sz="3600" dirty="0" smtClean="0"/>
-              <a:t>.</a:t>
-            </a:r>
-            <a:endParaRPr lang="es-AR" sz="3600" dirty="0"/>
+              <a:rPr lang="es-AR" sz="3600">
+                <a:latin typeface="Calibri" pitchFamily="34" charset="0"/>
+              </a:rPr>
+              <a:t>Esquema de check-points.</a:t>
+            </a:r>
+          </a:p>
+        </p:txBody>
+      </p:sp>
+      <p:sp>
+        <p:nvSpPr>
+          <p:cNvPr id="2" name="1 Título"/>
+          <p:cNvSpPr>
+            <a:spLocks/>
+          </p:cNvSpPr>
+          <p:nvPr/>
+        </p:nvSpPr>
+        <p:spPr bwMode="auto">
+          <a:xfrm>
+            <a:off x="250825" y="260350"/>
+            <a:ext cx="4464050" cy="288925"/>
+          </a:xfrm>
+          <a:prstGeom prst="rect">
+            <a:avLst/>
+          </a:prstGeom>
+          <a:noFill/>
+          <a:ln w="9525">
+            <a:noFill/>
+            <a:miter lim="800000"/>
+            <a:headEnd/>
+            <a:tailEnd/>
+          </a:ln>
+        </p:spPr>
+        <p:txBody>
+          <a:bodyPr anchor="ctr"/>
+          <a:lstStyle/>
+          <a:p>
+            <a:pPr algn="ctr"/>
+            <a:r>
+              <a:rPr lang="es-AR">
+                <a:latin typeface="Aharoni"/>
+                <a:ea typeface="Aharoni"/>
+                <a:cs typeface="Aharoni"/>
+              </a:rPr>
+              <a:t>Seguridad para Todos: Panic Dial Button</a:t>
+            </a:r>
           </a:p>
         </p:txBody>
       </p:sp>
     </p:spTree>
-    <p:extLst>
-      <p:ext uri="{BB962C8B-B14F-4D97-AF65-F5344CB8AC3E}">
-        <p14:creationId xmlns:p14="http://schemas.microsoft.com/office/powerpoint/2010/main" xmlns="" val="72379645"/>
-      </p:ext>
-    </p:extLst>
   </p:cSld>
   <p:clrMapOvr>
     <a:masterClrMapping/>
@@ -5275,62 +5794,34 @@
       </p:grpSpPr>
       <p:sp>
         <p:nvSpPr>
-          <p:cNvPr id="2" name="1 Título"/>
-          <p:cNvSpPr>
-            <a:spLocks noGrp="1"/>
-          </p:cNvSpPr>
-          <p:nvPr>
-            <p:ph type="ctrTitle"/>
+          <p:cNvPr id="3" name="2 Subtítulo"/>
+          <p:cNvSpPr>
+            <a:spLocks noGrp="1"/>
+          </p:cNvSpPr>
+          <p:nvPr>
+            <p:ph type="subTitle" idx="1"/>
           </p:nvPr>
         </p:nvSpPr>
         <p:spPr>
           <a:xfrm>
-            <a:off x="323528" y="260648"/>
-            <a:ext cx="2736304" cy="288032"/>
+            <a:off x="5148263" y="239713"/>
+            <a:ext cx="3960812" cy="381000"/>
           </a:xfrm>
         </p:spPr>
         <p:txBody>
-          <a:bodyPr>
-            <a:normAutofit fontScale="90000"/>
-          </a:bodyPr>
-          <a:lstStyle/>
-          <a:p>
-            <a:r>
-              <a:rPr lang="es-AR" sz="2000" dirty="0" smtClean="0">
-                <a:latin typeface="Aharoni" pitchFamily="2" charset="-79"/>
-                <a:cs typeface="Aharoni" pitchFamily="2" charset="-79"/>
-              </a:rPr>
-              <a:t>Seguridad para Todos</a:t>
-            </a:r>
-            <a:endParaRPr lang="es-AR" sz="2000" dirty="0">
-              <a:latin typeface="Aharoni" pitchFamily="2" charset="-79"/>
-              <a:cs typeface="Aharoni" pitchFamily="2" charset="-79"/>
-            </a:endParaRPr>
-          </a:p>
-        </p:txBody>
-      </p:sp>
-      <p:sp>
-        <p:nvSpPr>
-          <p:cNvPr id="3" name="2 Subtítulo"/>
-          <p:cNvSpPr>
-            <a:spLocks noGrp="1"/>
-          </p:cNvSpPr>
-          <p:nvPr>
-            <p:ph type="subTitle" idx="1"/>
-          </p:nvPr>
-        </p:nvSpPr>
-        <p:spPr>
-          <a:xfrm>
-            <a:off x="5148064" y="239876"/>
-            <a:ext cx="3960440" cy="380812"/>
-          </a:xfrm>
-        </p:spPr>
-        <p:txBody>
-          <a:bodyPr>
+          <a:bodyPr rtlCol="0">
             <a:normAutofit fontScale="47500" lnSpcReduction="20000"/>
           </a:bodyPr>
           <a:lstStyle/>
           <a:p>
+            <a:pPr fontAlgn="auto">
+              <a:spcAft>
+                <a:spcPts val="0"/>
+              </a:spcAft>
+              <a:buFont typeface="Arial" pitchFamily="34" charset="0"/>
+              <a:buNone/>
+              <a:defRPr/>
+            </a:pPr>
             <a:r>
               <a:rPr lang="es-AR" dirty="0" smtClean="0">
                 <a:solidFill>
@@ -5355,83 +5846,73 @@
       </p:sp>
       <p:pic>
         <p:nvPicPr>
-          <p:cNvPr id="6" name="Picture 5"/>
+          <p:cNvPr id="19459" name="Picture 5"/>
           <p:cNvPicPr>
             <a:picLocks noChangeAspect="1"/>
           </p:cNvPicPr>
           <p:nvPr/>
         </p:nvPicPr>
         <p:blipFill>
-          <a:blip r:embed="rId2" cstate="print">
-            <a:extLst>
-              <a:ext uri="{28A0092B-C50C-407E-A947-70E740481C1C}">
-                <a14:useLocalDpi xmlns:a14="http://schemas.microsoft.com/office/drawing/2010/main" xmlns="" val="0"/>
-              </a:ext>
-            </a:extLst>
-          </a:blip>
+          <a:blip r:embed="rId2"/>
+          <a:srcRect/>
           <a:stretch>
             <a:fillRect/>
           </a:stretch>
         </p:blipFill>
-        <p:spPr>
+        <p:spPr bwMode="auto">
           <a:xfrm>
-            <a:off x="3203848" y="260648"/>
-            <a:ext cx="468052" cy="277364"/>
+            <a:off x="4859338" y="260350"/>
+            <a:ext cx="468312" cy="277813"/>
           </a:xfrm>
           <a:prstGeom prst="rect">
             <a:avLst/>
           </a:prstGeom>
+          <a:noFill/>
+          <a:ln w="9525">
+            <a:noFill/>
+            <a:miter lim="800000"/>
+            <a:headEnd/>
+            <a:tailEnd/>
+          </a:ln>
         </p:spPr>
       </p:pic>
       <p:sp>
         <p:nvSpPr>
-          <p:cNvPr id="8" name="1 Título"/>
+          <p:cNvPr id="19460" name="1 Título"/>
           <p:cNvSpPr txBox="1">
             <a:spLocks/>
           </p:cNvSpPr>
           <p:nvPr/>
         </p:nvSpPr>
-        <p:spPr>
+        <p:spPr bwMode="auto">
           <a:xfrm>
-            <a:off x="1012807" y="836712"/>
-            <a:ext cx="7118386" cy="792088"/>
+            <a:off x="1012825" y="836613"/>
+            <a:ext cx="7118350" cy="792162"/>
           </a:xfrm>
           <a:prstGeom prst="rect">
             <a:avLst/>
           </a:prstGeom>
+          <a:noFill/>
+          <a:ln w="9525">
+            <a:noFill/>
+            <a:miter lim="800000"/>
+            <a:headEnd/>
+            <a:tailEnd/>
+          </a:ln>
         </p:spPr>
         <p:txBody>
-          <a:bodyPr vert="horz" lIns="91440" tIns="45720" rIns="91440" bIns="45720" rtlCol="0" anchor="ctr">
-            <a:noAutofit/>
-          </a:bodyPr>
-          <a:lstStyle>
-            <a:lvl1pPr algn="ctr" defTabSz="914400" rtl="0" eaLnBrk="1" latinLnBrk="0" hangingPunct="1">
-              <a:spcBef>
-                <a:spcPct val="0"/>
-              </a:spcBef>
-              <a:buNone/>
-              <a:defRPr sz="4400" kern="1200">
-                <a:solidFill>
-                  <a:schemeClr val="tx1"/>
-                </a:solidFill>
-                <a:latin typeface="+mj-lt"/>
-                <a:ea typeface="+mj-ea"/>
-                <a:cs typeface="+mj-cs"/>
-              </a:defRPr>
-            </a:lvl1pPr>
-          </a:lstStyle>
-          <a:p>
-            <a:r>
-              <a:rPr lang="es-AR" sz="4800" b="1" dirty="0" smtClean="0">
+          <a:bodyPr anchor="ctr"/>
+          <a:lstStyle/>
+          <a:p>
+            <a:pPr algn="ctr"/>
+            <a:r>
+              <a:rPr lang="es-AR" sz="4800" b="1">
                 <a:latin typeface="Trebuchet MS" pitchFamily="34" charset="0"/>
-                <a:cs typeface="Levenim MT" pitchFamily="2" charset="-79"/>
+                <a:ea typeface="Levenim MT"/>
+                <a:cs typeface="Levenim MT"/>
               </a:rPr>
-              <a:t>Presupuesto</a:t>
-            </a:r>
-            <a:endParaRPr lang="es-AR" sz="4800" b="1" dirty="0">
-              <a:latin typeface="Trebuchet MS" pitchFamily="34" charset="0"/>
-              <a:cs typeface="Levenim MT" pitchFamily="2" charset="-79"/>
-            </a:endParaRPr>
+              <a:t>Flujo de caja estimado</a:t>
+            </a:r>
           </a:p>
         </p:txBody>
       </p:sp>
@@ -5443,8 +5924,8 @@
         </p:nvCxnSpPr>
         <p:spPr>
           <a:xfrm>
-            <a:off x="395536" y="692696"/>
-            <a:ext cx="8496944" cy="0"/>
+            <a:off x="395288" y="692150"/>
+            <a:ext cx="8497887" cy="0"/>
           </a:xfrm>
           <a:prstGeom prst="line">
             <a:avLst/>
@@ -5490,12 +5971,47 @@
           </a:graphicData>
         </a:graphic>
       </p:graphicFrame>
+      <p:sp>
+        <p:nvSpPr>
+          <p:cNvPr id="2" name="1 Título"/>
+          <p:cNvSpPr>
+            <a:spLocks/>
+          </p:cNvSpPr>
+          <p:nvPr/>
+        </p:nvSpPr>
+        <p:spPr bwMode="auto">
+          <a:xfrm>
+            <a:off x="250825" y="260350"/>
+            <a:ext cx="4464050" cy="288925"/>
+          </a:xfrm>
+          <a:prstGeom prst="rect">
+            <a:avLst/>
+          </a:prstGeom>
+          <a:noFill/>
+          <a:ln w="9525">
+            <a:noFill/>
+            <a:miter lim="800000"/>
+            <a:headEnd/>
+            <a:tailEnd/>
+          </a:ln>
+        </p:spPr>
+        <p:txBody>
+          <a:bodyPr anchor="ctr"/>
+          <a:lstStyle/>
+          <a:p>
+            <a:pPr algn="ctr"/>
+            <a:r>
+              <a:rPr lang="es-AR">
+                <a:latin typeface="Aharoni"/>
+                <a:ea typeface="Aharoni"/>
+                <a:cs typeface="Aharoni"/>
+              </a:rPr>
+              <a:t>Seguridad para Todos: Panic Dial Button</a:t>
+            </a:r>
+          </a:p>
+        </p:txBody>
+      </p:sp>
     </p:spTree>
-    <p:extLst>
-      <p:ext uri="{BB962C8B-B14F-4D97-AF65-F5344CB8AC3E}">
-        <p14:creationId xmlns:p14="http://schemas.microsoft.com/office/powerpoint/2010/main" xmlns="" val="3410899011"/>
-      </p:ext>
-    </p:extLst>
   </p:cSld>
   <p:clrMapOvr>
     <a:masterClrMapping/>
@@ -5529,62 +6045,34 @@
       </p:grpSpPr>
       <p:sp>
         <p:nvSpPr>
-          <p:cNvPr id="2" name="1 Título"/>
-          <p:cNvSpPr>
-            <a:spLocks noGrp="1"/>
-          </p:cNvSpPr>
-          <p:nvPr>
-            <p:ph type="ctrTitle"/>
+          <p:cNvPr id="3" name="2 Subtítulo"/>
+          <p:cNvSpPr>
+            <a:spLocks noGrp="1"/>
+          </p:cNvSpPr>
+          <p:nvPr>
+            <p:ph type="subTitle" idx="1"/>
           </p:nvPr>
         </p:nvSpPr>
         <p:spPr>
           <a:xfrm>
-            <a:off x="323528" y="260648"/>
-            <a:ext cx="2736304" cy="288032"/>
+            <a:off x="5148263" y="239713"/>
+            <a:ext cx="3960812" cy="381000"/>
           </a:xfrm>
         </p:spPr>
         <p:txBody>
-          <a:bodyPr>
-            <a:normAutofit fontScale="90000"/>
-          </a:bodyPr>
-          <a:lstStyle/>
-          <a:p>
-            <a:r>
-              <a:rPr lang="es-AR" sz="2000" dirty="0" smtClean="0">
-                <a:latin typeface="Aharoni" pitchFamily="2" charset="-79"/>
-                <a:cs typeface="Aharoni" pitchFamily="2" charset="-79"/>
-              </a:rPr>
-              <a:t>Seguridad para Todos</a:t>
-            </a:r>
-            <a:endParaRPr lang="es-AR" sz="2000" dirty="0">
-              <a:latin typeface="Aharoni" pitchFamily="2" charset="-79"/>
-              <a:cs typeface="Aharoni" pitchFamily="2" charset="-79"/>
-            </a:endParaRPr>
-          </a:p>
-        </p:txBody>
-      </p:sp>
-      <p:sp>
-        <p:nvSpPr>
-          <p:cNvPr id="3" name="2 Subtítulo"/>
-          <p:cNvSpPr>
-            <a:spLocks noGrp="1"/>
-          </p:cNvSpPr>
-          <p:nvPr>
-            <p:ph type="subTitle" idx="1"/>
-          </p:nvPr>
-        </p:nvSpPr>
-        <p:spPr>
-          <a:xfrm>
-            <a:off x="5148064" y="239876"/>
-            <a:ext cx="3960440" cy="380812"/>
-          </a:xfrm>
-        </p:spPr>
-        <p:txBody>
-          <a:bodyPr>
+          <a:bodyPr rtlCol="0">
             <a:normAutofit fontScale="47500" lnSpcReduction="20000"/>
           </a:bodyPr>
           <a:lstStyle/>
           <a:p>
+            <a:pPr fontAlgn="auto">
+              <a:spcAft>
+                <a:spcPts val="0"/>
+              </a:spcAft>
+              <a:buFont typeface="Arial" pitchFamily="34" charset="0"/>
+              <a:buNone/>
+              <a:defRPr/>
+            </a:pPr>
             <a:r>
               <a:rPr lang="es-AR" dirty="0" smtClean="0">
                 <a:solidFill>
@@ -5609,83 +6097,73 @@
       </p:sp>
       <p:pic>
         <p:nvPicPr>
-          <p:cNvPr id="6" name="Picture 5"/>
+          <p:cNvPr id="20483" name="Picture 5"/>
           <p:cNvPicPr>
             <a:picLocks noChangeAspect="1"/>
           </p:cNvPicPr>
           <p:nvPr/>
         </p:nvPicPr>
         <p:blipFill>
-          <a:blip r:embed="rId2" cstate="print">
-            <a:extLst>
-              <a:ext uri="{28A0092B-C50C-407E-A947-70E740481C1C}">
-                <a14:useLocalDpi xmlns:a14="http://schemas.microsoft.com/office/drawing/2010/main" xmlns="" val="0"/>
-              </a:ext>
-            </a:extLst>
-          </a:blip>
+          <a:blip r:embed="rId2"/>
+          <a:srcRect/>
           <a:stretch>
             <a:fillRect/>
           </a:stretch>
         </p:blipFill>
-        <p:spPr>
+        <p:spPr bwMode="auto">
           <a:xfrm>
-            <a:off x="3203848" y="260648"/>
-            <a:ext cx="468052" cy="277364"/>
+            <a:off x="4859338" y="260350"/>
+            <a:ext cx="468312" cy="277813"/>
           </a:xfrm>
           <a:prstGeom prst="rect">
             <a:avLst/>
           </a:prstGeom>
+          <a:noFill/>
+          <a:ln w="9525">
+            <a:noFill/>
+            <a:miter lim="800000"/>
+            <a:headEnd/>
+            <a:tailEnd/>
+          </a:ln>
         </p:spPr>
       </p:pic>
       <p:sp>
         <p:nvSpPr>
-          <p:cNvPr id="8" name="1 Título"/>
+          <p:cNvPr id="20484" name="1 Título"/>
           <p:cNvSpPr txBox="1">
             <a:spLocks/>
           </p:cNvSpPr>
           <p:nvPr/>
         </p:nvSpPr>
-        <p:spPr>
+        <p:spPr bwMode="auto">
           <a:xfrm>
-            <a:off x="2164935" y="836712"/>
-            <a:ext cx="4814130" cy="792088"/>
+            <a:off x="2165350" y="836613"/>
+            <a:ext cx="4813300" cy="792162"/>
           </a:xfrm>
           <a:prstGeom prst="rect">
             <a:avLst/>
           </a:prstGeom>
+          <a:noFill/>
+          <a:ln w="9525">
+            <a:noFill/>
+            <a:miter lim="800000"/>
+            <a:headEnd/>
+            <a:tailEnd/>
+          </a:ln>
         </p:spPr>
         <p:txBody>
-          <a:bodyPr vert="horz" lIns="91440" tIns="45720" rIns="91440" bIns="45720" rtlCol="0" anchor="ctr">
-            <a:noAutofit/>
-          </a:bodyPr>
-          <a:lstStyle>
-            <a:lvl1pPr algn="ctr" defTabSz="914400" rtl="0" eaLnBrk="1" latinLnBrk="0" hangingPunct="1">
-              <a:spcBef>
-                <a:spcPct val="0"/>
-              </a:spcBef>
-              <a:buNone/>
-              <a:defRPr sz="4400" kern="1200">
-                <a:solidFill>
-                  <a:schemeClr val="tx1"/>
-                </a:solidFill>
-                <a:latin typeface="+mj-lt"/>
-                <a:ea typeface="+mj-ea"/>
-                <a:cs typeface="+mj-cs"/>
-              </a:defRPr>
-            </a:lvl1pPr>
-          </a:lstStyle>
-          <a:p>
-            <a:r>
-              <a:rPr lang="es-AR" sz="4800" b="1" dirty="0" smtClean="0">
+          <a:bodyPr anchor="ctr"/>
+          <a:lstStyle/>
+          <a:p>
+            <a:pPr algn="ctr"/>
+            <a:r>
+              <a:rPr lang="es-AR" sz="4800" b="1">
                 <a:latin typeface="Trebuchet MS" pitchFamily="34" charset="0"/>
-                <a:cs typeface="Levenim MT" pitchFamily="2" charset="-79"/>
+                <a:ea typeface="Levenim MT"/>
+                <a:cs typeface="Levenim MT"/>
               </a:rPr>
               <a:t>Aplicaciones</a:t>
             </a:r>
-            <a:endParaRPr lang="es-AR" sz="4800" b="1" dirty="0">
-              <a:latin typeface="Trebuchet MS" pitchFamily="34" charset="0"/>
-              <a:cs typeface="Levenim MT" pitchFamily="2" charset="-79"/>
-            </a:endParaRPr>
           </a:p>
         </p:txBody>
       </p:sp>
@@ -5697,8 +6175,8 @@
         </p:nvCxnSpPr>
         <p:spPr>
           <a:xfrm>
-            <a:off x="395536" y="692696"/>
-            <a:ext cx="8496944" cy="0"/>
+            <a:off x="395288" y="692150"/>
+            <a:ext cx="8497887" cy="0"/>
           </a:xfrm>
           <a:prstGeom prst="line">
             <a:avLst/>
@@ -5728,22 +6206,30 @@
       </p:cxnSp>
       <p:sp>
         <p:nvSpPr>
-          <p:cNvPr id="7" name="TextBox 6"/>
-          <p:cNvSpPr txBox="1"/>
+          <p:cNvPr id="20486" name="TextBox 6"/>
+          <p:cNvSpPr txBox="1">
+            <a:spLocks noChangeArrowheads="1"/>
+          </p:cNvSpPr>
           <p:nvPr/>
         </p:nvSpPr>
-        <p:spPr>
+        <p:spPr bwMode="auto">
           <a:xfrm>
-            <a:off x="467544" y="1772816"/>
-            <a:ext cx="8352928" cy="3970318"/>
+            <a:off x="468313" y="1773238"/>
+            <a:ext cx="8351837" cy="3970337"/>
           </a:xfrm>
           <a:prstGeom prst="rect">
             <a:avLst/>
           </a:prstGeom>
           <a:noFill/>
+          <a:ln w="9525">
+            <a:noFill/>
+            <a:miter lim="800000"/>
+            <a:headEnd/>
+            <a:tailEnd/>
+          </a:ln>
         </p:spPr>
         <p:txBody>
-          <a:bodyPr wrap="square" rtlCol="0">
+          <a:bodyPr>
             <a:spAutoFit/>
           </a:bodyPr>
           <a:lstStyle/>
@@ -5753,12 +6239,10 @@
               <a:buChar char="§"/>
             </a:pPr>
             <a:r>
-              <a:rPr lang="es-AR" sz="3600" dirty="0"/>
-              <a:t>Dispositivos </a:t>
-            </a:r>
-            <a:r>
-              <a:rPr lang="es-AR" sz="3600" dirty="0" smtClean="0"/>
-              <a:t>Móviles:</a:t>
+              <a:rPr lang="es-AR" sz="3600">
+                <a:latin typeface="Calibri" pitchFamily="34" charset="0"/>
+              </a:rPr>
+              <a:t>Dispositivos Móviles:</a:t>
             </a:r>
           </a:p>
           <a:p>
@@ -5767,10 +6251,11 @@
               <a:buChar char="§"/>
             </a:pPr>
             <a:r>
-              <a:rPr lang="es-AR" sz="3600" dirty="0" err="1" smtClean="0"/>
+              <a:rPr lang="es-AR" sz="3600">
+                <a:latin typeface="Calibri" pitchFamily="34" charset="0"/>
+              </a:rPr>
               <a:t>Android</a:t>
             </a:r>
-            <a:endParaRPr lang="es-AR" sz="3600" dirty="0" smtClean="0"/>
           </a:p>
           <a:p>
             <a:pPr marL="1028700" lvl="1" indent="-571500">
@@ -5778,7 +6263,9 @@
               <a:buChar char="§"/>
             </a:pPr>
             <a:r>
-              <a:rPr lang="es-AR" sz="3600" dirty="0" smtClean="0"/>
+              <a:rPr lang="es-AR" sz="3600">
+                <a:latin typeface="Calibri" pitchFamily="34" charset="0"/>
+              </a:rPr>
               <a:t>iPhone</a:t>
             </a:r>
           </a:p>
@@ -5788,10 +6275,11 @@
               <a:buChar char="§"/>
             </a:pPr>
             <a:r>
-              <a:rPr lang="es-AR" sz="3600" dirty="0" err="1" smtClean="0"/>
+              <a:rPr lang="es-AR" sz="3600">
+                <a:latin typeface="Calibri" pitchFamily="34" charset="0"/>
+              </a:rPr>
               <a:t>BlackBerry</a:t>
             </a:r>
-            <a:endParaRPr lang="es-AR" sz="3600" dirty="0" smtClean="0"/>
           </a:p>
           <a:p>
             <a:pPr marL="571500" indent="-571500">
@@ -5799,7 +6287,9 @@
               <a:buChar char="§"/>
             </a:pPr>
             <a:r>
-              <a:rPr lang="es-AR" sz="3600" dirty="0" smtClean="0"/>
+              <a:rPr lang="es-AR" sz="3600">
+                <a:latin typeface="Calibri" pitchFamily="34" charset="0"/>
+              </a:rPr>
               <a:t>Sitio Web:</a:t>
             </a:r>
           </a:p>
@@ -5809,7 +6299,9 @@
               <a:buChar char="§"/>
             </a:pPr>
             <a:r>
-              <a:rPr lang="es-AR" sz="3600" dirty="0" smtClean="0"/>
+              <a:rPr lang="es-AR" sz="3600">
+                <a:latin typeface="Calibri" pitchFamily="34" charset="0"/>
+              </a:rPr>
               <a:t>Terminal para Centrales de Seguridad.</a:t>
             </a:r>
           </a:p>
@@ -5819,19 +6311,55 @@
               <a:buChar char="§"/>
             </a:pPr>
             <a:r>
-              <a:rPr lang="es-AR" sz="3600" dirty="0" smtClean="0"/>
+              <a:rPr lang="es-AR" sz="3600">
+                <a:latin typeface="Calibri" pitchFamily="34" charset="0"/>
+              </a:rPr>
               <a:t>Información y Servicio al Cliente.</a:t>
             </a:r>
-            <a:endParaRPr lang="es-AR" sz="3600" dirty="0"/>
+          </a:p>
+        </p:txBody>
+      </p:sp>
+      <p:sp>
+        <p:nvSpPr>
+          <p:cNvPr id="2" name="1 Título"/>
+          <p:cNvSpPr>
+            <a:spLocks/>
+          </p:cNvSpPr>
+          <p:nvPr/>
+        </p:nvSpPr>
+        <p:spPr bwMode="auto">
+          <a:xfrm>
+            <a:off x="250825" y="260350"/>
+            <a:ext cx="4464050" cy="288925"/>
+          </a:xfrm>
+          <a:prstGeom prst="rect">
+            <a:avLst/>
+          </a:prstGeom>
+          <a:noFill/>
+          <a:ln w="9525">
+            <a:noFill/>
+            <a:miter lim="800000"/>
+            <a:headEnd/>
+            <a:tailEnd/>
+          </a:ln>
+        </p:spPr>
+        <p:txBody>
+          <a:bodyPr anchor="ctr"/>
+          <a:lstStyle/>
+          <a:p>
+            <a:pPr algn="ctr"/>
+            <a:r>
+              <a:rPr lang="es-AR">
+                <a:latin typeface="Aharoni"/>
+                <a:ea typeface="Aharoni"/>
+                <a:cs typeface="Aharoni"/>
+              </a:rPr>
+              <a:t>Seguridad para Todos: Panic Dial Button</a:t>
+            </a:r>
           </a:p>
         </p:txBody>
       </p:sp>
     </p:spTree>
-    <p:extLst>
-      <p:ext uri="{BB962C8B-B14F-4D97-AF65-F5344CB8AC3E}">
-        <p14:creationId xmlns:p14="http://schemas.microsoft.com/office/powerpoint/2010/main" xmlns="" val="2296755584"/>
-      </p:ext>
-    </p:extLst>
   </p:cSld>
   <p:clrMapOvr>
     <a:masterClrMapping/>
@@ -5865,62 +6393,34 @@
       </p:grpSpPr>
       <p:sp>
         <p:nvSpPr>
-          <p:cNvPr id="2" name="1 Título"/>
-          <p:cNvSpPr>
-            <a:spLocks noGrp="1"/>
-          </p:cNvSpPr>
-          <p:nvPr>
-            <p:ph type="ctrTitle"/>
+          <p:cNvPr id="3" name="2 Subtítulo"/>
+          <p:cNvSpPr>
+            <a:spLocks noGrp="1"/>
+          </p:cNvSpPr>
+          <p:nvPr>
+            <p:ph type="subTitle" idx="1"/>
           </p:nvPr>
         </p:nvSpPr>
         <p:spPr>
           <a:xfrm>
-            <a:off x="323528" y="260648"/>
-            <a:ext cx="2736304" cy="288032"/>
+            <a:off x="5148263" y="239713"/>
+            <a:ext cx="3960812" cy="381000"/>
           </a:xfrm>
         </p:spPr>
         <p:txBody>
-          <a:bodyPr>
-            <a:normAutofit fontScale="90000"/>
-          </a:bodyPr>
-          <a:lstStyle/>
-          <a:p>
-            <a:r>
-              <a:rPr lang="es-AR" sz="2000" dirty="0" smtClean="0">
-                <a:latin typeface="Aharoni" pitchFamily="2" charset="-79"/>
-                <a:cs typeface="Aharoni" pitchFamily="2" charset="-79"/>
-              </a:rPr>
-              <a:t>Seguridad para Todos</a:t>
-            </a:r>
-            <a:endParaRPr lang="es-AR" sz="2000" dirty="0">
-              <a:latin typeface="Aharoni" pitchFamily="2" charset="-79"/>
-              <a:cs typeface="Aharoni" pitchFamily="2" charset="-79"/>
-            </a:endParaRPr>
-          </a:p>
-        </p:txBody>
-      </p:sp>
-      <p:sp>
-        <p:nvSpPr>
-          <p:cNvPr id="3" name="2 Subtítulo"/>
-          <p:cNvSpPr>
-            <a:spLocks noGrp="1"/>
-          </p:cNvSpPr>
-          <p:nvPr>
-            <p:ph type="subTitle" idx="1"/>
-          </p:nvPr>
-        </p:nvSpPr>
-        <p:spPr>
-          <a:xfrm>
-            <a:off x="5148064" y="239876"/>
-            <a:ext cx="3960440" cy="380812"/>
-          </a:xfrm>
-        </p:spPr>
-        <p:txBody>
-          <a:bodyPr>
+          <a:bodyPr rtlCol="0">
             <a:normAutofit fontScale="47500" lnSpcReduction="20000"/>
           </a:bodyPr>
           <a:lstStyle/>
           <a:p>
+            <a:pPr fontAlgn="auto">
+              <a:spcAft>
+                <a:spcPts val="0"/>
+              </a:spcAft>
+              <a:buFont typeface="Arial" pitchFamily="34" charset="0"/>
+              <a:buNone/>
+              <a:defRPr/>
+            </a:pPr>
             <a:r>
               <a:rPr lang="es-AR" dirty="0" smtClean="0">
                 <a:solidFill>
@@ -5945,83 +6445,73 @@
       </p:sp>
       <p:pic>
         <p:nvPicPr>
-          <p:cNvPr id="6" name="Picture 5"/>
+          <p:cNvPr id="21507" name="Picture 5"/>
           <p:cNvPicPr>
             <a:picLocks noChangeAspect="1"/>
           </p:cNvPicPr>
           <p:nvPr/>
         </p:nvPicPr>
         <p:blipFill>
-          <a:blip r:embed="rId2" cstate="print">
-            <a:extLst>
-              <a:ext uri="{28A0092B-C50C-407E-A947-70E740481C1C}">
-                <a14:useLocalDpi xmlns:a14="http://schemas.microsoft.com/office/drawing/2010/main" xmlns="" val="0"/>
-              </a:ext>
-            </a:extLst>
-          </a:blip>
+          <a:blip r:embed="rId2"/>
+          <a:srcRect/>
           <a:stretch>
             <a:fillRect/>
           </a:stretch>
         </p:blipFill>
-        <p:spPr>
+        <p:spPr bwMode="auto">
           <a:xfrm>
-            <a:off x="3203848" y="260648"/>
-            <a:ext cx="468052" cy="277364"/>
+            <a:off x="4859338" y="260350"/>
+            <a:ext cx="468312" cy="277813"/>
           </a:xfrm>
           <a:prstGeom prst="rect">
             <a:avLst/>
           </a:prstGeom>
+          <a:noFill/>
+          <a:ln w="9525">
+            <a:noFill/>
+            <a:miter lim="800000"/>
+            <a:headEnd/>
+            <a:tailEnd/>
+          </a:ln>
         </p:spPr>
       </p:pic>
       <p:sp>
         <p:nvSpPr>
-          <p:cNvPr id="8" name="1 Título"/>
+          <p:cNvPr id="21508" name="1 Título"/>
           <p:cNvSpPr txBox="1">
             <a:spLocks/>
           </p:cNvSpPr>
           <p:nvPr/>
         </p:nvSpPr>
-        <p:spPr>
+        <p:spPr bwMode="auto">
           <a:xfrm>
-            <a:off x="1907704" y="2780928"/>
-            <a:ext cx="5328592" cy="792088"/>
+            <a:off x="1908175" y="1916113"/>
+            <a:ext cx="5327650" cy="792162"/>
           </a:xfrm>
           <a:prstGeom prst="rect">
             <a:avLst/>
           </a:prstGeom>
+          <a:noFill/>
+          <a:ln w="9525">
+            <a:noFill/>
+            <a:miter lim="800000"/>
+            <a:headEnd/>
+            <a:tailEnd/>
+          </a:ln>
         </p:spPr>
         <p:txBody>
-          <a:bodyPr vert="horz" lIns="91440" tIns="45720" rIns="91440" bIns="45720" rtlCol="0" anchor="ctr">
-            <a:noAutofit/>
-          </a:bodyPr>
-          <a:lstStyle>
-            <a:lvl1pPr algn="ctr" defTabSz="914400" rtl="0" eaLnBrk="1" latinLnBrk="0" hangingPunct="1">
-              <a:spcBef>
-                <a:spcPct val="0"/>
-              </a:spcBef>
-              <a:buNone/>
-              <a:defRPr sz="4400" kern="1200">
-                <a:solidFill>
-                  <a:schemeClr val="tx1"/>
-                </a:solidFill>
-                <a:latin typeface="+mj-lt"/>
-                <a:ea typeface="+mj-ea"/>
-                <a:cs typeface="+mj-cs"/>
-              </a:defRPr>
-            </a:lvl1pPr>
-          </a:lstStyle>
-          <a:p>
-            <a:r>
-              <a:rPr lang="es-AR" sz="4800" b="1" dirty="0" smtClean="0">
+          <a:bodyPr anchor="ctr"/>
+          <a:lstStyle/>
+          <a:p>
+            <a:pPr algn="ctr"/>
+            <a:r>
+              <a:rPr lang="es-AR" sz="4800" b="1">
                 <a:latin typeface="Trebuchet MS" pitchFamily="34" charset="0"/>
-                <a:cs typeface="Levenim MT" pitchFamily="2" charset="-79"/>
+                <a:ea typeface="Levenim MT"/>
+                <a:cs typeface="Levenim MT"/>
               </a:rPr>
               <a:t>¿Preguntas?</a:t>
             </a:r>
-            <a:endParaRPr lang="es-AR" sz="4800" b="1" dirty="0">
-              <a:latin typeface="Trebuchet MS" pitchFamily="34" charset="0"/>
-              <a:cs typeface="Levenim MT" pitchFamily="2" charset="-79"/>
-            </a:endParaRPr>
           </a:p>
         </p:txBody>
       </p:sp>
@@ -6033,8 +6523,8 @@
         </p:nvCxnSpPr>
         <p:spPr>
           <a:xfrm>
-            <a:off x="395536" y="692696"/>
-            <a:ext cx="8496944" cy="0"/>
+            <a:off x="395288" y="692150"/>
+            <a:ext cx="8497887" cy="0"/>
           </a:xfrm>
           <a:prstGeom prst="line">
             <a:avLst/>
@@ -6062,248 +6552,87 @@
           </a:fontRef>
         </p:style>
       </p:cxnSp>
-    </p:spTree>
-    <p:extLst>
-      <p:ext uri="{BB962C8B-B14F-4D97-AF65-F5344CB8AC3E}">
-        <p14:creationId xmlns:p14="http://schemas.microsoft.com/office/powerpoint/2010/main" xmlns="" val="1235372326"/>
-      </p:ext>
-    </p:extLst>
-  </p:cSld>
-  <p:clrMapOvr>
-    <a:masterClrMapping/>
-  </p:clrMapOvr>
-  <p:timing>
-    <p:tnLst>
-      <p:par>
-        <p:cTn id="1" dur="indefinite" restart="never" nodeType="tmRoot"/>
-      </p:par>
-    </p:tnLst>
-  </p:timing>
-</p:sld>
-</file>
-
-<file path=ppt/slides/slide8.xml><?xml version="1.0" encoding="utf-8"?>
-<p:sld xmlns:a="http://schemas.openxmlformats.org/drawingml/2006/main" xmlns:r="http://schemas.openxmlformats.org/officeDocument/2006/relationships" xmlns:p="http://schemas.openxmlformats.org/presentationml/2006/main">
-  <p:cSld>
-    <p:spTree>
-      <p:nvGrpSpPr>
-        <p:cNvPr id="1" name=""/>
-        <p:cNvGrpSpPr/>
-        <p:nvPr/>
-      </p:nvGrpSpPr>
-      <p:grpSpPr>
-        <a:xfrm>
-          <a:off x="0" y="0"/>
-          <a:ext cx="0" cy="0"/>
-          <a:chOff x="0" y="0"/>
-          <a:chExt cx="0" cy="0"/>
-        </a:xfrm>
-      </p:grpSpPr>
       <p:sp>
         <p:nvSpPr>
           <p:cNvPr id="2" name="1 Título"/>
           <p:cNvSpPr>
-            <a:spLocks noGrp="1"/>
-          </p:cNvSpPr>
-          <p:nvPr>
-            <p:ph type="ctrTitle"/>
-          </p:nvPr>
-        </p:nvSpPr>
-        <p:spPr>
+            <a:spLocks/>
+          </p:cNvSpPr>
+          <p:nvPr/>
+        </p:nvSpPr>
+        <p:spPr bwMode="auto">
           <a:xfrm>
-            <a:off x="323528" y="260648"/>
-            <a:ext cx="2736304" cy="288032"/>
-          </a:xfrm>
-        </p:spPr>
-        <p:txBody>
-          <a:bodyPr>
-            <a:normAutofit fontScale="90000"/>
-          </a:bodyPr>
-          <a:lstStyle/>
-          <a:p>
-            <a:r>
-              <a:rPr lang="es-AR" sz="2000" dirty="0" smtClean="0">
-                <a:latin typeface="Aharoni" pitchFamily="2" charset="-79"/>
-                <a:cs typeface="Aharoni" pitchFamily="2" charset="-79"/>
-              </a:rPr>
-              <a:t>Seguridad para Todos</a:t>
-            </a:r>
-            <a:endParaRPr lang="es-AR" sz="2000" dirty="0">
-              <a:latin typeface="Aharoni" pitchFamily="2" charset="-79"/>
-              <a:cs typeface="Aharoni" pitchFamily="2" charset="-79"/>
-            </a:endParaRPr>
-          </a:p>
-        </p:txBody>
-      </p:sp>
-      <p:sp>
-        <p:nvSpPr>
-          <p:cNvPr id="3" name="2 Subtítulo"/>
-          <p:cNvSpPr>
-            <a:spLocks noGrp="1"/>
-          </p:cNvSpPr>
-          <p:nvPr>
-            <p:ph type="subTitle" idx="1"/>
-          </p:nvPr>
-        </p:nvSpPr>
-        <p:spPr>
-          <a:xfrm>
-            <a:off x="5148064" y="239876"/>
-            <a:ext cx="3960440" cy="380812"/>
-          </a:xfrm>
-        </p:spPr>
-        <p:txBody>
-          <a:bodyPr>
-            <a:normAutofit fontScale="47500" lnSpcReduction="20000"/>
-          </a:bodyPr>
-          <a:lstStyle/>
-          <a:p>
-            <a:r>
-              <a:rPr lang="es-AR" dirty="0" smtClean="0">
-                <a:solidFill>
-                  <a:schemeClr val="tx1">
-                    <a:lumMod val="65000"/>
-                    <a:lumOff val="35000"/>
-                  </a:schemeClr>
-                </a:solidFill>
-              </a:rPr>
-              <a:t>75.45 - Taller de Desarrollo de Proyectos I</a:t>
-            </a:r>
-            <a:endParaRPr lang="es-AR" dirty="0">
-              <a:solidFill>
-                <a:schemeClr val="tx1">
-                  <a:lumMod val="65000"/>
-                  <a:lumOff val="35000"/>
-                </a:schemeClr>
-              </a:solidFill>
-            </a:endParaRPr>
-          </a:p>
-        </p:txBody>
-      </p:sp>
-      <p:pic>
-        <p:nvPicPr>
-          <p:cNvPr id="6" name="Picture 5"/>
-          <p:cNvPicPr>
-            <a:picLocks noChangeAspect="1"/>
-          </p:cNvPicPr>
-          <p:nvPr/>
-        </p:nvPicPr>
-        <p:blipFill>
-          <a:blip r:embed="rId2" cstate="print">
-            <a:extLst>
-              <a:ext uri="{28A0092B-C50C-407E-A947-70E740481C1C}">
-                <a14:useLocalDpi xmlns:a14="http://schemas.microsoft.com/office/drawing/2010/main" xmlns="" val="0"/>
-              </a:ext>
-            </a:extLst>
-          </a:blip>
-          <a:stretch>
-            <a:fillRect/>
-          </a:stretch>
-        </p:blipFill>
-        <p:spPr>
-          <a:xfrm>
-            <a:off x="3203848" y="260648"/>
-            <a:ext cx="468052" cy="277364"/>
+            <a:off x="250825" y="260350"/>
+            <a:ext cx="4464050" cy="288925"/>
           </a:xfrm>
           <a:prstGeom prst="rect">
             <a:avLst/>
           </a:prstGeom>
+          <a:noFill/>
+          <a:ln w="9525">
+            <a:noFill/>
+            <a:miter lim="800000"/>
+            <a:headEnd/>
+            <a:tailEnd/>
+          </a:ln>
         </p:spPr>
-      </p:pic>
-      <p:sp>
-        <p:nvSpPr>
-          <p:cNvPr id="8" name="1 Título"/>
+        <p:txBody>
+          <a:bodyPr anchor="ctr"/>
+          <a:lstStyle/>
+          <a:p>
+            <a:pPr algn="ctr"/>
+            <a:r>
+              <a:rPr lang="es-AR">
+                <a:latin typeface="Aharoni"/>
+                <a:ea typeface="Aharoni"/>
+                <a:cs typeface="Aharoni"/>
+              </a:rPr>
+              <a:t>Seguridad para Todos: Panic Dial Button</a:t>
+            </a:r>
+          </a:p>
+        </p:txBody>
+      </p:sp>
+      <p:sp>
+        <p:nvSpPr>
+          <p:cNvPr id="21512" name="1 Título"/>
           <p:cNvSpPr txBox="1">
             <a:spLocks/>
           </p:cNvSpPr>
           <p:nvPr/>
         </p:nvSpPr>
-        <p:spPr>
+        <p:spPr bwMode="auto">
           <a:xfrm>
-            <a:off x="1907704" y="2780928"/>
-            <a:ext cx="5328592" cy="792088"/>
+            <a:off x="1908175" y="3789363"/>
+            <a:ext cx="5327650" cy="792162"/>
           </a:xfrm>
           <a:prstGeom prst="rect">
             <a:avLst/>
           </a:prstGeom>
+          <a:noFill/>
+          <a:ln w="9525">
+            <a:noFill/>
+            <a:miter lim="800000"/>
+            <a:headEnd/>
+            <a:tailEnd/>
+          </a:ln>
         </p:spPr>
         <p:txBody>
-          <a:bodyPr vert="horz" lIns="91440" tIns="45720" rIns="91440" bIns="45720" rtlCol="0" anchor="ctr">
-            <a:noAutofit/>
-          </a:bodyPr>
-          <a:lstStyle>
-            <a:lvl1pPr algn="ctr" defTabSz="914400" rtl="0" eaLnBrk="1" latinLnBrk="0" hangingPunct="1">
-              <a:spcBef>
-                <a:spcPct val="0"/>
-              </a:spcBef>
-              <a:buNone/>
-              <a:defRPr sz="4400" kern="1200">
-                <a:solidFill>
-                  <a:schemeClr val="tx1"/>
-                </a:solidFill>
-                <a:latin typeface="+mj-lt"/>
-                <a:ea typeface="+mj-ea"/>
-                <a:cs typeface="+mj-cs"/>
-              </a:defRPr>
-            </a:lvl1pPr>
-          </a:lstStyle>
-          <a:p>
-            <a:r>
-              <a:rPr lang="es-AR" sz="4800" b="1" dirty="0" smtClean="0">
+          <a:bodyPr anchor="ctr"/>
+          <a:lstStyle/>
+          <a:p>
+            <a:pPr algn="ctr"/>
+            <a:r>
+              <a:rPr lang="es-AR" sz="4800" b="1">
                 <a:latin typeface="Trebuchet MS" pitchFamily="34" charset="0"/>
-                <a:cs typeface="Levenim MT" pitchFamily="2" charset="-79"/>
+                <a:ea typeface="Levenim MT"/>
+                <a:cs typeface="Levenim MT"/>
               </a:rPr>
               <a:t>Muchas gracias</a:t>
             </a:r>
-            <a:endParaRPr lang="es-AR" sz="4800" b="1" dirty="0">
-              <a:latin typeface="Trebuchet MS" pitchFamily="34" charset="0"/>
-              <a:cs typeface="Levenim MT" pitchFamily="2" charset="-79"/>
-            </a:endParaRPr>
-          </a:p>
-        </p:txBody>
-      </p:sp>
-      <p:cxnSp>
-        <p:nvCxnSpPr>
-          <p:cNvPr id="5" name="Straight Connector 4"/>
-          <p:cNvCxnSpPr/>
-          <p:nvPr/>
-        </p:nvCxnSpPr>
-        <p:spPr>
-          <a:xfrm>
-            <a:off x="395536" y="692696"/>
-            <a:ext cx="8496944" cy="0"/>
-          </a:xfrm>
-          <a:prstGeom prst="line">
-            <a:avLst/>
-          </a:prstGeom>
-          <a:ln>
-            <a:solidFill>
-              <a:schemeClr val="bg1">
-                <a:lumMod val="65000"/>
-              </a:schemeClr>
-            </a:solidFill>
-          </a:ln>
-        </p:spPr>
-        <p:style>
-          <a:lnRef idx="1">
-            <a:schemeClr val="accent1"/>
-          </a:lnRef>
-          <a:fillRef idx="0">
-            <a:schemeClr val="accent1"/>
-          </a:fillRef>
-          <a:effectRef idx="0">
-            <a:schemeClr val="accent1"/>
-          </a:effectRef>
-          <a:fontRef idx="minor">
-            <a:schemeClr val="tx1"/>
-          </a:fontRef>
-        </p:style>
-      </p:cxnSp>
+          </a:p>
+        </p:txBody>
+      </p:sp>
     </p:spTree>
-    <p:extLst>
-      <p:ext uri="{BB962C8B-B14F-4D97-AF65-F5344CB8AC3E}">
-        <p14:creationId xmlns:p14="http://schemas.microsoft.com/office/powerpoint/2010/main" xmlns="" val="1235372326"/>
-      </p:ext>
-    </p:extLst>
   </p:cSld>
   <p:clrMapOvr>
     <a:masterClrMapping/>
